--- a/bi_ye_lun_wen/cao gao/实验介绍.pptx
+++ b/bi_ye_lun_wen/cao gao/实验介绍.pptx
@@ -5,15 +5,21 @@
     <p:sldMasterId id="2147483648" r:id="rId1"/>
   </p:sldMasterIdLst>
   <p:sldIdLst>
-    <p:sldId id="256" r:id="rId3"/>
+    <p:sldId id="256" r:id="rId2"/>
+    <p:sldId id="265" r:id="rId3"/>
     <p:sldId id="261" r:id="rId4"/>
-    <p:sldId id="264" r:id="rId5"/>
-    <p:sldId id="259" r:id="rId6"/>
-    <p:sldId id="257" r:id="rId7"/>
-    <p:sldId id="258" r:id="rId8"/>
-    <p:sldId id="260" r:id="rId9"/>
-    <p:sldId id="262" r:id="rId10"/>
-    <p:sldId id="263" r:id="rId11"/>
+    <p:sldId id="266" r:id="rId5"/>
+    <p:sldId id="267" r:id="rId6"/>
+    <p:sldId id="268" r:id="rId7"/>
+    <p:sldId id="269" r:id="rId8"/>
+    <p:sldId id="271" r:id="rId9"/>
+    <p:sldId id="270" r:id="rId10"/>
+    <p:sldId id="259" r:id="rId11"/>
+    <p:sldId id="257" r:id="rId12"/>
+    <p:sldId id="258" r:id="rId13"/>
+    <p:sldId id="260" r:id="rId14"/>
+    <p:sldId id="262" r:id="rId15"/>
+    <p:sldId id="263" r:id="rId16"/>
   </p:sldIdLst>
   <p:sldSz cx="12192000" cy="6858000"/>
   <p:notesSz cx="6858000" cy="9144000"/>
@@ -112,6 +118,11 @@
       </a:defRPr>
     </a:lvl9pPr>
   </p:defaultTextStyle>
+  <p:extLst>
+    <p:ext uri="{EFAFB233-063F-42B5-8137-9DF3F51BA10A}">
+      <p15:sldGuideLst xmlns:p15="http://schemas.microsoft.com/office/powerpoint/2012/main"/>
+    </p:ext>
+  </p:extLst>
 </p:presentation>
 </file>
 
@@ -157,10 +168,9 @@
           </a:lstStyle>
           <a:p>
             <a:r>
-              <a:rPr lang="zh-CN" altLang="en-US" smtClean="0"/>
+              <a:rPr lang="zh-CN" altLang="en-US"/>
               <a:t>单击此处编辑母版标题样式</a:t>
             </a:r>
-            <a:endParaRPr lang="zh-CN" altLang="en-US"/>
           </a:p>
         </p:txBody>
       </p:sp>
@@ -222,10 +232,9 @@
           </a:lstStyle>
           <a:p>
             <a:r>
-              <a:rPr lang="zh-CN" altLang="en-US" smtClean="0"/>
+              <a:rPr lang="zh-CN" altLang="en-US"/>
               <a:t>单击此处编辑母版副标题样式</a:t>
             </a:r>
-            <a:endParaRPr lang="zh-CN" altLang="en-US"/>
           </a:p>
         </p:txBody>
       </p:sp>
@@ -246,6 +255,7 @@
           <a:p>
             <a:fld id="{D997B5FA-0921-464F-AAE1-844C04324D75}" type="datetimeFigureOut">
               <a:rPr lang="zh-CN" altLang="en-US" smtClean="0"/>
+              <a:t>2018/4/9</a:t>
             </a:fld>
             <a:endParaRPr lang="zh-CN" altLang="en-US"/>
           </a:p>
@@ -287,6 +297,7 @@
           <a:p>
             <a:fld id="{565CE74E-AB26-4998-AD42-012C4C1AD076}" type="slidenum">
               <a:rPr lang="zh-CN" altLang="en-US" smtClean="0"/>
+              <a:t>‹#›</a:t>
             </a:fld>
             <a:endParaRPr lang="zh-CN" altLang="en-US"/>
           </a:p>
@@ -333,10 +344,9 @@
           <a:lstStyle/>
           <a:p>
             <a:r>
-              <a:rPr lang="zh-CN" altLang="en-US" smtClean="0"/>
+              <a:rPr lang="zh-CN" altLang="en-US"/>
               <a:t>单击此处编辑母版标题样式</a:t>
             </a:r>
-            <a:endParaRPr lang="zh-CN" altLang="en-US"/>
           </a:p>
         </p:txBody>
       </p:sp>
@@ -357,42 +367,37 @@
           <a:p>
             <a:pPr lvl="0"/>
             <a:r>
-              <a:rPr lang="zh-CN" altLang="en-US" smtClean="0"/>
+              <a:rPr lang="zh-CN" altLang="en-US"/>
               <a:t>单击此处编辑母版文本样式</a:t>
             </a:r>
-            <a:endParaRPr lang="zh-CN" altLang="en-US" smtClean="0"/>
           </a:p>
           <a:p>
             <a:pPr lvl="1"/>
             <a:r>
-              <a:rPr lang="zh-CN" altLang="en-US" smtClean="0"/>
+              <a:rPr lang="zh-CN" altLang="en-US"/>
               <a:t>第二级</a:t>
             </a:r>
-            <a:endParaRPr lang="zh-CN" altLang="en-US" smtClean="0"/>
           </a:p>
           <a:p>
             <a:pPr lvl="2"/>
             <a:r>
-              <a:rPr lang="zh-CN" altLang="en-US" smtClean="0"/>
+              <a:rPr lang="zh-CN" altLang="en-US"/>
               <a:t>第三级</a:t>
             </a:r>
-            <a:endParaRPr lang="zh-CN" altLang="en-US" smtClean="0"/>
           </a:p>
           <a:p>
             <a:pPr lvl="3"/>
             <a:r>
-              <a:rPr lang="zh-CN" altLang="en-US" smtClean="0"/>
+              <a:rPr lang="zh-CN" altLang="en-US"/>
               <a:t>第四级</a:t>
             </a:r>
-            <a:endParaRPr lang="zh-CN" altLang="en-US" smtClean="0"/>
           </a:p>
           <a:p>
             <a:pPr lvl="4"/>
             <a:r>
-              <a:rPr lang="zh-CN" altLang="en-US" smtClean="0"/>
+              <a:rPr lang="zh-CN" altLang="en-US"/>
               <a:t>第五级</a:t>
             </a:r>
-            <a:endParaRPr lang="zh-CN" altLang="en-US"/>
           </a:p>
         </p:txBody>
       </p:sp>
@@ -413,6 +418,7 @@
           <a:p>
             <a:fld id="{D997B5FA-0921-464F-AAE1-844C04324D75}" type="datetimeFigureOut">
               <a:rPr lang="zh-CN" altLang="en-US" smtClean="0"/>
+              <a:t>2018/4/9</a:t>
             </a:fld>
             <a:endParaRPr lang="zh-CN" altLang="en-US"/>
           </a:p>
@@ -454,6 +460,7 @@
           <a:p>
             <a:fld id="{565CE74E-AB26-4998-AD42-012C4C1AD076}" type="slidenum">
               <a:rPr lang="zh-CN" altLang="en-US" smtClean="0"/>
+              <a:t>‹#›</a:t>
             </a:fld>
             <a:endParaRPr lang="zh-CN" altLang="en-US"/>
           </a:p>
@@ -505,10 +512,9 @@
           <a:lstStyle/>
           <a:p>
             <a:r>
-              <a:rPr lang="zh-CN" altLang="en-US" smtClean="0"/>
+              <a:rPr lang="zh-CN" altLang="en-US"/>
               <a:t>单击此处编辑母版标题样式</a:t>
             </a:r>
-            <a:endParaRPr lang="zh-CN" altLang="en-US"/>
           </a:p>
         </p:txBody>
       </p:sp>
@@ -534,42 +540,37 @@
           <a:p>
             <a:pPr lvl="0"/>
             <a:r>
-              <a:rPr lang="zh-CN" altLang="en-US" smtClean="0"/>
+              <a:rPr lang="zh-CN" altLang="en-US"/>
               <a:t>单击此处编辑母版文本样式</a:t>
             </a:r>
-            <a:endParaRPr lang="zh-CN" altLang="en-US" smtClean="0"/>
           </a:p>
           <a:p>
             <a:pPr lvl="1"/>
             <a:r>
-              <a:rPr lang="zh-CN" altLang="en-US" smtClean="0"/>
+              <a:rPr lang="zh-CN" altLang="en-US"/>
               <a:t>第二级</a:t>
             </a:r>
-            <a:endParaRPr lang="zh-CN" altLang="en-US" smtClean="0"/>
           </a:p>
           <a:p>
             <a:pPr lvl="2"/>
             <a:r>
-              <a:rPr lang="zh-CN" altLang="en-US" smtClean="0"/>
+              <a:rPr lang="zh-CN" altLang="en-US"/>
               <a:t>第三级</a:t>
             </a:r>
-            <a:endParaRPr lang="zh-CN" altLang="en-US" smtClean="0"/>
           </a:p>
           <a:p>
             <a:pPr lvl="3"/>
             <a:r>
-              <a:rPr lang="zh-CN" altLang="en-US" smtClean="0"/>
+              <a:rPr lang="zh-CN" altLang="en-US"/>
               <a:t>第四级</a:t>
             </a:r>
-            <a:endParaRPr lang="zh-CN" altLang="en-US" smtClean="0"/>
           </a:p>
           <a:p>
             <a:pPr lvl="4"/>
             <a:r>
-              <a:rPr lang="zh-CN" altLang="en-US" smtClean="0"/>
+              <a:rPr lang="zh-CN" altLang="en-US"/>
               <a:t>第五级</a:t>
             </a:r>
-            <a:endParaRPr lang="zh-CN" altLang="en-US"/>
           </a:p>
         </p:txBody>
       </p:sp>
@@ -590,6 +591,7 @@
           <a:p>
             <a:fld id="{D997B5FA-0921-464F-AAE1-844C04324D75}" type="datetimeFigureOut">
               <a:rPr lang="zh-CN" altLang="en-US" smtClean="0"/>
+              <a:t>2018/4/9</a:t>
             </a:fld>
             <a:endParaRPr lang="zh-CN" altLang="en-US"/>
           </a:p>
@@ -631,6 +633,7 @@
           <a:p>
             <a:fld id="{565CE74E-AB26-4998-AD42-012C4C1AD076}" type="slidenum">
               <a:rPr lang="zh-CN" altLang="en-US" smtClean="0"/>
+              <a:t>‹#›</a:t>
             </a:fld>
             <a:endParaRPr lang="zh-CN" altLang="en-US"/>
           </a:p>
@@ -677,10 +680,9 @@
           <a:lstStyle/>
           <a:p>
             <a:r>
-              <a:rPr lang="zh-CN" altLang="en-US" smtClean="0"/>
+              <a:rPr lang="zh-CN" altLang="en-US"/>
               <a:t>单击此处编辑母版标题样式</a:t>
             </a:r>
-            <a:endParaRPr lang="zh-CN" altLang="en-US"/>
           </a:p>
         </p:txBody>
       </p:sp>
@@ -701,42 +703,37 @@
           <a:p>
             <a:pPr lvl="0"/>
             <a:r>
-              <a:rPr lang="zh-CN" altLang="en-US" smtClean="0"/>
+              <a:rPr lang="zh-CN" altLang="en-US"/>
               <a:t>单击此处编辑母版文本样式</a:t>
             </a:r>
-            <a:endParaRPr lang="zh-CN" altLang="en-US" smtClean="0"/>
           </a:p>
           <a:p>
             <a:pPr lvl="1"/>
             <a:r>
-              <a:rPr lang="zh-CN" altLang="en-US" smtClean="0"/>
+              <a:rPr lang="zh-CN" altLang="en-US"/>
               <a:t>第二级</a:t>
             </a:r>
-            <a:endParaRPr lang="zh-CN" altLang="en-US" smtClean="0"/>
           </a:p>
           <a:p>
             <a:pPr lvl="2"/>
             <a:r>
-              <a:rPr lang="zh-CN" altLang="en-US" smtClean="0"/>
+              <a:rPr lang="zh-CN" altLang="en-US"/>
               <a:t>第三级</a:t>
             </a:r>
-            <a:endParaRPr lang="zh-CN" altLang="en-US" smtClean="0"/>
           </a:p>
           <a:p>
             <a:pPr lvl="3"/>
             <a:r>
-              <a:rPr lang="zh-CN" altLang="en-US" smtClean="0"/>
+              <a:rPr lang="zh-CN" altLang="en-US"/>
               <a:t>第四级</a:t>
             </a:r>
-            <a:endParaRPr lang="zh-CN" altLang="en-US" smtClean="0"/>
           </a:p>
           <a:p>
             <a:pPr lvl="4"/>
             <a:r>
-              <a:rPr lang="zh-CN" altLang="en-US" smtClean="0"/>
+              <a:rPr lang="zh-CN" altLang="en-US"/>
               <a:t>第五级</a:t>
             </a:r>
-            <a:endParaRPr lang="zh-CN" altLang="en-US"/>
           </a:p>
         </p:txBody>
       </p:sp>
@@ -757,6 +754,7 @@
           <a:p>
             <a:fld id="{D997B5FA-0921-464F-AAE1-844C04324D75}" type="datetimeFigureOut">
               <a:rPr lang="zh-CN" altLang="en-US" smtClean="0"/>
+              <a:t>2018/4/9</a:t>
             </a:fld>
             <a:endParaRPr lang="zh-CN" altLang="en-US"/>
           </a:p>
@@ -798,6 +796,7 @@
           <a:p>
             <a:fld id="{565CE74E-AB26-4998-AD42-012C4C1AD076}" type="slidenum">
               <a:rPr lang="zh-CN" altLang="en-US" smtClean="0"/>
+              <a:t>‹#›</a:t>
             </a:fld>
             <a:endParaRPr lang="zh-CN" altLang="en-US"/>
           </a:p>
@@ -853,10 +852,9 @@
           </a:lstStyle>
           <a:p>
             <a:r>
-              <a:rPr lang="zh-CN" altLang="en-US" smtClean="0"/>
+              <a:rPr lang="zh-CN" altLang="en-US"/>
               <a:t>单击此处编辑母版标题样式</a:t>
             </a:r>
-            <a:endParaRPr lang="zh-CN" altLang="en-US"/>
           </a:p>
         </p:txBody>
       </p:sp>
@@ -973,10 +971,9 @@
           <a:p>
             <a:pPr lvl="0"/>
             <a:r>
-              <a:rPr lang="zh-CN" altLang="en-US" smtClean="0"/>
+              <a:rPr lang="zh-CN" altLang="en-US"/>
               <a:t>单击此处编辑母版文本样式</a:t>
             </a:r>
-            <a:endParaRPr lang="zh-CN" altLang="en-US" smtClean="0"/>
           </a:p>
         </p:txBody>
       </p:sp>
@@ -997,6 +994,7 @@
           <a:p>
             <a:fld id="{D997B5FA-0921-464F-AAE1-844C04324D75}" type="datetimeFigureOut">
               <a:rPr lang="zh-CN" altLang="en-US" smtClean="0"/>
+              <a:t>2018/4/9</a:t>
             </a:fld>
             <a:endParaRPr lang="zh-CN" altLang="en-US"/>
           </a:p>
@@ -1038,6 +1036,7 @@
           <a:p>
             <a:fld id="{565CE74E-AB26-4998-AD42-012C4C1AD076}" type="slidenum">
               <a:rPr lang="zh-CN" altLang="en-US" smtClean="0"/>
+              <a:t>‹#›</a:t>
             </a:fld>
             <a:endParaRPr lang="zh-CN" altLang="en-US"/>
           </a:p>
@@ -1084,10 +1083,9 @@
           <a:lstStyle/>
           <a:p>
             <a:r>
-              <a:rPr lang="zh-CN" altLang="en-US" smtClean="0"/>
+              <a:rPr lang="zh-CN" altLang="en-US"/>
               <a:t>单击此处编辑母版标题样式</a:t>
             </a:r>
-            <a:endParaRPr lang="zh-CN" altLang="en-US"/>
           </a:p>
         </p:txBody>
       </p:sp>
@@ -1113,42 +1111,37 @@
           <a:p>
             <a:pPr lvl="0"/>
             <a:r>
-              <a:rPr lang="zh-CN" altLang="en-US" smtClean="0"/>
+              <a:rPr lang="zh-CN" altLang="en-US"/>
               <a:t>单击此处编辑母版文本样式</a:t>
             </a:r>
-            <a:endParaRPr lang="zh-CN" altLang="en-US" smtClean="0"/>
           </a:p>
           <a:p>
             <a:pPr lvl="1"/>
             <a:r>
-              <a:rPr lang="zh-CN" altLang="en-US" smtClean="0"/>
+              <a:rPr lang="zh-CN" altLang="en-US"/>
               <a:t>第二级</a:t>
             </a:r>
-            <a:endParaRPr lang="zh-CN" altLang="en-US" smtClean="0"/>
           </a:p>
           <a:p>
             <a:pPr lvl="2"/>
             <a:r>
-              <a:rPr lang="zh-CN" altLang="en-US" smtClean="0"/>
+              <a:rPr lang="zh-CN" altLang="en-US"/>
               <a:t>第三级</a:t>
             </a:r>
-            <a:endParaRPr lang="zh-CN" altLang="en-US" smtClean="0"/>
           </a:p>
           <a:p>
             <a:pPr lvl="3"/>
             <a:r>
-              <a:rPr lang="zh-CN" altLang="en-US" smtClean="0"/>
+              <a:rPr lang="zh-CN" altLang="en-US"/>
               <a:t>第四级</a:t>
             </a:r>
-            <a:endParaRPr lang="zh-CN" altLang="en-US" smtClean="0"/>
           </a:p>
           <a:p>
             <a:pPr lvl="4"/>
             <a:r>
-              <a:rPr lang="zh-CN" altLang="en-US" smtClean="0"/>
+              <a:rPr lang="zh-CN" altLang="en-US"/>
               <a:t>第五级</a:t>
             </a:r>
-            <a:endParaRPr lang="zh-CN" altLang="en-US"/>
           </a:p>
         </p:txBody>
       </p:sp>
@@ -1174,42 +1167,37 @@
           <a:p>
             <a:pPr lvl="0"/>
             <a:r>
-              <a:rPr lang="zh-CN" altLang="en-US" smtClean="0"/>
+              <a:rPr lang="zh-CN" altLang="en-US"/>
               <a:t>单击此处编辑母版文本样式</a:t>
             </a:r>
-            <a:endParaRPr lang="zh-CN" altLang="en-US" smtClean="0"/>
           </a:p>
           <a:p>
             <a:pPr lvl="1"/>
             <a:r>
-              <a:rPr lang="zh-CN" altLang="en-US" smtClean="0"/>
+              <a:rPr lang="zh-CN" altLang="en-US"/>
               <a:t>第二级</a:t>
             </a:r>
-            <a:endParaRPr lang="zh-CN" altLang="en-US" smtClean="0"/>
           </a:p>
           <a:p>
             <a:pPr lvl="2"/>
             <a:r>
-              <a:rPr lang="zh-CN" altLang="en-US" smtClean="0"/>
+              <a:rPr lang="zh-CN" altLang="en-US"/>
               <a:t>第三级</a:t>
             </a:r>
-            <a:endParaRPr lang="zh-CN" altLang="en-US" smtClean="0"/>
           </a:p>
           <a:p>
             <a:pPr lvl="3"/>
             <a:r>
-              <a:rPr lang="zh-CN" altLang="en-US" smtClean="0"/>
+              <a:rPr lang="zh-CN" altLang="en-US"/>
               <a:t>第四级</a:t>
             </a:r>
-            <a:endParaRPr lang="zh-CN" altLang="en-US" smtClean="0"/>
           </a:p>
           <a:p>
             <a:pPr lvl="4"/>
             <a:r>
-              <a:rPr lang="zh-CN" altLang="en-US" smtClean="0"/>
+              <a:rPr lang="zh-CN" altLang="en-US"/>
               <a:t>第五级</a:t>
             </a:r>
-            <a:endParaRPr lang="zh-CN" altLang="en-US"/>
           </a:p>
         </p:txBody>
       </p:sp>
@@ -1230,6 +1218,7 @@
           <a:p>
             <a:fld id="{D997B5FA-0921-464F-AAE1-844C04324D75}" type="datetimeFigureOut">
               <a:rPr lang="zh-CN" altLang="en-US" smtClean="0"/>
+              <a:t>2018/4/9</a:t>
             </a:fld>
             <a:endParaRPr lang="zh-CN" altLang="en-US"/>
           </a:p>
@@ -1271,6 +1260,7 @@
           <a:p>
             <a:fld id="{565CE74E-AB26-4998-AD42-012C4C1AD076}" type="slidenum">
               <a:rPr lang="zh-CN" altLang="en-US" smtClean="0"/>
+              <a:t>‹#›</a:t>
             </a:fld>
             <a:endParaRPr lang="zh-CN" altLang="en-US"/>
           </a:p>
@@ -1322,10 +1312,9 @@
           <a:lstStyle/>
           <a:p>
             <a:r>
-              <a:rPr lang="zh-CN" altLang="en-US" smtClean="0"/>
+              <a:rPr lang="zh-CN" altLang="en-US"/>
               <a:t>单击此处编辑母版标题样式</a:t>
             </a:r>
-            <a:endParaRPr lang="zh-CN" altLang="en-US"/>
           </a:p>
         </p:txBody>
       </p:sp>
@@ -1388,10 +1377,9 @@
           <a:p>
             <a:pPr lvl="0"/>
             <a:r>
-              <a:rPr lang="zh-CN" altLang="en-US" smtClean="0"/>
+              <a:rPr lang="zh-CN" altLang="en-US"/>
               <a:t>单击此处编辑母版文本样式</a:t>
             </a:r>
-            <a:endParaRPr lang="zh-CN" altLang="en-US" smtClean="0"/>
           </a:p>
         </p:txBody>
       </p:sp>
@@ -1417,42 +1405,37 @@
           <a:p>
             <a:pPr lvl="0"/>
             <a:r>
-              <a:rPr lang="zh-CN" altLang="en-US" smtClean="0"/>
+              <a:rPr lang="zh-CN" altLang="en-US"/>
               <a:t>单击此处编辑母版文本样式</a:t>
             </a:r>
-            <a:endParaRPr lang="zh-CN" altLang="en-US" smtClean="0"/>
           </a:p>
           <a:p>
             <a:pPr lvl="1"/>
             <a:r>
-              <a:rPr lang="zh-CN" altLang="en-US" smtClean="0"/>
+              <a:rPr lang="zh-CN" altLang="en-US"/>
               <a:t>第二级</a:t>
             </a:r>
-            <a:endParaRPr lang="zh-CN" altLang="en-US" smtClean="0"/>
           </a:p>
           <a:p>
             <a:pPr lvl="2"/>
             <a:r>
-              <a:rPr lang="zh-CN" altLang="en-US" smtClean="0"/>
+              <a:rPr lang="zh-CN" altLang="en-US"/>
               <a:t>第三级</a:t>
             </a:r>
-            <a:endParaRPr lang="zh-CN" altLang="en-US" smtClean="0"/>
           </a:p>
           <a:p>
             <a:pPr lvl="3"/>
             <a:r>
-              <a:rPr lang="zh-CN" altLang="en-US" smtClean="0"/>
+              <a:rPr lang="zh-CN" altLang="en-US"/>
               <a:t>第四级</a:t>
             </a:r>
-            <a:endParaRPr lang="zh-CN" altLang="en-US" smtClean="0"/>
           </a:p>
           <a:p>
             <a:pPr lvl="4"/>
             <a:r>
-              <a:rPr lang="zh-CN" altLang="en-US" smtClean="0"/>
+              <a:rPr lang="zh-CN" altLang="en-US"/>
               <a:t>第五级</a:t>
             </a:r>
-            <a:endParaRPr lang="zh-CN" altLang="en-US"/>
           </a:p>
         </p:txBody>
       </p:sp>
@@ -1515,10 +1498,9 @@
           <a:p>
             <a:pPr lvl="0"/>
             <a:r>
-              <a:rPr lang="zh-CN" altLang="en-US" smtClean="0"/>
+              <a:rPr lang="zh-CN" altLang="en-US"/>
               <a:t>单击此处编辑母版文本样式</a:t>
             </a:r>
-            <a:endParaRPr lang="zh-CN" altLang="en-US" smtClean="0"/>
           </a:p>
         </p:txBody>
       </p:sp>
@@ -1544,42 +1526,37 @@
           <a:p>
             <a:pPr lvl="0"/>
             <a:r>
-              <a:rPr lang="zh-CN" altLang="en-US" smtClean="0"/>
+              <a:rPr lang="zh-CN" altLang="en-US"/>
               <a:t>单击此处编辑母版文本样式</a:t>
             </a:r>
-            <a:endParaRPr lang="zh-CN" altLang="en-US" smtClean="0"/>
           </a:p>
           <a:p>
             <a:pPr lvl="1"/>
             <a:r>
-              <a:rPr lang="zh-CN" altLang="en-US" smtClean="0"/>
+              <a:rPr lang="zh-CN" altLang="en-US"/>
               <a:t>第二级</a:t>
             </a:r>
-            <a:endParaRPr lang="zh-CN" altLang="en-US" smtClean="0"/>
           </a:p>
           <a:p>
             <a:pPr lvl="2"/>
             <a:r>
-              <a:rPr lang="zh-CN" altLang="en-US" smtClean="0"/>
+              <a:rPr lang="zh-CN" altLang="en-US"/>
               <a:t>第三级</a:t>
             </a:r>
-            <a:endParaRPr lang="zh-CN" altLang="en-US" smtClean="0"/>
           </a:p>
           <a:p>
             <a:pPr lvl="3"/>
             <a:r>
-              <a:rPr lang="zh-CN" altLang="en-US" smtClean="0"/>
+              <a:rPr lang="zh-CN" altLang="en-US"/>
               <a:t>第四级</a:t>
             </a:r>
-            <a:endParaRPr lang="zh-CN" altLang="en-US" smtClean="0"/>
           </a:p>
           <a:p>
             <a:pPr lvl="4"/>
             <a:r>
-              <a:rPr lang="zh-CN" altLang="en-US" smtClean="0"/>
+              <a:rPr lang="zh-CN" altLang="en-US"/>
               <a:t>第五级</a:t>
             </a:r>
-            <a:endParaRPr lang="zh-CN" altLang="en-US"/>
           </a:p>
         </p:txBody>
       </p:sp>
@@ -1600,6 +1577,7 @@
           <a:p>
             <a:fld id="{D997B5FA-0921-464F-AAE1-844C04324D75}" type="datetimeFigureOut">
               <a:rPr lang="zh-CN" altLang="en-US" smtClean="0"/>
+              <a:t>2018/4/9</a:t>
             </a:fld>
             <a:endParaRPr lang="zh-CN" altLang="en-US"/>
           </a:p>
@@ -1641,6 +1619,7 @@
           <a:p>
             <a:fld id="{565CE74E-AB26-4998-AD42-012C4C1AD076}" type="slidenum">
               <a:rPr lang="zh-CN" altLang="en-US" smtClean="0"/>
+              <a:t>‹#›</a:t>
             </a:fld>
             <a:endParaRPr lang="zh-CN" altLang="en-US"/>
           </a:p>
@@ -1687,10 +1666,9 @@
           <a:lstStyle/>
           <a:p>
             <a:r>
-              <a:rPr lang="zh-CN" altLang="en-US" smtClean="0"/>
+              <a:rPr lang="zh-CN" altLang="en-US"/>
               <a:t>单击此处编辑母版标题样式</a:t>
             </a:r>
-            <a:endParaRPr lang="zh-CN" altLang="en-US"/>
           </a:p>
         </p:txBody>
       </p:sp>
@@ -1711,6 +1689,7 @@
           <a:p>
             <a:fld id="{D997B5FA-0921-464F-AAE1-844C04324D75}" type="datetimeFigureOut">
               <a:rPr lang="zh-CN" altLang="en-US" smtClean="0"/>
+              <a:t>2018/4/9</a:t>
             </a:fld>
             <a:endParaRPr lang="zh-CN" altLang="en-US"/>
           </a:p>
@@ -1752,6 +1731,7 @@
           <a:p>
             <a:fld id="{565CE74E-AB26-4998-AD42-012C4C1AD076}" type="slidenum">
               <a:rPr lang="zh-CN" altLang="en-US" smtClean="0"/>
+              <a:t>‹#›</a:t>
             </a:fld>
             <a:endParaRPr lang="zh-CN" altLang="en-US"/>
           </a:p>
@@ -1799,6 +1779,7 @@
           <a:p>
             <a:fld id="{D997B5FA-0921-464F-AAE1-844C04324D75}" type="datetimeFigureOut">
               <a:rPr lang="zh-CN" altLang="en-US" smtClean="0"/>
+              <a:t>2018/4/9</a:t>
             </a:fld>
             <a:endParaRPr lang="zh-CN" altLang="en-US"/>
           </a:p>
@@ -1840,6 +1821,7 @@
           <a:p>
             <a:fld id="{565CE74E-AB26-4998-AD42-012C4C1AD076}" type="slidenum">
               <a:rPr lang="zh-CN" altLang="en-US" smtClean="0"/>
+              <a:t>‹#›</a:t>
             </a:fld>
             <a:endParaRPr lang="zh-CN" altLang="en-US"/>
           </a:p>
@@ -1895,10 +1877,9 @@
           </a:lstStyle>
           <a:p>
             <a:r>
-              <a:rPr lang="zh-CN" altLang="en-US" smtClean="0"/>
+              <a:rPr lang="zh-CN" altLang="en-US"/>
               <a:t>单击此处编辑母版标题样式</a:t>
             </a:r>
-            <a:endParaRPr lang="zh-CN" altLang="en-US"/>
           </a:p>
         </p:txBody>
       </p:sp>
@@ -1952,42 +1933,37 @@
           <a:p>
             <a:pPr lvl="0"/>
             <a:r>
-              <a:rPr lang="zh-CN" altLang="en-US" smtClean="0"/>
+              <a:rPr lang="zh-CN" altLang="en-US"/>
               <a:t>单击此处编辑母版文本样式</a:t>
             </a:r>
-            <a:endParaRPr lang="zh-CN" altLang="en-US" smtClean="0"/>
           </a:p>
           <a:p>
             <a:pPr lvl="1"/>
             <a:r>
-              <a:rPr lang="zh-CN" altLang="en-US" smtClean="0"/>
+              <a:rPr lang="zh-CN" altLang="en-US"/>
               <a:t>第二级</a:t>
             </a:r>
-            <a:endParaRPr lang="zh-CN" altLang="en-US" smtClean="0"/>
           </a:p>
           <a:p>
             <a:pPr lvl="2"/>
             <a:r>
-              <a:rPr lang="zh-CN" altLang="en-US" smtClean="0"/>
+              <a:rPr lang="zh-CN" altLang="en-US"/>
               <a:t>第三级</a:t>
             </a:r>
-            <a:endParaRPr lang="zh-CN" altLang="en-US" smtClean="0"/>
           </a:p>
           <a:p>
             <a:pPr lvl="3"/>
             <a:r>
-              <a:rPr lang="zh-CN" altLang="en-US" smtClean="0"/>
+              <a:rPr lang="zh-CN" altLang="en-US"/>
               <a:t>第四级</a:t>
             </a:r>
-            <a:endParaRPr lang="zh-CN" altLang="en-US" smtClean="0"/>
           </a:p>
           <a:p>
             <a:pPr lvl="4"/>
             <a:r>
-              <a:rPr lang="zh-CN" altLang="en-US" smtClean="0"/>
+              <a:rPr lang="zh-CN" altLang="en-US"/>
               <a:t>第五级</a:t>
             </a:r>
-            <a:endParaRPr lang="zh-CN" altLang="en-US"/>
           </a:p>
         </p:txBody>
       </p:sp>
@@ -2050,10 +2026,9 @@
           <a:p>
             <a:pPr lvl="0"/>
             <a:r>
-              <a:rPr lang="zh-CN" altLang="en-US" smtClean="0"/>
+              <a:rPr lang="zh-CN" altLang="en-US"/>
               <a:t>单击此处编辑母版文本样式</a:t>
             </a:r>
-            <a:endParaRPr lang="zh-CN" altLang="en-US" smtClean="0"/>
           </a:p>
         </p:txBody>
       </p:sp>
@@ -2074,6 +2049,7 @@
           <a:p>
             <a:fld id="{D997B5FA-0921-464F-AAE1-844C04324D75}" type="datetimeFigureOut">
               <a:rPr lang="zh-CN" altLang="en-US" smtClean="0"/>
+              <a:t>2018/4/9</a:t>
             </a:fld>
             <a:endParaRPr lang="zh-CN" altLang="en-US"/>
           </a:p>
@@ -2115,6 +2091,7 @@
           <a:p>
             <a:fld id="{565CE74E-AB26-4998-AD42-012C4C1AD076}" type="slidenum">
               <a:rPr lang="zh-CN" altLang="en-US" smtClean="0"/>
+              <a:t>‹#›</a:t>
             </a:fld>
             <a:endParaRPr lang="zh-CN" altLang="en-US"/>
           </a:p>
@@ -2170,10 +2147,9 @@
           </a:lstStyle>
           <a:p>
             <a:r>
-              <a:rPr lang="zh-CN" altLang="en-US" smtClean="0"/>
+              <a:rPr lang="zh-CN" altLang="en-US"/>
               <a:t>单击此处编辑母版标题样式</a:t>
             </a:r>
-            <a:endParaRPr lang="zh-CN" altLang="en-US"/>
           </a:p>
         </p:txBody>
       </p:sp>
@@ -2297,10 +2273,9 @@
           <a:p>
             <a:pPr lvl="0"/>
             <a:r>
-              <a:rPr lang="zh-CN" altLang="en-US" smtClean="0"/>
+              <a:rPr lang="zh-CN" altLang="en-US"/>
               <a:t>单击此处编辑母版文本样式</a:t>
             </a:r>
-            <a:endParaRPr lang="zh-CN" altLang="en-US" smtClean="0"/>
           </a:p>
         </p:txBody>
       </p:sp>
@@ -2321,6 +2296,7 @@
           <a:p>
             <a:fld id="{D997B5FA-0921-464F-AAE1-844C04324D75}" type="datetimeFigureOut">
               <a:rPr lang="zh-CN" altLang="en-US" smtClean="0"/>
+              <a:t>2018/4/9</a:t>
             </a:fld>
             <a:endParaRPr lang="zh-CN" altLang="en-US"/>
           </a:p>
@@ -2362,6 +2338,7 @@
           <a:p>
             <a:fld id="{565CE74E-AB26-4998-AD42-012C4C1AD076}" type="slidenum">
               <a:rPr lang="zh-CN" altLang="en-US" smtClean="0"/>
+              <a:t>‹#›</a:t>
             </a:fld>
             <a:endParaRPr lang="zh-CN" altLang="en-US"/>
           </a:p>
@@ -2423,10 +2400,9 @@
           <a:lstStyle/>
           <a:p>
             <a:r>
-              <a:rPr lang="zh-CN" altLang="en-US" smtClean="0"/>
+              <a:rPr lang="zh-CN" altLang="en-US"/>
               <a:t>单击此处编辑母版标题样式</a:t>
             </a:r>
-            <a:endParaRPr lang="zh-CN" altLang="en-US"/>
           </a:p>
         </p:txBody>
       </p:sp>
@@ -2457,42 +2433,37 @@
           <a:p>
             <a:pPr lvl="0"/>
             <a:r>
-              <a:rPr lang="zh-CN" altLang="en-US" smtClean="0"/>
+              <a:rPr lang="zh-CN" altLang="en-US"/>
               <a:t>单击此处编辑母版文本样式</a:t>
             </a:r>
-            <a:endParaRPr lang="zh-CN" altLang="en-US" smtClean="0"/>
           </a:p>
           <a:p>
             <a:pPr lvl="1"/>
             <a:r>
-              <a:rPr lang="zh-CN" altLang="en-US" smtClean="0"/>
+              <a:rPr lang="zh-CN" altLang="en-US"/>
               <a:t>第二级</a:t>
             </a:r>
-            <a:endParaRPr lang="zh-CN" altLang="en-US" smtClean="0"/>
           </a:p>
           <a:p>
             <a:pPr lvl="2"/>
             <a:r>
-              <a:rPr lang="zh-CN" altLang="en-US" smtClean="0"/>
+              <a:rPr lang="zh-CN" altLang="en-US"/>
               <a:t>第三级</a:t>
             </a:r>
-            <a:endParaRPr lang="zh-CN" altLang="en-US" smtClean="0"/>
           </a:p>
           <a:p>
             <a:pPr lvl="3"/>
             <a:r>
-              <a:rPr lang="zh-CN" altLang="en-US" smtClean="0"/>
+              <a:rPr lang="zh-CN" altLang="en-US"/>
               <a:t>第四级</a:t>
             </a:r>
-            <a:endParaRPr lang="zh-CN" altLang="en-US" smtClean="0"/>
           </a:p>
           <a:p>
             <a:pPr lvl="4"/>
             <a:r>
-              <a:rPr lang="zh-CN" altLang="en-US" smtClean="0"/>
+              <a:rPr lang="zh-CN" altLang="en-US"/>
               <a:t>第五级</a:t>
             </a:r>
-            <a:endParaRPr lang="zh-CN" altLang="en-US"/>
           </a:p>
         </p:txBody>
       </p:sp>
@@ -2531,6 +2502,7 @@
           <a:p>
             <a:fld id="{D997B5FA-0921-464F-AAE1-844C04324D75}" type="datetimeFigureOut">
               <a:rPr lang="zh-CN" altLang="en-US" smtClean="0"/>
+              <a:t>2018/4/9</a:t>
             </a:fld>
             <a:endParaRPr lang="zh-CN" altLang="en-US"/>
           </a:p>
@@ -2608,6 +2580,7 @@
           <a:p>
             <a:fld id="{565CE74E-AB26-4998-AD42-012C4C1AD076}" type="slidenum">
               <a:rPr lang="zh-CN" altLang="en-US" smtClean="0"/>
+              <a:t>‹#›</a:t>
             </a:fld>
             <a:endParaRPr lang="zh-CN" altLang="en-US"/>
           </a:p>
@@ -2921,7 +2894,14 @@
         <p:cNvGrpSpPr/>
         <p:nvPr/>
       </p:nvGrpSpPr>
-      <p:grpSpPr/>
+      <p:grpSpPr>
+        <a:xfrm>
+          <a:off x="0" y="0"/>
+          <a:ext cx="0" cy="0"/>
+          <a:chOff x="0" y="0"/>
+          <a:chExt cx="0" cy="0"/>
+        </a:xfrm>
+      </p:grpSpPr>
       <p:sp>
         <p:nvSpPr>
           <p:cNvPr id="2" name="标题 1"/>
@@ -2935,6 +2915,7 @@
         <p:spPr/>
         <p:txBody>
           <a:bodyPr/>
+          <a:lstStyle/>
           <a:p>
             <a:r>
               <a:rPr lang="zh-CN" altLang="en-US"/>
@@ -2948,7 +2929,6 @@
               <a:rPr lang="zh-CN" altLang="en-US"/>
               <a:t>化学实验</a:t>
             </a:r>
-            <a:endParaRPr lang="zh-CN" altLang="en-US"/>
           </a:p>
         </p:txBody>
       </p:sp>
@@ -2965,6 +2945,7 @@
         <p:spPr/>
         <p:txBody>
           <a:bodyPr/>
+          <a:lstStyle/>
           <a:p>
             <a:r>
               <a:rPr lang="zh-CN" altLang="en-US"/>
@@ -2978,10 +2959,817 @@
               <a:rPr lang="zh-CN" altLang="en-US"/>
               <a:t>模拟化学实验</a:t>
             </a:r>
+          </a:p>
+        </p:txBody>
+      </p:sp>
+    </p:spTree>
+  </p:cSld>
+  <p:clrMapOvr>
+    <a:masterClrMapping/>
+  </p:clrMapOvr>
+</p:sld>
+</file>
+
+<file path=ppt/slides/slide10.xml><?xml version="1.0" encoding="utf-8"?>
+<p:sld xmlns:a="http://schemas.openxmlformats.org/drawingml/2006/main" xmlns:r="http://schemas.openxmlformats.org/officeDocument/2006/relationships" xmlns:p="http://schemas.openxmlformats.org/presentationml/2006/main">
+  <p:cSld>
+    <p:spTree>
+      <p:nvGrpSpPr>
+        <p:cNvPr id="1" name=""/>
+        <p:cNvGrpSpPr/>
+        <p:nvPr/>
+      </p:nvGrpSpPr>
+      <p:grpSpPr>
+        <a:xfrm>
+          <a:off x="0" y="0"/>
+          <a:ext cx="0" cy="0"/>
+          <a:chOff x="0" y="0"/>
+          <a:chExt cx="0" cy="0"/>
+        </a:xfrm>
+      </p:grpSpPr>
+      <p:pic>
+        <p:nvPicPr>
+          <p:cNvPr id="5" name="图片 4"/>
+          <p:cNvPicPr>
+            <a:picLocks noChangeAspect="1"/>
+          </p:cNvPicPr>
+          <p:nvPr/>
+        </p:nvPicPr>
+        <p:blipFill>
+          <a:blip r:embed="rId2"/>
+          <a:stretch>
+            <a:fillRect/>
+          </a:stretch>
+        </p:blipFill>
+        <p:spPr>
+          <a:xfrm>
+            <a:off x="80645" y="172720"/>
+            <a:ext cx="5401310" cy="3641725"/>
+          </a:xfrm>
+          <a:prstGeom prst="rect">
+            <a:avLst/>
+          </a:prstGeom>
+        </p:spPr>
+      </p:pic>
+      <p:pic>
+        <p:nvPicPr>
+          <p:cNvPr id="4" name="内容占位符 3"/>
+          <p:cNvPicPr>
+            <a:picLocks noGrp="1" noChangeAspect="1"/>
+          </p:cNvPicPr>
+          <p:nvPr>
+            <p:ph idx="1"/>
+          </p:nvPr>
+        </p:nvPicPr>
+        <p:blipFill>
+          <a:blip r:embed="rId3"/>
+          <a:stretch>
+            <a:fillRect/>
+          </a:stretch>
+        </p:blipFill>
+        <p:spPr>
+          <a:xfrm>
+            <a:off x="6402705" y="2033270"/>
+            <a:ext cx="5052060" cy="4351655"/>
+          </a:xfrm>
+          <a:prstGeom prst="rect">
+            <a:avLst/>
+          </a:prstGeom>
+        </p:spPr>
+      </p:pic>
+      <p:cxnSp>
+        <p:nvCxnSpPr>
+          <p:cNvPr id="6" name="直接箭头连接符 5"/>
+          <p:cNvCxnSpPr/>
+          <p:nvPr/>
+        </p:nvCxnSpPr>
+        <p:spPr>
+          <a:xfrm flipV="1">
+            <a:off x="4884420" y="1253490"/>
+            <a:ext cx="2628019" cy="864006"/>
+          </a:xfrm>
+          <a:prstGeom prst="straightConnector1">
+            <a:avLst/>
+          </a:prstGeom>
+          <a:ln w="38100">
+            <a:solidFill>
+              <a:schemeClr val="accent1"/>
+            </a:solidFill>
+            <a:tailEnd type="arrow" w="med" len="med"/>
+          </a:ln>
+        </p:spPr>
+        <p:style>
+          <a:lnRef idx="3">
+            <a:schemeClr val="accent1"/>
+          </a:lnRef>
+          <a:fillRef idx="0">
+            <a:schemeClr val="accent1"/>
+          </a:fillRef>
+          <a:effectRef idx="2">
+            <a:schemeClr val="accent1"/>
+          </a:effectRef>
+          <a:fontRef idx="minor">
+            <a:schemeClr val="tx1"/>
+          </a:fontRef>
+        </p:style>
+      </p:cxnSp>
+      <p:sp>
+        <p:nvSpPr>
+          <p:cNvPr id="7" name="矩形 6"/>
+          <p:cNvSpPr/>
+          <p:nvPr/>
+        </p:nvSpPr>
+        <p:spPr>
+          <a:xfrm>
+            <a:off x="7520940" y="812165"/>
+            <a:ext cx="2555875" cy="983615"/>
+          </a:xfrm>
+          <a:prstGeom prst="rect">
+            <a:avLst/>
+          </a:prstGeom>
+          <a:ln w="38100"/>
+        </p:spPr>
+        <p:style>
+          <a:lnRef idx="2">
+            <a:schemeClr val="accent6"/>
+          </a:lnRef>
+          <a:fillRef idx="1">
+            <a:schemeClr val="lt1"/>
+          </a:fillRef>
+          <a:effectRef idx="0">
+            <a:schemeClr val="accent6"/>
+          </a:effectRef>
+          <a:fontRef idx="minor">
+            <a:schemeClr val="dk1"/>
+          </a:fontRef>
+        </p:style>
+        <p:txBody>
+          <a:bodyPr rtlCol="0" anchor="ctr"/>
+          <a:lstStyle/>
+          <a:p>
+            <a:pPr algn="ctr"/>
+            <a:r>
+              <a:rPr lang="zh-CN" altLang="en-US"/>
+              <a:t>实验台</a:t>
+            </a:r>
+          </a:p>
+        </p:txBody>
+      </p:sp>
+      <p:sp>
+        <p:nvSpPr>
+          <p:cNvPr id="8" name="矩形 7"/>
+          <p:cNvSpPr/>
+          <p:nvPr/>
+        </p:nvSpPr>
+        <p:spPr>
+          <a:xfrm>
+            <a:off x="6659880" y="3527425"/>
+            <a:ext cx="1231265" cy="737235"/>
+          </a:xfrm>
+          <a:prstGeom prst="rect">
+            <a:avLst/>
+          </a:prstGeom>
+          <a:ln w="38100"/>
+        </p:spPr>
+        <p:style>
+          <a:lnRef idx="2">
+            <a:schemeClr val="accent6"/>
+          </a:lnRef>
+          <a:fillRef idx="1">
+            <a:schemeClr val="lt1"/>
+          </a:fillRef>
+          <a:effectRef idx="0">
+            <a:schemeClr val="accent6"/>
+          </a:effectRef>
+          <a:fontRef idx="minor">
+            <a:schemeClr val="dk1"/>
+          </a:fontRef>
+        </p:style>
+        <p:txBody>
+          <a:bodyPr rtlCol="0" anchor="ctr"/>
+          <a:lstStyle/>
+          <a:p>
+            <a:pPr algn="ctr"/>
+            <a:r>
+              <a:rPr lang="zh-CN" altLang="en-US"/>
+              <a:t>酒精灯盖</a:t>
+            </a:r>
+          </a:p>
+        </p:txBody>
+      </p:sp>
+      <p:sp>
+        <p:nvSpPr>
+          <p:cNvPr id="9" name="矩形 8"/>
+          <p:cNvSpPr/>
+          <p:nvPr/>
+        </p:nvSpPr>
+        <p:spPr>
+          <a:xfrm>
+            <a:off x="7328535" y="5427345"/>
+            <a:ext cx="1231265" cy="737235"/>
+          </a:xfrm>
+          <a:prstGeom prst="rect">
+            <a:avLst/>
+          </a:prstGeom>
+          <a:ln w="38100"/>
+        </p:spPr>
+        <p:style>
+          <a:lnRef idx="2">
+            <a:schemeClr val="accent6"/>
+          </a:lnRef>
+          <a:fillRef idx="1">
+            <a:schemeClr val="lt1"/>
+          </a:fillRef>
+          <a:effectRef idx="0">
+            <a:schemeClr val="accent6"/>
+          </a:effectRef>
+          <a:fontRef idx="minor">
+            <a:schemeClr val="dk1"/>
+          </a:fontRef>
+        </p:style>
+        <p:txBody>
+          <a:bodyPr rtlCol="0" anchor="ctr"/>
+          <a:lstStyle/>
+          <a:p>
+            <a:pPr algn="ctr"/>
+            <a:r>
+              <a:rPr lang="zh-CN" altLang="en-US"/>
+              <a:t>镁条</a:t>
+            </a:r>
+          </a:p>
+        </p:txBody>
+      </p:sp>
+      <p:sp>
+        <p:nvSpPr>
+          <p:cNvPr id="10" name="矩形 9"/>
+          <p:cNvSpPr/>
+          <p:nvPr/>
+        </p:nvSpPr>
+        <p:spPr>
+          <a:xfrm>
+            <a:off x="8372475" y="3279140"/>
+            <a:ext cx="1231265" cy="737235"/>
+          </a:xfrm>
+          <a:prstGeom prst="rect">
+            <a:avLst/>
+          </a:prstGeom>
+          <a:ln w="38100"/>
+        </p:spPr>
+        <p:style>
+          <a:lnRef idx="2">
+            <a:schemeClr val="accent6"/>
+          </a:lnRef>
+          <a:fillRef idx="1">
+            <a:schemeClr val="lt1"/>
+          </a:fillRef>
+          <a:effectRef idx="0">
+            <a:schemeClr val="accent6"/>
+          </a:effectRef>
+          <a:fontRef idx="minor">
+            <a:schemeClr val="dk1"/>
+          </a:fontRef>
+        </p:style>
+        <p:txBody>
+          <a:bodyPr rtlCol="0" anchor="ctr"/>
+          <a:lstStyle/>
+          <a:p>
+            <a:pPr algn="ctr"/>
+            <a:r>
+              <a:rPr lang="zh-CN" altLang="en-US"/>
+              <a:t>酒精灯</a:t>
+            </a:r>
+          </a:p>
+        </p:txBody>
+      </p:sp>
+      <p:sp>
+        <p:nvSpPr>
+          <p:cNvPr id="11" name="矩形 10"/>
+          <p:cNvSpPr/>
+          <p:nvPr/>
+        </p:nvSpPr>
+        <p:spPr>
+          <a:xfrm>
+            <a:off x="10172065" y="3212465"/>
+            <a:ext cx="1231265" cy="737235"/>
+          </a:xfrm>
+          <a:prstGeom prst="rect">
+            <a:avLst/>
+          </a:prstGeom>
+          <a:ln w="38100"/>
+        </p:spPr>
+        <p:style>
+          <a:lnRef idx="2">
+            <a:schemeClr val="accent6"/>
+          </a:lnRef>
+          <a:fillRef idx="1">
+            <a:schemeClr val="lt1"/>
+          </a:fillRef>
+          <a:effectRef idx="0">
+            <a:schemeClr val="accent6"/>
+          </a:effectRef>
+          <a:fontRef idx="minor">
+            <a:schemeClr val="dk1"/>
+          </a:fontRef>
+        </p:style>
+        <p:txBody>
+          <a:bodyPr rtlCol="0" anchor="ctr"/>
+          <a:lstStyle/>
+          <a:p>
+            <a:pPr algn="ctr"/>
+            <a:r>
+              <a:rPr lang="zh-CN" altLang="en-US"/>
+              <a:t>烧杯</a:t>
+            </a:r>
+          </a:p>
+        </p:txBody>
+      </p:sp>
+    </p:spTree>
+  </p:cSld>
+  <p:clrMapOvr>
+    <a:masterClrMapping/>
+  </p:clrMapOvr>
+</p:sld>
+</file>
+
+<file path=ppt/slides/slide11.xml><?xml version="1.0" encoding="utf-8"?>
+<p:sld xmlns:a="http://schemas.openxmlformats.org/drawingml/2006/main" xmlns:r="http://schemas.openxmlformats.org/officeDocument/2006/relationships" xmlns:p="http://schemas.openxmlformats.org/presentationml/2006/main">
+  <p:cSld>
+    <p:spTree>
+      <p:nvGrpSpPr>
+        <p:cNvPr id="1" name=""/>
+        <p:cNvGrpSpPr/>
+        <p:nvPr/>
+      </p:nvGrpSpPr>
+      <p:grpSpPr>
+        <a:xfrm>
+          <a:off x="0" y="0"/>
+          <a:ext cx="0" cy="0"/>
+          <a:chOff x="0" y="0"/>
+          <a:chExt cx="0" cy="0"/>
+        </a:xfrm>
+      </p:grpSpPr>
+      <p:sp>
+        <p:nvSpPr>
+          <p:cNvPr id="2" name="标题 1"/>
+          <p:cNvSpPr>
+            <a:spLocks noGrp="1"/>
+          </p:cNvSpPr>
+          <p:nvPr>
+            <p:ph type="title"/>
+          </p:nvPr>
+        </p:nvSpPr>
+        <p:spPr/>
+        <p:txBody>
+          <a:bodyPr>
+            <a:normAutofit/>
+          </a:bodyPr>
+          <a:lstStyle/>
+          <a:p>
+            <a:r>
+              <a:rPr lang="en-US" altLang="zh-CN"/>
+              <a:t>leapmotion</a:t>
+            </a:r>
+          </a:p>
+        </p:txBody>
+      </p:sp>
+      <p:pic>
+        <p:nvPicPr>
+          <p:cNvPr id="4" name="内容占位符 3"/>
+          <p:cNvPicPr>
+            <a:picLocks noGrp="1" noChangeAspect="1"/>
+          </p:cNvPicPr>
+          <p:nvPr>
+            <p:ph idx="1"/>
+          </p:nvPr>
+        </p:nvPicPr>
+        <p:blipFill>
+          <a:blip r:embed="rId2"/>
+          <a:stretch>
+            <a:fillRect/>
+          </a:stretch>
+        </p:blipFill>
+        <p:spPr>
+          <a:xfrm>
+            <a:off x="2664460" y="1838960"/>
+            <a:ext cx="6344285" cy="4351655"/>
+          </a:xfrm>
+          <a:prstGeom prst="rect">
+            <a:avLst/>
+          </a:prstGeom>
+        </p:spPr>
+      </p:pic>
+    </p:spTree>
+  </p:cSld>
+  <p:clrMapOvr>
+    <a:masterClrMapping/>
+  </p:clrMapOvr>
+</p:sld>
+</file>
+
+<file path=ppt/slides/slide12.xml><?xml version="1.0" encoding="utf-8"?>
+<p:sld xmlns:a="http://schemas.openxmlformats.org/drawingml/2006/main" xmlns:r="http://schemas.openxmlformats.org/officeDocument/2006/relationships" xmlns:p="http://schemas.openxmlformats.org/presentationml/2006/main">
+  <p:cSld>
+    <p:spTree>
+      <p:nvGrpSpPr>
+        <p:cNvPr id="1" name=""/>
+        <p:cNvGrpSpPr/>
+        <p:nvPr/>
+      </p:nvGrpSpPr>
+      <p:grpSpPr>
+        <a:xfrm>
+          <a:off x="0" y="0"/>
+          <a:ext cx="0" cy="0"/>
+          <a:chOff x="0" y="0"/>
+          <a:chExt cx="0" cy="0"/>
+        </a:xfrm>
+      </p:grpSpPr>
+      <p:sp>
+        <p:nvSpPr>
+          <p:cNvPr id="2" name="标题 1"/>
+          <p:cNvSpPr>
+            <a:spLocks noGrp="1"/>
+          </p:cNvSpPr>
+          <p:nvPr>
+            <p:ph type="title"/>
+          </p:nvPr>
+        </p:nvSpPr>
+        <p:spPr/>
+        <p:txBody>
+          <a:bodyPr/>
+          <a:lstStyle/>
+          <a:p>
+            <a:r>
+              <a:rPr lang="zh-CN" altLang="en-US"/>
+              <a:t>点火</a:t>
+            </a:r>
+          </a:p>
+        </p:txBody>
+      </p:sp>
+      <p:pic>
+        <p:nvPicPr>
+          <p:cNvPr id="4" name="内容占位符 3"/>
+          <p:cNvPicPr>
+            <a:picLocks noGrp="1" noChangeAspect="1"/>
+          </p:cNvPicPr>
+          <p:nvPr>
+            <p:ph idx="1"/>
+          </p:nvPr>
+        </p:nvPicPr>
+        <p:blipFill>
+          <a:blip r:embed="rId2"/>
+          <a:stretch>
+            <a:fillRect/>
+          </a:stretch>
+        </p:blipFill>
+        <p:spPr>
+          <a:xfrm>
+            <a:off x="746760" y="1534795"/>
+            <a:ext cx="5078095" cy="4351655"/>
+          </a:xfrm>
+          <a:prstGeom prst="rect">
+            <a:avLst/>
+          </a:prstGeom>
+        </p:spPr>
+      </p:pic>
+      <p:pic>
+        <p:nvPicPr>
+          <p:cNvPr id="5" name="图片 4"/>
+          <p:cNvPicPr>
+            <a:picLocks noChangeAspect="1"/>
+          </p:cNvPicPr>
+          <p:nvPr/>
+        </p:nvPicPr>
+        <p:blipFill>
+          <a:blip r:embed="rId3"/>
+          <a:stretch>
+            <a:fillRect/>
+          </a:stretch>
+        </p:blipFill>
+        <p:spPr>
+          <a:xfrm>
+            <a:off x="7215505" y="2508250"/>
+            <a:ext cx="3944620" cy="2482215"/>
+          </a:xfrm>
+          <a:prstGeom prst="rect">
+            <a:avLst/>
+          </a:prstGeom>
+        </p:spPr>
+      </p:pic>
+      <p:cxnSp>
+        <p:nvCxnSpPr>
+          <p:cNvPr id="6" name="直接箭头连接符 5"/>
+          <p:cNvCxnSpPr/>
+          <p:nvPr/>
+        </p:nvCxnSpPr>
+        <p:spPr>
+          <a:xfrm flipV="1">
+            <a:off x="5981700" y="3595370"/>
+            <a:ext cx="1927225" cy="307975"/>
+          </a:xfrm>
+          <a:prstGeom prst="straightConnector1">
+            <a:avLst/>
+          </a:prstGeom>
+          <a:ln w="57150">
+            <a:tailEnd type="arrow"/>
+          </a:ln>
+        </p:spPr>
+        <p:style>
+          <a:lnRef idx="1">
+            <a:schemeClr val="accent1"/>
+          </a:lnRef>
+          <a:fillRef idx="0">
+            <a:schemeClr val="accent1"/>
+          </a:fillRef>
+          <a:effectRef idx="0">
+            <a:schemeClr val="accent1"/>
+          </a:effectRef>
+          <a:fontRef idx="minor">
+            <a:schemeClr val="tx1"/>
+          </a:fontRef>
+        </p:style>
+      </p:cxnSp>
+    </p:spTree>
+  </p:cSld>
+  <p:clrMapOvr>
+    <a:masterClrMapping/>
+  </p:clrMapOvr>
+</p:sld>
+</file>
+
+<file path=ppt/slides/slide13.xml><?xml version="1.0" encoding="utf-8"?>
+<p:sld xmlns:a="http://schemas.openxmlformats.org/drawingml/2006/main" xmlns:r="http://schemas.openxmlformats.org/officeDocument/2006/relationships" xmlns:p="http://schemas.openxmlformats.org/presentationml/2006/main">
+  <p:cSld>
+    <p:spTree>
+      <p:nvGrpSpPr>
+        <p:cNvPr id="1" name=""/>
+        <p:cNvGrpSpPr/>
+        <p:nvPr/>
+      </p:nvGrpSpPr>
+      <p:grpSpPr>
+        <a:xfrm>
+          <a:off x="0" y="0"/>
+          <a:ext cx="0" cy="0"/>
+          <a:chOff x="0" y="0"/>
+          <a:chExt cx="0" cy="0"/>
+        </a:xfrm>
+      </p:grpSpPr>
+      <p:sp>
+        <p:nvSpPr>
+          <p:cNvPr id="2" name="标题 1"/>
+          <p:cNvSpPr>
+            <a:spLocks noGrp="1"/>
+          </p:cNvSpPr>
+          <p:nvPr>
+            <p:ph type="title"/>
+          </p:nvPr>
+        </p:nvSpPr>
+        <p:spPr/>
+        <p:txBody>
+          <a:bodyPr/>
+          <a:lstStyle/>
+          <a:p>
             <a:endParaRPr lang="zh-CN" altLang="en-US"/>
           </a:p>
         </p:txBody>
       </p:sp>
+      <p:pic>
+        <p:nvPicPr>
+          <p:cNvPr id="4" name="内容占位符 3"/>
+          <p:cNvPicPr>
+            <a:picLocks noGrp="1" noChangeAspect="1"/>
+          </p:cNvPicPr>
+          <p:nvPr>
+            <p:ph idx="1"/>
+          </p:nvPr>
+        </p:nvPicPr>
+        <p:blipFill>
+          <a:blip r:embed="rId2"/>
+          <a:stretch>
+            <a:fillRect/>
+          </a:stretch>
+        </p:blipFill>
+        <p:spPr>
+          <a:xfrm>
+            <a:off x="796290" y="1420495"/>
+            <a:ext cx="5121275" cy="4351655"/>
+          </a:xfrm>
+          <a:prstGeom prst="rect">
+            <a:avLst/>
+          </a:prstGeom>
+        </p:spPr>
+      </p:pic>
+      <p:pic>
+        <p:nvPicPr>
+          <p:cNvPr id="5" name="图片 4"/>
+          <p:cNvPicPr>
+            <a:picLocks noChangeAspect="1"/>
+          </p:cNvPicPr>
+          <p:nvPr/>
+        </p:nvPicPr>
+        <p:blipFill>
+          <a:blip r:embed="rId3"/>
+          <a:stretch>
+            <a:fillRect/>
+          </a:stretch>
+        </p:blipFill>
+        <p:spPr>
+          <a:xfrm>
+            <a:off x="6198235" y="1227455"/>
+            <a:ext cx="5481320" cy="4737735"/>
+          </a:xfrm>
+          <a:prstGeom prst="rect">
+            <a:avLst/>
+          </a:prstGeom>
+        </p:spPr>
+      </p:pic>
+    </p:spTree>
+  </p:cSld>
+  <p:clrMapOvr>
+    <a:masterClrMapping/>
+  </p:clrMapOvr>
+</p:sld>
+</file>
+
+<file path=ppt/slides/slide14.xml><?xml version="1.0" encoding="utf-8"?>
+<p:sld xmlns:a="http://schemas.openxmlformats.org/drawingml/2006/main" xmlns:r="http://schemas.openxmlformats.org/officeDocument/2006/relationships" xmlns:p="http://schemas.openxmlformats.org/presentationml/2006/main">
+  <p:cSld>
+    <p:spTree>
+      <p:nvGrpSpPr>
+        <p:cNvPr id="1" name=""/>
+        <p:cNvGrpSpPr/>
+        <p:nvPr/>
+      </p:nvGrpSpPr>
+      <p:grpSpPr>
+        <a:xfrm>
+          <a:off x="0" y="0"/>
+          <a:ext cx="0" cy="0"/>
+          <a:chOff x="0" y="0"/>
+          <a:chExt cx="0" cy="0"/>
+        </a:xfrm>
+      </p:grpSpPr>
+      <p:sp>
+        <p:nvSpPr>
+          <p:cNvPr id="2" name="标题 1"/>
+          <p:cNvSpPr>
+            <a:spLocks noGrp="1"/>
+          </p:cNvSpPr>
+          <p:nvPr>
+            <p:ph type="title"/>
+          </p:nvPr>
+        </p:nvSpPr>
+        <p:spPr/>
+        <p:txBody>
+          <a:bodyPr/>
+          <a:lstStyle/>
+          <a:p>
+            <a:endParaRPr lang="zh-CN" altLang="en-US"/>
+          </a:p>
+        </p:txBody>
+      </p:sp>
+      <p:pic>
+        <p:nvPicPr>
+          <p:cNvPr id="7" name="内容占位符 6"/>
+          <p:cNvPicPr>
+            <a:picLocks noGrp="1" noChangeAspect="1"/>
+          </p:cNvPicPr>
+          <p:nvPr>
+            <p:ph idx="1"/>
+          </p:nvPr>
+        </p:nvPicPr>
+        <p:blipFill>
+          <a:blip r:embed="rId2"/>
+          <a:stretch>
+            <a:fillRect/>
+          </a:stretch>
+        </p:blipFill>
+        <p:spPr>
+          <a:xfrm>
+            <a:off x="6361430" y="1798320"/>
+            <a:ext cx="5219700" cy="4511675"/>
+          </a:xfrm>
+          <a:prstGeom prst="rect">
+            <a:avLst/>
+          </a:prstGeom>
+        </p:spPr>
+      </p:pic>
+      <p:pic>
+        <p:nvPicPr>
+          <p:cNvPr id="6" name="图片 5"/>
+          <p:cNvPicPr>
+            <a:picLocks noChangeAspect="1"/>
+          </p:cNvPicPr>
+          <p:nvPr/>
+        </p:nvPicPr>
+        <p:blipFill>
+          <a:blip r:embed="rId3"/>
+          <a:stretch>
+            <a:fillRect/>
+          </a:stretch>
+        </p:blipFill>
+        <p:spPr>
+          <a:xfrm>
+            <a:off x="691515" y="1691640"/>
+            <a:ext cx="5390515" cy="4658995"/>
+          </a:xfrm>
+          <a:prstGeom prst="rect">
+            <a:avLst/>
+          </a:prstGeom>
+        </p:spPr>
+      </p:pic>
+    </p:spTree>
+  </p:cSld>
+  <p:clrMapOvr>
+    <a:masterClrMapping/>
+  </p:clrMapOvr>
+</p:sld>
+</file>
+
+<file path=ppt/slides/slide15.xml><?xml version="1.0" encoding="utf-8"?>
+<p:sld xmlns:a="http://schemas.openxmlformats.org/drawingml/2006/main" xmlns:r="http://schemas.openxmlformats.org/officeDocument/2006/relationships" xmlns:p="http://schemas.openxmlformats.org/presentationml/2006/main">
+  <p:cSld>
+    <p:spTree>
+      <p:nvGrpSpPr>
+        <p:cNvPr id="1" name=""/>
+        <p:cNvGrpSpPr/>
+        <p:nvPr/>
+      </p:nvGrpSpPr>
+      <p:grpSpPr>
+        <a:xfrm>
+          <a:off x="0" y="0"/>
+          <a:ext cx="0" cy="0"/>
+          <a:chOff x="0" y="0"/>
+          <a:chExt cx="0" cy="0"/>
+        </a:xfrm>
+      </p:grpSpPr>
+      <p:sp>
+        <p:nvSpPr>
+          <p:cNvPr id="2" name="标题 1"/>
+          <p:cNvSpPr>
+            <a:spLocks noGrp="1"/>
+          </p:cNvSpPr>
+          <p:nvPr>
+            <p:ph type="title"/>
+          </p:nvPr>
+        </p:nvSpPr>
+        <p:spPr/>
+        <p:txBody>
+          <a:bodyPr/>
+          <a:lstStyle/>
+          <a:p>
+            <a:endParaRPr lang="zh-CN" altLang="en-US"/>
+          </a:p>
+        </p:txBody>
+      </p:sp>
+      <p:pic>
+        <p:nvPicPr>
+          <p:cNvPr id="9" name="内容占位符 8"/>
+          <p:cNvPicPr>
+            <a:picLocks noGrp="1" noChangeAspect="1"/>
+          </p:cNvPicPr>
+          <p:nvPr>
+            <p:ph idx="1"/>
+          </p:nvPr>
+        </p:nvPicPr>
+        <p:blipFill>
+          <a:blip r:embed="rId2"/>
+          <a:stretch>
+            <a:fillRect/>
+          </a:stretch>
+        </p:blipFill>
+        <p:spPr>
+          <a:xfrm>
+            <a:off x="6318885" y="1393190"/>
+            <a:ext cx="5542915" cy="4791075"/>
+          </a:xfrm>
+          <a:prstGeom prst="rect">
+            <a:avLst/>
+          </a:prstGeom>
+        </p:spPr>
+      </p:pic>
+      <p:pic>
+        <p:nvPicPr>
+          <p:cNvPr id="8" name="图片 7"/>
+          <p:cNvPicPr>
+            <a:picLocks noChangeAspect="1"/>
+          </p:cNvPicPr>
+          <p:nvPr/>
+        </p:nvPicPr>
+        <p:blipFill>
+          <a:blip r:embed="rId3"/>
+          <a:stretch>
+            <a:fillRect/>
+          </a:stretch>
+        </p:blipFill>
+        <p:spPr>
+          <a:xfrm>
+            <a:off x="387985" y="1393190"/>
+            <a:ext cx="5543550" cy="4791075"/>
+          </a:xfrm>
+          <a:prstGeom prst="rect">
+            <a:avLst/>
+          </a:prstGeom>
+        </p:spPr>
+      </p:pic>
     </p:spTree>
   </p:cSld>
   <p:clrMapOvr>
@@ -2999,10 +3787,23 @@
         <p:cNvGrpSpPr/>
         <p:nvPr/>
       </p:nvGrpSpPr>
-      <p:grpSpPr/>
-      <p:sp>
-        <p:nvSpPr>
-          <p:cNvPr id="2" name="标题 1"/>
+      <p:grpSpPr>
+        <a:xfrm>
+          <a:off x="0" y="0"/>
+          <a:ext cx="0" cy="0"/>
+          <a:chOff x="0" y="0"/>
+          <a:chExt cx="0" cy="0"/>
+        </a:xfrm>
+      </p:grpSpPr>
+      <p:sp>
+        <p:nvSpPr>
+          <p:cNvPr id="2" name="标题 1">
+            <a:extLst>
+              <a:ext uri="{FF2B5EF4-FFF2-40B4-BE49-F238E27FC236}">
+                <a16:creationId xmlns:a16="http://schemas.microsoft.com/office/drawing/2014/main" id="{8EE7748A-1DC3-481F-8D7A-DD7F40C89726}"/>
+              </a:ext>
+            </a:extLst>
+          </p:cNvPr>
           <p:cNvSpPr>
             <a:spLocks noGrp="1"/>
           </p:cNvSpPr>
@@ -3013,18 +3814,25 @@
         <p:spPr/>
         <p:txBody>
           <a:bodyPr/>
-          <a:p>
-            <a:r>
-              <a:rPr lang="zh-CN" altLang="en-US"/>
-              <a:t>介绍</a:t>
-            </a:r>
-            <a:endParaRPr lang="zh-CN" altLang="en-US"/>
-          </a:p>
-        </p:txBody>
-      </p:sp>
-      <p:sp>
-        <p:nvSpPr>
-          <p:cNvPr id="3" name="内容占位符 2"/>
+          <a:lstStyle/>
+          <a:p>
+            <a:r>
+              <a:rPr lang="zh-CN" altLang="en-US" dirty="0"/>
+              <a:t>设计动机</a:t>
+            </a:r>
+            <a:endParaRPr lang="en-US" dirty="0"/>
+          </a:p>
+        </p:txBody>
+      </p:sp>
+      <p:sp>
+        <p:nvSpPr>
+          <p:cNvPr id="3" name="内容占位符 2">
+            <a:extLst>
+              <a:ext uri="{FF2B5EF4-FFF2-40B4-BE49-F238E27FC236}">
+                <a16:creationId xmlns:a16="http://schemas.microsoft.com/office/drawing/2014/main" id="{70DE2F8D-65F5-4C53-88C7-7C33554851F1}"/>
+              </a:ext>
+            </a:extLst>
+          </p:cNvPr>
           <p:cNvSpPr>
             <a:spLocks noGrp="1"/>
           </p:cNvSpPr>
@@ -3035,57 +3843,73 @@
         <p:spPr/>
         <p:txBody>
           <a:bodyPr/>
-          <a:p>
-            <a:r>
-              <a:rPr lang="zh-CN" altLang="en-US"/>
-              <a:t>本应用利用</a:t>
-            </a:r>
-            <a:r>
-              <a:rPr lang="en-US" altLang="zh-CN"/>
-              <a:t>HTC Vive HMD /leapmotion </a:t>
-            </a:r>
-            <a:r>
-              <a:rPr lang="zh-CN" altLang="en-US"/>
-              <a:t>在虚拟空间模拟</a:t>
-            </a:r>
-            <a:r>
-              <a:rPr lang="zh-CN" altLang="en-US"/>
-              <a:t>的化学实验室。</a:t>
-            </a:r>
-            <a:endParaRPr lang="zh-CN" altLang="en-US"/>
-          </a:p>
-          <a:p>
-            <a:r>
-              <a:rPr lang="en-US" altLang="zh-CN"/>
-              <a:t>VR model</a:t>
-            </a:r>
-            <a:endParaRPr lang="en-US" altLang="zh-CN"/>
+          <a:lstStyle/>
+          <a:p>
+            <a:r>
+              <a:rPr lang="zh-CN" altLang="en-US" dirty="0"/>
+              <a:t>通过 </a:t>
+            </a:r>
+            <a:r>
+              <a:rPr lang="en-US" altLang="zh-CN" dirty="0"/>
+              <a:t>VR </a:t>
+            </a:r>
+            <a:r>
+              <a:rPr lang="zh-CN" altLang="en-US" dirty="0"/>
+              <a:t>和</a:t>
+            </a:r>
+            <a:r>
+              <a:rPr lang="en-US" altLang="zh-CN" dirty="0"/>
+              <a:t>AR </a:t>
+            </a:r>
+            <a:r>
+              <a:rPr lang="zh-CN" altLang="en-US" dirty="0"/>
+              <a:t>技术实现在虚拟化学实验室里进行化学实验有以下优势</a:t>
+            </a:r>
+            <a:endParaRPr lang="en-US" altLang="zh-CN" dirty="0"/>
           </a:p>
           <a:p>
             <a:pPr lvl="1"/>
             <a:r>
-              <a:rPr lang="en-US" altLang="zh-CN">
-                <a:sym typeface="+mn-ea"/>
-              </a:rPr>
-              <a:t>HTC Vive/Oculus HMD </a:t>
-            </a:r>
-            <a:endParaRPr lang="en-US" altLang="zh-CN">
-              <a:sym typeface="+mn-ea"/>
-            </a:endParaRPr>
+              <a:rPr lang="zh-CN" altLang="en-US" dirty="0"/>
+              <a:t>熟悉实验操作流程</a:t>
+            </a:r>
+            <a:endParaRPr lang="en-US" altLang="zh-CN" dirty="0"/>
           </a:p>
           <a:p>
             <a:pPr lvl="1"/>
-            <a:endParaRPr lang="en-US" altLang="zh-CN">
-              <a:sym typeface="+mn-ea"/>
-            </a:endParaRPr>
-          </a:p>
-          <a:p>
-            <a:pPr lvl="0"/>
-            <a:endParaRPr lang="en-US" altLang="zh-CN"/>
+            <a:r>
+              <a:rPr lang="zh-CN" altLang="en-US" dirty="0"/>
+              <a:t>降低初学者危险性</a:t>
+            </a:r>
+            <a:endParaRPr lang="en-US" altLang="zh-CN" dirty="0"/>
+          </a:p>
+          <a:p>
+            <a:pPr lvl="1"/>
+            <a:r>
+              <a:rPr lang="zh-CN" altLang="en-US" dirty="0"/>
+              <a:t>可反复回顾练习，节约试剂材料</a:t>
+            </a:r>
+            <a:endParaRPr lang="en-US" altLang="zh-CN" dirty="0"/>
+          </a:p>
+          <a:p>
+            <a:pPr lvl="1"/>
+            <a:r>
+              <a:rPr lang="zh-CN" altLang="en-US" dirty="0"/>
+              <a:t>直观动态的观察分子组合和排列结构</a:t>
+            </a:r>
+            <a:endParaRPr lang="en-US" altLang="zh-CN" dirty="0"/>
+          </a:p>
+          <a:p>
+            <a:endParaRPr lang="en-US" dirty="0"/>
           </a:p>
         </p:txBody>
       </p:sp>
     </p:spTree>
+    <p:extLst>
+      <p:ext uri="{BB962C8B-B14F-4D97-AF65-F5344CB8AC3E}">
+        <p14:creationId xmlns:p14="http://schemas.microsoft.com/office/powerpoint/2010/main" val="3665459290"/>
+      </p:ext>
+    </p:extLst>
   </p:cSld>
   <p:clrMapOvr>
     <a:masterClrMapping/>
@@ -3102,7 +3926,14 @@
         <p:cNvGrpSpPr/>
         <p:nvPr/>
       </p:nvGrpSpPr>
-      <p:grpSpPr/>
+      <p:grpSpPr>
+        <a:xfrm>
+          <a:off x="0" y="0"/>
+          <a:ext cx="0" cy="0"/>
+          <a:chOff x="0" y="0"/>
+          <a:chExt cx="0" cy="0"/>
+        </a:xfrm>
+      </p:grpSpPr>
       <p:sp>
         <p:nvSpPr>
           <p:cNvPr id="2" name="标题 1"/>
@@ -3116,12 +3947,12 @@
         <p:spPr/>
         <p:txBody>
           <a:bodyPr/>
-          <a:p>
-            <a:r>
-              <a:rPr lang="zh-CN" altLang="en-US"/>
-              <a:t>实现功能</a:t>
-            </a:r>
-            <a:endParaRPr lang="zh-CN" altLang="en-US"/>
+          <a:lstStyle/>
+          <a:p>
+            <a:r>
+              <a:rPr lang="zh-CN" altLang="en-US"/>
+              <a:t>介绍</a:t>
+            </a:r>
           </a:p>
         </p:txBody>
       </p:sp>
@@ -3138,65 +3969,45 @@
         <p:spPr/>
         <p:txBody>
           <a:bodyPr/>
-          <a:p>
-            <a:r>
-              <a:rPr lang="zh-CN" altLang="en-US" sz="2800">
+          <a:lstStyle/>
+          <a:p>
+            <a:r>
+              <a:rPr lang="zh-CN" altLang="en-US"/>
+              <a:t>本应用利用</a:t>
+            </a:r>
+            <a:r>
+              <a:rPr lang="en-US" altLang="zh-CN"/>
+              <a:t>HTC Vive HMD /leapmotion </a:t>
+            </a:r>
+            <a:r>
+              <a:rPr lang="zh-CN" altLang="en-US"/>
+              <a:t>在虚拟空间模拟的化学实验室。</a:t>
+            </a:r>
+          </a:p>
+          <a:p>
+            <a:r>
+              <a:rPr lang="en-US" altLang="zh-CN"/>
+              <a:t>VR model</a:t>
+            </a:r>
+          </a:p>
+          <a:p>
+            <a:pPr lvl="1"/>
+            <a:r>
+              <a:rPr lang="en-US" altLang="zh-CN">
                 <a:sym typeface="+mn-ea"/>
               </a:rPr>
-              <a:t>实例实验内容和流程</a:t>
-            </a:r>
-            <a:endParaRPr lang="zh-CN" altLang="en-US" sz="2800"/>
+              <a:t>HTC Vive/Oculus HMD </a:t>
+            </a:r>
           </a:p>
           <a:p>
             <a:pPr lvl="1"/>
-            <a:r>
-              <a:rPr lang="zh-CN" altLang="en-US" sz="2800">
-                <a:sym typeface="+mn-ea"/>
-              </a:rPr>
-              <a:t>镁条的燃烧</a:t>
-            </a:r>
-            <a:endParaRPr lang="zh-CN" altLang="en-US" sz="2800"/>
-          </a:p>
-          <a:p>
-            <a:pPr lvl="1"/>
-            <a:r>
-              <a:rPr lang="zh-CN" altLang="en-US" sz="2800">
-                <a:sym typeface="+mn-ea"/>
-              </a:rPr>
-              <a:t>点燃酒精灯，点燃</a:t>
-            </a:r>
-            <a:r>
-              <a:rPr lang="zh-CN" altLang="en-US" sz="2800">
-                <a:sym typeface="+mn-ea"/>
-              </a:rPr>
-              <a:t>镁条，燃烧后放入烧杯，盖上烧杯盖，盖上酒精灯盖子关闭火焰。</a:t>
-            </a:r>
-            <a:endParaRPr lang="zh-CN" altLang="en-US" sz="2800">
+            <a:endParaRPr lang="en-US" altLang="zh-CN">
               <a:sym typeface="+mn-ea"/>
             </a:endParaRPr>
           </a:p>
           <a:p>
             <a:pPr lvl="0"/>
-            <a:r>
-              <a:rPr lang="zh-CN" altLang="en-US" sz="2800">
-                <a:sym typeface="+mn-ea"/>
-              </a:rPr>
-              <a:t>实验的效果</a:t>
-            </a:r>
-            <a:endParaRPr lang="zh-CN" altLang="en-US" sz="2800"/>
-          </a:p>
-          <a:p>
-            <a:pPr lvl="1"/>
-            <a:r>
-              <a:rPr lang="zh-CN" altLang="en-US" sz="2800">
-                <a:sym typeface="+mn-ea"/>
-              </a:rPr>
-              <a:t>观察镁条燃烧后发出耀眼的白光，并且帮助实验者熟悉实验流程</a:t>
-            </a:r>
-            <a:endParaRPr lang="zh-CN" altLang="en-US" sz="2800"/>
-          </a:p>
-          <a:p>
-            <a:endParaRPr lang="zh-CN" altLang="en-US"/>
+            <a:endParaRPr lang="en-US" altLang="zh-CN"/>
           </a:p>
         </p:txBody>
       </p:sp>
@@ -3217,86 +4028,243 @@
         <p:cNvGrpSpPr/>
         <p:nvPr/>
       </p:nvGrpSpPr>
-      <p:grpSpPr/>
-      <p:pic>
-        <p:nvPicPr>
-          <p:cNvPr id="5" name="图片 4"/>
-          <p:cNvPicPr>
-            <a:picLocks noChangeAspect="1"/>
-          </p:cNvPicPr>
+      <p:grpSpPr>
+        <a:xfrm>
+          <a:off x="0" y="0"/>
+          <a:ext cx="0" cy="0"/>
+          <a:chOff x="0" y="0"/>
+          <a:chExt cx="0" cy="0"/>
+        </a:xfrm>
+      </p:grpSpPr>
+      <p:sp>
+        <p:nvSpPr>
+          <p:cNvPr id="4" name="직사각형 3">
+            <a:extLst>
+              <a:ext uri="{FF2B5EF4-FFF2-40B4-BE49-F238E27FC236}">
+                <a16:creationId xmlns:a16="http://schemas.microsoft.com/office/drawing/2014/main" id="{58D925B3-95DD-41D2-895C-837C1E5C1447}"/>
+              </a:ext>
+            </a:extLst>
+          </p:cNvPr>
+          <p:cNvSpPr/>
           <p:nvPr/>
-        </p:nvPicPr>
-        <p:blipFill>
-          <a:blip r:embed="rId1"/>
-          <a:stretch>
-            <a:fillRect/>
-          </a:stretch>
-        </p:blipFill>
-        <p:spPr>
-          <a:xfrm>
-            <a:off x="80645" y="172720"/>
-            <a:ext cx="5401310" cy="3641725"/>
+        </p:nvSpPr>
+        <p:spPr>
+          <a:xfrm>
+            <a:off x="1730859" y="1331876"/>
+            <a:ext cx="8352928" cy="4536504"/>
           </a:xfrm>
           <a:prstGeom prst="rect">
             <a:avLst/>
           </a:prstGeom>
         </p:spPr>
-      </p:pic>
-      <p:pic>
-        <p:nvPicPr>
-          <p:cNvPr id="4" name="内容占位符 3"/>
-          <p:cNvPicPr>
-            <a:picLocks noChangeAspect="1"/>
-          </p:cNvPicPr>
-          <p:nvPr>
-            <p:ph idx="1"/>
-          </p:nvPr>
-        </p:nvPicPr>
-        <p:blipFill>
-          <a:blip r:embed="rId2"/>
-          <a:stretch>
-            <a:fillRect/>
-          </a:stretch>
-        </p:blipFill>
-        <p:spPr>
-          <a:xfrm>
-            <a:off x="6402705" y="2033270"/>
-            <a:ext cx="5052060" cy="4351655"/>
+        <p:style>
+          <a:lnRef idx="2">
+            <a:schemeClr val="dk1"/>
+          </a:lnRef>
+          <a:fillRef idx="1">
+            <a:schemeClr val="lt1"/>
+          </a:fillRef>
+          <a:effectRef idx="0">
+            <a:schemeClr val="dk1"/>
+          </a:effectRef>
+          <a:fontRef idx="minor">
+            <a:schemeClr val="dk1"/>
+          </a:fontRef>
+        </p:style>
+        <p:txBody>
+          <a:bodyPr rtlCol="0" anchor="ctr"/>
+          <a:lstStyle/>
+          <a:p>
+            <a:pPr algn="ctr"/>
+            <a:endParaRPr lang="ko-KR" altLang="en-US"/>
+          </a:p>
+        </p:txBody>
+      </p:sp>
+      <p:sp>
+        <p:nvSpPr>
+          <p:cNvPr id="5" name="직사각형 4">
+            <a:extLst>
+              <a:ext uri="{FF2B5EF4-FFF2-40B4-BE49-F238E27FC236}">
+                <a16:creationId xmlns:a16="http://schemas.microsoft.com/office/drawing/2014/main" id="{E79003E5-9BEA-442A-8F0C-44A34AED47C1}"/>
+              </a:ext>
+            </a:extLst>
+          </p:cNvPr>
+          <p:cNvSpPr/>
+          <p:nvPr/>
+        </p:nvSpPr>
+        <p:spPr>
+          <a:xfrm>
+            <a:off x="2036893" y="1629983"/>
+            <a:ext cx="1440160" cy="504056"/>
           </a:xfrm>
           <a:prstGeom prst="rect">
             <a:avLst/>
           </a:prstGeom>
         </p:spPr>
-      </p:pic>
+        <p:style>
+          <a:lnRef idx="2">
+            <a:schemeClr val="accent1">
+              <a:shade val="50000"/>
+            </a:schemeClr>
+          </a:lnRef>
+          <a:fillRef idx="1">
+            <a:schemeClr val="accent1"/>
+          </a:fillRef>
+          <a:effectRef idx="0">
+            <a:schemeClr val="accent1"/>
+          </a:effectRef>
+          <a:fontRef idx="minor">
+            <a:schemeClr val="lt1"/>
+          </a:fontRef>
+        </p:style>
+        <p:txBody>
+          <a:bodyPr rtlCol="0" anchor="ctr"/>
+          <a:lstStyle/>
+          <a:p>
+            <a:pPr algn="ctr"/>
+            <a:r>
+              <a:rPr lang="zh-CN" altLang="en-US" dirty="0"/>
+              <a:t>选择实验</a:t>
+            </a:r>
+            <a:endParaRPr lang="ko-KR" altLang="en-US" dirty="0"/>
+          </a:p>
+        </p:txBody>
+      </p:sp>
+      <p:sp>
+        <p:nvSpPr>
+          <p:cNvPr id="6" name="직사각형 5">
+            <a:extLst>
+              <a:ext uri="{FF2B5EF4-FFF2-40B4-BE49-F238E27FC236}">
+                <a16:creationId xmlns:a16="http://schemas.microsoft.com/office/drawing/2014/main" id="{760F41A3-7B97-4775-A1B9-23654DC94343}"/>
+              </a:ext>
+            </a:extLst>
+          </p:cNvPr>
+          <p:cNvSpPr/>
+          <p:nvPr/>
+        </p:nvSpPr>
+        <p:spPr>
+          <a:xfrm>
+            <a:off x="4161129" y="2114802"/>
+            <a:ext cx="2826314" cy="279986"/>
+          </a:xfrm>
+          <a:prstGeom prst="rect">
+            <a:avLst/>
+          </a:prstGeom>
+        </p:spPr>
+        <p:style>
+          <a:lnRef idx="2">
+            <a:schemeClr val="accent1">
+              <a:shade val="50000"/>
+            </a:schemeClr>
+          </a:lnRef>
+          <a:fillRef idx="1">
+            <a:schemeClr val="accent1"/>
+          </a:fillRef>
+          <a:effectRef idx="0">
+            <a:schemeClr val="accent1"/>
+          </a:effectRef>
+          <a:fontRef idx="minor">
+            <a:schemeClr val="lt1"/>
+          </a:fontRef>
+        </p:style>
+        <p:txBody>
+          <a:bodyPr rtlCol="0" anchor="ctr"/>
+          <a:lstStyle/>
+          <a:p>
+            <a:pPr algn="ctr"/>
+            <a:r>
+              <a:rPr lang="zh-CN" altLang="en-US" dirty="0"/>
+              <a:t>实验二：双氧水的分解</a:t>
+            </a:r>
+            <a:endParaRPr lang="ko-KR" altLang="en-US" dirty="0"/>
+          </a:p>
+        </p:txBody>
+      </p:sp>
+      <p:sp>
+        <p:nvSpPr>
+          <p:cNvPr id="7" name="직사각형 6">
+            <a:extLst>
+              <a:ext uri="{FF2B5EF4-FFF2-40B4-BE49-F238E27FC236}">
+                <a16:creationId xmlns:a16="http://schemas.microsoft.com/office/drawing/2014/main" id="{93C6EFB9-0936-4583-969D-A6D87D3398AE}"/>
+              </a:ext>
+            </a:extLst>
+          </p:cNvPr>
+          <p:cNvSpPr/>
+          <p:nvPr/>
+        </p:nvSpPr>
+        <p:spPr>
+          <a:xfrm>
+            <a:off x="4161129" y="1629983"/>
+            <a:ext cx="2826314" cy="279986"/>
+          </a:xfrm>
+          <a:prstGeom prst="rect">
+            <a:avLst/>
+          </a:prstGeom>
+        </p:spPr>
+        <p:style>
+          <a:lnRef idx="2">
+            <a:schemeClr val="accent1">
+              <a:shade val="50000"/>
+            </a:schemeClr>
+          </a:lnRef>
+          <a:fillRef idx="1">
+            <a:schemeClr val="accent1"/>
+          </a:fillRef>
+          <a:effectRef idx="0">
+            <a:schemeClr val="accent1"/>
+          </a:effectRef>
+          <a:fontRef idx="minor">
+            <a:schemeClr val="lt1"/>
+          </a:fontRef>
+        </p:style>
+        <p:txBody>
+          <a:bodyPr rtlCol="0" anchor="ctr"/>
+          <a:lstStyle/>
+          <a:p>
+            <a:pPr algn="ctr"/>
+            <a:r>
+              <a:rPr lang="zh-CN" altLang="en-US" dirty="0"/>
+              <a:t>实验一：镁条的燃烧</a:t>
+            </a:r>
+            <a:endParaRPr lang="ko-KR" altLang="en-US" dirty="0"/>
+          </a:p>
+        </p:txBody>
+      </p:sp>
       <p:cxnSp>
         <p:nvCxnSpPr>
-          <p:cNvPr id="6" name="直接箭头连接符 5"/>
-          <p:cNvCxnSpPr/>
+          <p:cNvPr id="8" name="직선 화살표 연결선 8">
+            <a:extLst>
+              <a:ext uri="{FF2B5EF4-FFF2-40B4-BE49-F238E27FC236}">
+                <a16:creationId xmlns:a16="http://schemas.microsoft.com/office/drawing/2014/main" id="{F32F5C51-8FAC-4EC2-9775-9D325E7C2DA7}"/>
+              </a:ext>
+            </a:extLst>
+          </p:cNvPr>
+          <p:cNvCxnSpPr>
+            <a:stCxn id="5" idx="3"/>
+            <a:endCxn id="7" idx="1"/>
+          </p:cNvCxnSpPr>
           <p:nvPr/>
         </p:nvCxnSpPr>
         <p:spPr>
           <a:xfrm flipV="1">
-            <a:off x="4884420" y="1253490"/>
-            <a:ext cx="2628019" cy="864006"/>
+            <a:off x="3477053" y="1769976"/>
+            <a:ext cx="684076" cy="112035"/>
           </a:xfrm>
           <a:prstGeom prst="straightConnector1">
             <a:avLst/>
           </a:prstGeom>
-          <a:ln w="38100">
-            <a:solidFill>
-              <a:schemeClr val="accent1"/>
-            </a:solidFill>
-            <a:tailEnd type="arrow" w="med" len="med"/>
+          <a:ln>
+            <a:tailEnd type="arrow"/>
           </a:ln>
         </p:spPr>
         <p:style>
-          <a:lnRef idx="3">
+          <a:lnRef idx="1">
             <a:schemeClr val="accent1"/>
           </a:lnRef>
           <a:fillRef idx="0">
             <a:schemeClr val="accent1"/>
           </a:fillRef>
-          <a:effectRef idx="2">
+          <a:effectRef idx="0">
             <a:schemeClr val="accent1"/>
           </a:effectRef>
           <a:fontRef idx="minor">
@@ -3304,217 +4272,1392 @@
           </a:fontRef>
         </p:style>
       </p:cxnSp>
-      <p:sp>
-        <p:nvSpPr>
-          <p:cNvPr id="7" name="矩形 6"/>
+      <p:cxnSp>
+        <p:nvCxnSpPr>
+          <p:cNvPr id="9" name="직선 화살표 연결선 9">
+            <a:extLst>
+              <a:ext uri="{FF2B5EF4-FFF2-40B4-BE49-F238E27FC236}">
+                <a16:creationId xmlns:a16="http://schemas.microsoft.com/office/drawing/2014/main" id="{4D2EADF3-D555-4FC6-9645-CB927745FBE5}"/>
+              </a:ext>
+            </a:extLst>
+          </p:cNvPr>
+          <p:cNvCxnSpPr>
+            <a:stCxn id="5" idx="3"/>
+            <a:endCxn id="6" idx="1"/>
+          </p:cNvCxnSpPr>
+          <p:nvPr/>
+        </p:nvCxnSpPr>
+        <p:spPr>
+          <a:xfrm>
+            <a:off x="3477053" y="1882011"/>
+            <a:ext cx="684076" cy="372784"/>
+          </a:xfrm>
+          <a:prstGeom prst="straightConnector1">
+            <a:avLst/>
+          </a:prstGeom>
+          <a:ln>
+            <a:tailEnd type="arrow"/>
+          </a:ln>
+        </p:spPr>
+        <p:style>
+          <a:lnRef idx="1">
+            <a:schemeClr val="accent1"/>
+          </a:lnRef>
+          <a:fillRef idx="0">
+            <a:schemeClr val="accent1"/>
+          </a:fillRef>
+          <a:effectRef idx="0">
+            <a:schemeClr val="accent1"/>
+          </a:effectRef>
+          <a:fontRef idx="minor">
+            <a:schemeClr val="tx1"/>
+          </a:fontRef>
+        </p:style>
+      </p:cxnSp>
+      <p:sp>
+        <p:nvSpPr>
+          <p:cNvPr id="10" name="직사각형 11">
+            <a:extLst>
+              <a:ext uri="{FF2B5EF4-FFF2-40B4-BE49-F238E27FC236}">
+                <a16:creationId xmlns:a16="http://schemas.microsoft.com/office/drawing/2014/main" id="{123AE428-1301-4A0E-AB41-29E9CD429A08}"/>
+              </a:ext>
+            </a:extLst>
+          </p:cNvPr>
           <p:cNvSpPr/>
           <p:nvPr/>
         </p:nvSpPr>
         <p:spPr>
           <a:xfrm>
-            <a:off x="7520940" y="812165"/>
-            <a:ext cx="2555875" cy="983615"/>
+            <a:off x="4161129" y="2608108"/>
+            <a:ext cx="2826314" cy="279986"/>
           </a:xfrm>
           <a:prstGeom prst="rect">
             <a:avLst/>
           </a:prstGeom>
-          <a:ln w="38100"/>
         </p:spPr>
         <p:style>
           <a:lnRef idx="2">
-            <a:schemeClr val="accent6"/>
+            <a:schemeClr val="accent1">
+              <a:shade val="50000"/>
+            </a:schemeClr>
           </a:lnRef>
           <a:fillRef idx="1">
-            <a:schemeClr val="lt1"/>
+            <a:schemeClr val="accent1"/>
           </a:fillRef>
           <a:effectRef idx="0">
-            <a:schemeClr val="accent6"/>
+            <a:schemeClr val="accent1"/>
           </a:effectRef>
           <a:fontRef idx="minor">
-            <a:schemeClr val="dk1"/>
+            <a:schemeClr val="lt1"/>
           </a:fontRef>
         </p:style>
         <p:txBody>
           <a:bodyPr rtlCol="0" anchor="ctr"/>
+          <a:lstStyle/>
           <a:p>
             <a:pPr algn="ctr"/>
             <a:r>
-              <a:rPr lang="zh-CN" altLang="en-US"/>
-              <a:t>实验台</a:t>
-            </a:r>
-            <a:endParaRPr lang="zh-CN" altLang="en-US"/>
-          </a:p>
-        </p:txBody>
-      </p:sp>
-      <p:sp>
-        <p:nvSpPr>
-          <p:cNvPr id="8" name="矩形 7"/>
+              <a:rPr lang="zh-CN" altLang="en-US" dirty="0"/>
+              <a:t>实验三：酸碱中和反应</a:t>
+            </a:r>
+            <a:endParaRPr lang="ko-KR" altLang="en-US" dirty="0"/>
+          </a:p>
+        </p:txBody>
+      </p:sp>
+      <p:cxnSp>
+        <p:nvCxnSpPr>
+          <p:cNvPr id="11" name="직선 화살표 연결선 12">
+            <a:extLst>
+              <a:ext uri="{FF2B5EF4-FFF2-40B4-BE49-F238E27FC236}">
+                <a16:creationId xmlns:a16="http://schemas.microsoft.com/office/drawing/2014/main" id="{FB480A55-0F24-4B00-989B-C523A4F0031B}"/>
+              </a:ext>
+            </a:extLst>
+          </p:cNvPr>
+          <p:cNvCxnSpPr>
+            <a:stCxn id="5" idx="3"/>
+            <a:endCxn id="10" idx="1"/>
+          </p:cNvCxnSpPr>
+          <p:nvPr/>
+        </p:nvCxnSpPr>
+        <p:spPr>
+          <a:xfrm>
+            <a:off x="3477053" y="1882011"/>
+            <a:ext cx="684076" cy="866090"/>
+          </a:xfrm>
+          <a:prstGeom prst="straightConnector1">
+            <a:avLst/>
+          </a:prstGeom>
+          <a:ln>
+            <a:tailEnd type="arrow"/>
+          </a:ln>
+        </p:spPr>
+        <p:style>
+          <a:lnRef idx="1">
+            <a:schemeClr val="accent1"/>
+          </a:lnRef>
+          <a:fillRef idx="0">
+            <a:schemeClr val="accent1"/>
+          </a:fillRef>
+          <a:effectRef idx="0">
+            <a:schemeClr val="accent1"/>
+          </a:effectRef>
+          <a:fontRef idx="minor">
+            <a:schemeClr val="tx1"/>
+          </a:fontRef>
+        </p:style>
+      </p:cxnSp>
+      <p:sp>
+        <p:nvSpPr>
+          <p:cNvPr id="12" name="직사각형 17">
+            <a:extLst>
+              <a:ext uri="{FF2B5EF4-FFF2-40B4-BE49-F238E27FC236}">
+                <a16:creationId xmlns:a16="http://schemas.microsoft.com/office/drawing/2014/main" id="{83743654-D305-4CD5-8589-22ADCEC9F6FF}"/>
+              </a:ext>
+            </a:extLst>
+          </p:cNvPr>
           <p:cNvSpPr/>
           <p:nvPr/>
         </p:nvSpPr>
         <p:spPr>
           <a:xfrm>
-            <a:off x="6659880" y="3527425"/>
-            <a:ext cx="1231265" cy="737235"/>
+            <a:off x="4161129" y="3084274"/>
+            <a:ext cx="2826314" cy="279986"/>
           </a:xfrm>
           <a:prstGeom prst="rect">
             <a:avLst/>
           </a:prstGeom>
-          <a:ln w="38100"/>
         </p:spPr>
         <p:style>
           <a:lnRef idx="2">
-            <a:schemeClr val="accent6"/>
+            <a:schemeClr val="accent1">
+              <a:shade val="50000"/>
+            </a:schemeClr>
           </a:lnRef>
           <a:fillRef idx="1">
-            <a:schemeClr val="lt1"/>
+            <a:schemeClr val="accent1"/>
           </a:fillRef>
           <a:effectRef idx="0">
-            <a:schemeClr val="accent6"/>
+            <a:schemeClr val="accent1"/>
           </a:effectRef>
           <a:fontRef idx="minor">
-            <a:schemeClr val="dk1"/>
+            <a:schemeClr val="lt1"/>
           </a:fontRef>
         </p:style>
         <p:txBody>
           <a:bodyPr rtlCol="0" anchor="ctr"/>
+          <a:lstStyle/>
           <a:p>
             <a:pPr algn="ctr"/>
             <a:r>
-              <a:rPr lang="zh-CN" altLang="en-US"/>
-              <a:t>酒精灯盖</a:t>
-            </a:r>
-            <a:endParaRPr lang="zh-CN" altLang="en-US"/>
-          </a:p>
-        </p:txBody>
-      </p:sp>
-      <p:sp>
-        <p:nvSpPr>
-          <p:cNvPr id="9" name="矩形 8"/>
+              <a:rPr lang="zh-CN" altLang="en-US" dirty="0"/>
+              <a:t>实验四：</a:t>
+            </a:r>
+            <a:r>
+              <a:rPr lang="en-US" altLang="zh-CN" dirty="0"/>
+              <a:t>…</a:t>
+            </a:r>
+            <a:endParaRPr lang="ko-KR" altLang="en-US" dirty="0"/>
+          </a:p>
+        </p:txBody>
+      </p:sp>
+      <p:cxnSp>
+        <p:nvCxnSpPr>
+          <p:cNvPr id="13" name="직선 화살표 연결선 20">
+            <a:extLst>
+              <a:ext uri="{FF2B5EF4-FFF2-40B4-BE49-F238E27FC236}">
+                <a16:creationId xmlns:a16="http://schemas.microsoft.com/office/drawing/2014/main" id="{15A8B192-87CA-47F2-9286-3FEC1B3BC802}"/>
+              </a:ext>
+            </a:extLst>
+          </p:cNvPr>
+          <p:cNvCxnSpPr>
+            <a:stCxn id="5" idx="3"/>
+            <a:endCxn id="12" idx="1"/>
+          </p:cNvCxnSpPr>
+          <p:nvPr/>
+        </p:nvCxnSpPr>
+        <p:spPr>
+          <a:xfrm>
+            <a:off x="3477053" y="1882011"/>
+            <a:ext cx="684076" cy="1342256"/>
+          </a:xfrm>
+          <a:prstGeom prst="straightConnector1">
+            <a:avLst/>
+          </a:prstGeom>
+          <a:ln>
+            <a:tailEnd type="arrow"/>
+          </a:ln>
+        </p:spPr>
+        <p:style>
+          <a:lnRef idx="1">
+            <a:schemeClr val="accent1"/>
+          </a:lnRef>
+          <a:fillRef idx="0">
+            <a:schemeClr val="accent1"/>
+          </a:fillRef>
+          <a:effectRef idx="0">
+            <a:schemeClr val="accent1"/>
+          </a:effectRef>
+          <a:fontRef idx="minor">
+            <a:schemeClr val="tx1"/>
+          </a:fontRef>
+        </p:style>
+      </p:cxnSp>
+      <p:sp>
+        <p:nvSpPr>
+          <p:cNvPr id="14" name="직사각형 23">
+            <a:extLst>
+              <a:ext uri="{FF2B5EF4-FFF2-40B4-BE49-F238E27FC236}">
+                <a16:creationId xmlns:a16="http://schemas.microsoft.com/office/drawing/2014/main" id="{92DBAEC7-9C80-4675-9858-6C66F472C9DF}"/>
+              </a:ext>
+            </a:extLst>
+          </p:cNvPr>
           <p:cNvSpPr/>
           <p:nvPr/>
         </p:nvSpPr>
         <p:spPr>
           <a:xfrm>
-            <a:off x="7328535" y="5427345"/>
-            <a:ext cx="1231265" cy="737235"/>
+            <a:off x="8067563" y="1686000"/>
+            <a:ext cx="1584176" cy="279986"/>
           </a:xfrm>
           <a:prstGeom prst="rect">
             <a:avLst/>
           </a:prstGeom>
-          <a:ln w="38100"/>
         </p:spPr>
         <p:style>
           <a:lnRef idx="2">
-            <a:schemeClr val="accent6"/>
+            <a:schemeClr val="accent1">
+              <a:shade val="50000"/>
+            </a:schemeClr>
           </a:lnRef>
           <a:fillRef idx="1">
-            <a:schemeClr val="lt1"/>
+            <a:schemeClr val="accent1"/>
           </a:fillRef>
           <a:effectRef idx="0">
-            <a:schemeClr val="accent6"/>
+            <a:schemeClr val="accent1"/>
           </a:effectRef>
           <a:fontRef idx="minor">
-            <a:schemeClr val="dk1"/>
+            <a:schemeClr val="lt1"/>
           </a:fontRef>
         </p:style>
         <p:txBody>
           <a:bodyPr rtlCol="0" anchor="ctr"/>
+          <a:lstStyle/>
           <a:p>
             <a:pPr algn="ctr"/>
             <a:r>
-              <a:rPr lang="zh-CN" altLang="en-US"/>
-              <a:t>镁条</a:t>
-            </a:r>
-            <a:endParaRPr lang="zh-CN" altLang="en-US"/>
-          </a:p>
-        </p:txBody>
-      </p:sp>
-      <p:sp>
-        <p:nvSpPr>
-          <p:cNvPr id="10" name="矩形 9"/>
+              <a:rPr lang="zh-CN" altLang="en-US" dirty="0"/>
+              <a:t>实验准备</a:t>
+            </a:r>
+            <a:endParaRPr lang="ko-KR" altLang="en-US" dirty="0"/>
+          </a:p>
+        </p:txBody>
+      </p:sp>
+      <p:cxnSp>
+        <p:nvCxnSpPr>
+          <p:cNvPr id="15" name="직선 화살표 연결선 25">
+            <a:extLst>
+              <a:ext uri="{FF2B5EF4-FFF2-40B4-BE49-F238E27FC236}">
+                <a16:creationId xmlns:a16="http://schemas.microsoft.com/office/drawing/2014/main" id="{8A95E5E0-D9D6-4482-A5FF-64FC2A7E1D44}"/>
+              </a:ext>
+            </a:extLst>
+          </p:cNvPr>
+          <p:cNvCxnSpPr>
+            <a:stCxn id="7" idx="3"/>
+            <a:endCxn id="14" idx="1"/>
+          </p:cNvCxnSpPr>
+          <p:nvPr/>
+        </p:nvCxnSpPr>
+        <p:spPr>
+          <a:xfrm>
+            <a:off x="6987443" y="1769976"/>
+            <a:ext cx="1080120" cy="56017"/>
+          </a:xfrm>
+          <a:prstGeom prst="straightConnector1">
+            <a:avLst/>
+          </a:prstGeom>
+          <a:ln>
+            <a:tailEnd type="arrow"/>
+          </a:ln>
+        </p:spPr>
+        <p:style>
+          <a:lnRef idx="1">
+            <a:schemeClr val="accent1"/>
+          </a:lnRef>
+          <a:fillRef idx="0">
+            <a:schemeClr val="accent1"/>
+          </a:fillRef>
+          <a:effectRef idx="0">
+            <a:schemeClr val="accent1"/>
+          </a:effectRef>
+          <a:fontRef idx="minor">
+            <a:schemeClr val="tx1"/>
+          </a:fontRef>
+        </p:style>
+      </p:cxnSp>
+      <p:sp>
+        <p:nvSpPr>
+          <p:cNvPr id="16" name="직사각형 26">
+            <a:extLst>
+              <a:ext uri="{FF2B5EF4-FFF2-40B4-BE49-F238E27FC236}">
+                <a16:creationId xmlns:a16="http://schemas.microsoft.com/office/drawing/2014/main" id="{459C0C12-2011-4675-ABC0-B2CFE8C729E3}"/>
+              </a:ext>
+            </a:extLst>
+          </p:cNvPr>
           <p:cNvSpPr/>
           <p:nvPr/>
         </p:nvSpPr>
         <p:spPr>
           <a:xfrm>
-            <a:off x="8372475" y="3279140"/>
-            <a:ext cx="1231265" cy="737235"/>
+            <a:off x="8067563" y="2175063"/>
+            <a:ext cx="1584176" cy="279986"/>
           </a:xfrm>
           <a:prstGeom prst="rect">
             <a:avLst/>
           </a:prstGeom>
-          <a:ln w="38100"/>
         </p:spPr>
         <p:style>
           <a:lnRef idx="2">
-            <a:schemeClr val="accent6"/>
+            <a:schemeClr val="accent1">
+              <a:shade val="50000"/>
+            </a:schemeClr>
           </a:lnRef>
           <a:fillRef idx="1">
-            <a:schemeClr val="lt1"/>
+            <a:schemeClr val="accent1"/>
           </a:fillRef>
           <a:effectRef idx="0">
-            <a:schemeClr val="accent6"/>
+            <a:schemeClr val="accent1"/>
           </a:effectRef>
           <a:fontRef idx="minor">
-            <a:schemeClr val="dk1"/>
+            <a:schemeClr val="lt1"/>
           </a:fontRef>
         </p:style>
         <p:txBody>
           <a:bodyPr rtlCol="0" anchor="ctr"/>
+          <a:lstStyle/>
           <a:p>
             <a:pPr algn="ctr"/>
             <a:r>
-              <a:rPr lang="zh-CN" altLang="en-US"/>
-              <a:t>酒精灯</a:t>
-            </a:r>
-            <a:endParaRPr lang="zh-CN" altLang="en-US"/>
-          </a:p>
-        </p:txBody>
-      </p:sp>
-      <p:sp>
-        <p:nvSpPr>
-          <p:cNvPr id="11" name="矩形 10"/>
+              <a:rPr lang="zh-CN" altLang="en-US" dirty="0"/>
+              <a:t>实验流程</a:t>
+            </a:r>
+            <a:endParaRPr lang="ko-KR" altLang="en-US" dirty="0"/>
+          </a:p>
+        </p:txBody>
+      </p:sp>
+      <p:cxnSp>
+        <p:nvCxnSpPr>
+          <p:cNvPr id="17" name="직선 화살표 연결선 27">
+            <a:extLst>
+              <a:ext uri="{FF2B5EF4-FFF2-40B4-BE49-F238E27FC236}">
+                <a16:creationId xmlns:a16="http://schemas.microsoft.com/office/drawing/2014/main" id="{525F8C4F-1E0D-4040-98A6-DE384455E7C2}"/>
+              </a:ext>
+            </a:extLst>
+          </p:cNvPr>
+          <p:cNvCxnSpPr>
+            <a:stCxn id="7" idx="3"/>
+            <a:endCxn id="16" idx="1"/>
+          </p:cNvCxnSpPr>
+          <p:nvPr/>
+        </p:nvCxnSpPr>
+        <p:spPr>
+          <a:xfrm>
+            <a:off x="6987443" y="1769976"/>
+            <a:ext cx="1080120" cy="545080"/>
+          </a:xfrm>
+          <a:prstGeom prst="straightConnector1">
+            <a:avLst/>
+          </a:prstGeom>
+          <a:ln>
+            <a:tailEnd type="arrow"/>
+          </a:ln>
+        </p:spPr>
+        <p:style>
+          <a:lnRef idx="1">
+            <a:schemeClr val="accent1"/>
+          </a:lnRef>
+          <a:fillRef idx="0">
+            <a:schemeClr val="accent1"/>
+          </a:fillRef>
+          <a:effectRef idx="0">
+            <a:schemeClr val="accent1"/>
+          </a:effectRef>
+          <a:fontRef idx="minor">
+            <a:schemeClr val="tx1"/>
+          </a:fontRef>
+        </p:style>
+      </p:cxnSp>
+      <p:sp>
+        <p:nvSpPr>
+          <p:cNvPr id="18" name="직사각형 29">
+            <a:extLst>
+              <a:ext uri="{FF2B5EF4-FFF2-40B4-BE49-F238E27FC236}">
+                <a16:creationId xmlns:a16="http://schemas.microsoft.com/office/drawing/2014/main" id="{5CBDD9B2-A68F-4744-AA41-EC732CB53F69}"/>
+              </a:ext>
+            </a:extLst>
+          </p:cNvPr>
           <p:cNvSpPr/>
           <p:nvPr/>
         </p:nvSpPr>
         <p:spPr>
           <a:xfrm>
-            <a:off x="10172065" y="3212465"/>
-            <a:ext cx="1231265" cy="737235"/>
+            <a:off x="8067563" y="2641712"/>
+            <a:ext cx="1584176" cy="279986"/>
           </a:xfrm>
           <a:prstGeom prst="rect">
             <a:avLst/>
           </a:prstGeom>
-          <a:ln w="38100"/>
         </p:spPr>
         <p:style>
           <a:lnRef idx="2">
-            <a:schemeClr val="accent6"/>
+            <a:schemeClr val="accent1">
+              <a:shade val="50000"/>
+            </a:schemeClr>
           </a:lnRef>
           <a:fillRef idx="1">
-            <a:schemeClr val="lt1"/>
+            <a:schemeClr val="accent1"/>
           </a:fillRef>
           <a:effectRef idx="0">
-            <a:schemeClr val="accent6"/>
+            <a:schemeClr val="accent1"/>
           </a:effectRef>
           <a:fontRef idx="minor">
-            <a:schemeClr val="dk1"/>
+            <a:schemeClr val="lt1"/>
           </a:fontRef>
         </p:style>
         <p:txBody>
           <a:bodyPr rtlCol="0" anchor="ctr"/>
+          <a:lstStyle/>
           <a:p>
             <a:pPr algn="ctr"/>
             <a:r>
-              <a:rPr lang="zh-CN" altLang="en-US"/>
-              <a:t>烧杯</a:t>
-            </a:r>
-            <a:endParaRPr lang="zh-CN" altLang="en-US"/>
-          </a:p>
-        </p:txBody>
-      </p:sp>
+              <a:rPr lang="zh-CN" altLang="en-US" dirty="0"/>
+              <a:t>实验现象</a:t>
+            </a:r>
+            <a:endParaRPr lang="ko-KR" altLang="en-US" dirty="0"/>
+          </a:p>
+        </p:txBody>
+      </p:sp>
+      <p:cxnSp>
+        <p:nvCxnSpPr>
+          <p:cNvPr id="19" name="직선 화살표 연결선 30">
+            <a:extLst>
+              <a:ext uri="{FF2B5EF4-FFF2-40B4-BE49-F238E27FC236}">
+                <a16:creationId xmlns:a16="http://schemas.microsoft.com/office/drawing/2014/main" id="{D471DB7B-105C-4C08-9D10-7EE157C10F73}"/>
+              </a:ext>
+            </a:extLst>
+          </p:cNvPr>
+          <p:cNvCxnSpPr>
+            <a:stCxn id="7" idx="3"/>
+            <a:endCxn id="18" idx="1"/>
+          </p:cNvCxnSpPr>
+          <p:nvPr/>
+        </p:nvCxnSpPr>
+        <p:spPr>
+          <a:xfrm>
+            <a:off x="6987443" y="1769976"/>
+            <a:ext cx="1080120" cy="1011729"/>
+          </a:xfrm>
+          <a:prstGeom prst="straightConnector1">
+            <a:avLst/>
+          </a:prstGeom>
+          <a:ln>
+            <a:tailEnd type="arrow"/>
+          </a:ln>
+        </p:spPr>
+        <p:style>
+          <a:lnRef idx="1">
+            <a:schemeClr val="accent1"/>
+          </a:lnRef>
+          <a:fillRef idx="0">
+            <a:schemeClr val="accent1"/>
+          </a:fillRef>
+          <a:effectRef idx="0">
+            <a:schemeClr val="accent1"/>
+          </a:effectRef>
+          <a:fontRef idx="minor">
+            <a:schemeClr val="tx1"/>
+          </a:fontRef>
+        </p:style>
+      </p:cxnSp>
+      <p:sp>
+        <p:nvSpPr>
+          <p:cNvPr id="20" name="직사각형 32">
+            <a:extLst>
+              <a:ext uri="{FF2B5EF4-FFF2-40B4-BE49-F238E27FC236}">
+                <a16:creationId xmlns:a16="http://schemas.microsoft.com/office/drawing/2014/main" id="{13B87090-6B8E-46F9-A84E-1A9178ED5B00}"/>
+              </a:ext>
+            </a:extLst>
+          </p:cNvPr>
+          <p:cNvSpPr/>
+          <p:nvPr/>
+        </p:nvSpPr>
+        <p:spPr>
+          <a:xfrm>
+            <a:off x="8067563" y="3149014"/>
+            <a:ext cx="1584176" cy="279986"/>
+          </a:xfrm>
+          <a:prstGeom prst="rect">
+            <a:avLst/>
+          </a:prstGeom>
+        </p:spPr>
+        <p:style>
+          <a:lnRef idx="2">
+            <a:schemeClr val="accent1">
+              <a:shade val="50000"/>
+            </a:schemeClr>
+          </a:lnRef>
+          <a:fillRef idx="1">
+            <a:schemeClr val="accent1"/>
+          </a:fillRef>
+          <a:effectRef idx="0">
+            <a:schemeClr val="accent1"/>
+          </a:effectRef>
+          <a:fontRef idx="minor">
+            <a:schemeClr val="lt1"/>
+          </a:fontRef>
+        </p:style>
+        <p:txBody>
+          <a:bodyPr rtlCol="0" anchor="ctr"/>
+          <a:lstStyle/>
+          <a:p>
+            <a:pPr algn="ctr"/>
+            <a:r>
+              <a:rPr lang="zh-CN" altLang="en-US" dirty="0"/>
+              <a:t>实验原理</a:t>
+            </a:r>
+            <a:endParaRPr lang="ko-KR" altLang="en-US" dirty="0"/>
+          </a:p>
+        </p:txBody>
+      </p:sp>
+      <p:cxnSp>
+        <p:nvCxnSpPr>
+          <p:cNvPr id="21" name="직선 화살표 연결선 34">
+            <a:extLst>
+              <a:ext uri="{FF2B5EF4-FFF2-40B4-BE49-F238E27FC236}">
+                <a16:creationId xmlns:a16="http://schemas.microsoft.com/office/drawing/2014/main" id="{61159C90-CB45-4B67-B5F2-670863AD6EF9}"/>
+              </a:ext>
+            </a:extLst>
+          </p:cNvPr>
+          <p:cNvCxnSpPr>
+            <a:stCxn id="7" idx="3"/>
+            <a:endCxn id="20" idx="1"/>
+          </p:cNvCxnSpPr>
+          <p:nvPr/>
+        </p:nvCxnSpPr>
+        <p:spPr>
+          <a:xfrm>
+            <a:off x="6987443" y="1769976"/>
+            <a:ext cx="1080120" cy="1519031"/>
+          </a:xfrm>
+          <a:prstGeom prst="straightConnector1">
+            <a:avLst/>
+          </a:prstGeom>
+          <a:ln>
+            <a:tailEnd type="arrow"/>
+          </a:ln>
+        </p:spPr>
+        <p:style>
+          <a:lnRef idx="1">
+            <a:schemeClr val="accent1"/>
+          </a:lnRef>
+          <a:fillRef idx="0">
+            <a:schemeClr val="accent1"/>
+          </a:fillRef>
+          <a:effectRef idx="0">
+            <a:schemeClr val="accent1"/>
+          </a:effectRef>
+          <a:fontRef idx="minor">
+            <a:schemeClr val="tx1"/>
+          </a:fontRef>
+        </p:style>
+      </p:cxnSp>
+      <p:sp>
+        <p:nvSpPr>
+          <p:cNvPr id="22" name="직사각형 44">
+            <a:extLst>
+              <a:ext uri="{FF2B5EF4-FFF2-40B4-BE49-F238E27FC236}">
+                <a16:creationId xmlns:a16="http://schemas.microsoft.com/office/drawing/2014/main" id="{B968CF08-32F9-44A6-8C34-D821056F16F1}"/>
+              </a:ext>
+            </a:extLst>
+          </p:cNvPr>
+          <p:cNvSpPr/>
+          <p:nvPr/>
+        </p:nvSpPr>
+        <p:spPr>
+          <a:xfrm>
+            <a:off x="2029388" y="3852156"/>
+            <a:ext cx="1440160" cy="504056"/>
+          </a:xfrm>
+          <a:prstGeom prst="rect">
+            <a:avLst/>
+          </a:prstGeom>
+        </p:spPr>
+        <p:style>
+          <a:lnRef idx="2">
+            <a:schemeClr val="accent1">
+              <a:shade val="50000"/>
+            </a:schemeClr>
+          </a:lnRef>
+          <a:fillRef idx="1">
+            <a:schemeClr val="accent1"/>
+          </a:fillRef>
+          <a:effectRef idx="0">
+            <a:schemeClr val="accent1"/>
+          </a:effectRef>
+          <a:fontRef idx="minor">
+            <a:schemeClr val="lt1"/>
+          </a:fontRef>
+        </p:style>
+        <p:txBody>
+          <a:bodyPr rtlCol="0" anchor="ctr"/>
+          <a:lstStyle/>
+          <a:p>
+            <a:pPr algn="ctr"/>
+            <a:r>
+              <a:rPr lang="zh-CN" altLang="en-US" dirty="0"/>
+              <a:t>拓展学习</a:t>
+            </a:r>
+            <a:endParaRPr lang="ko-KR" altLang="en-US" dirty="0"/>
+          </a:p>
+        </p:txBody>
+      </p:sp>
+      <p:sp>
+        <p:nvSpPr>
+          <p:cNvPr id="23" name="직사각형 84">
+            <a:extLst>
+              <a:ext uri="{FF2B5EF4-FFF2-40B4-BE49-F238E27FC236}">
+                <a16:creationId xmlns:a16="http://schemas.microsoft.com/office/drawing/2014/main" id="{D8CDF60B-DBDA-4627-B4D4-DC95F27BC495}"/>
+              </a:ext>
+            </a:extLst>
+          </p:cNvPr>
+          <p:cNvSpPr/>
+          <p:nvPr/>
+        </p:nvSpPr>
+        <p:spPr>
+          <a:xfrm>
+            <a:off x="4161129" y="4347353"/>
+            <a:ext cx="1818202" cy="279986"/>
+          </a:xfrm>
+          <a:prstGeom prst="rect">
+            <a:avLst/>
+          </a:prstGeom>
+        </p:spPr>
+        <p:style>
+          <a:lnRef idx="2">
+            <a:schemeClr val="accent1">
+              <a:shade val="50000"/>
+            </a:schemeClr>
+          </a:lnRef>
+          <a:fillRef idx="1">
+            <a:schemeClr val="accent1"/>
+          </a:fillRef>
+          <a:effectRef idx="0">
+            <a:schemeClr val="accent1"/>
+          </a:effectRef>
+          <a:fontRef idx="minor">
+            <a:schemeClr val="lt1"/>
+          </a:fontRef>
+        </p:style>
+        <p:txBody>
+          <a:bodyPr rtlCol="0" anchor="ctr"/>
+          <a:lstStyle/>
+          <a:p>
+            <a:pPr algn="ctr"/>
+            <a:r>
+              <a:rPr lang="en-US" altLang="ko-KR" dirty="0"/>
+              <a:t>Mark AR</a:t>
+            </a:r>
+            <a:endParaRPr lang="ko-KR" altLang="en-US" dirty="0"/>
+          </a:p>
+        </p:txBody>
+      </p:sp>
+      <p:sp>
+        <p:nvSpPr>
+          <p:cNvPr id="24" name="직사각형 85">
+            <a:extLst>
+              <a:ext uri="{FF2B5EF4-FFF2-40B4-BE49-F238E27FC236}">
+                <a16:creationId xmlns:a16="http://schemas.microsoft.com/office/drawing/2014/main" id="{6647C731-76C0-4259-B12C-53D8F5D9DFCF}"/>
+              </a:ext>
+            </a:extLst>
+          </p:cNvPr>
+          <p:cNvSpPr/>
+          <p:nvPr/>
+        </p:nvSpPr>
+        <p:spPr>
+          <a:xfrm>
+            <a:off x="4161129" y="3862534"/>
+            <a:ext cx="1818202" cy="279986"/>
+          </a:xfrm>
+          <a:prstGeom prst="rect">
+            <a:avLst/>
+          </a:prstGeom>
+        </p:spPr>
+        <p:style>
+          <a:lnRef idx="2">
+            <a:schemeClr val="accent1">
+              <a:shade val="50000"/>
+            </a:schemeClr>
+          </a:lnRef>
+          <a:fillRef idx="1">
+            <a:schemeClr val="accent1"/>
+          </a:fillRef>
+          <a:effectRef idx="0">
+            <a:schemeClr val="accent1"/>
+          </a:effectRef>
+          <a:fontRef idx="minor">
+            <a:schemeClr val="lt1"/>
+          </a:fontRef>
+        </p:style>
+        <p:txBody>
+          <a:bodyPr rtlCol="0" anchor="ctr"/>
+          <a:lstStyle/>
+          <a:p>
+            <a:pPr algn="ctr"/>
+            <a:r>
+              <a:rPr lang="zh-CN" altLang="en-US" dirty="0"/>
+              <a:t>元素周期表</a:t>
+            </a:r>
+            <a:endParaRPr lang="ko-KR" altLang="en-US" dirty="0"/>
+          </a:p>
+        </p:txBody>
+      </p:sp>
+      <p:cxnSp>
+        <p:nvCxnSpPr>
+          <p:cNvPr id="25" name="직선 화살표 연결선 86">
+            <a:extLst>
+              <a:ext uri="{FF2B5EF4-FFF2-40B4-BE49-F238E27FC236}">
+                <a16:creationId xmlns:a16="http://schemas.microsoft.com/office/drawing/2014/main" id="{3DF6A0E6-27DA-46D3-9EC0-7736E11B4D28}"/>
+              </a:ext>
+            </a:extLst>
+          </p:cNvPr>
+          <p:cNvCxnSpPr>
+            <a:stCxn id="22" idx="3"/>
+            <a:endCxn id="24" idx="1"/>
+          </p:cNvCxnSpPr>
+          <p:nvPr/>
+        </p:nvCxnSpPr>
+        <p:spPr>
+          <a:xfrm flipV="1">
+            <a:off x="3469548" y="4002527"/>
+            <a:ext cx="691581" cy="101657"/>
+          </a:xfrm>
+          <a:prstGeom prst="straightConnector1">
+            <a:avLst/>
+          </a:prstGeom>
+          <a:ln>
+            <a:tailEnd type="arrow"/>
+          </a:ln>
+        </p:spPr>
+        <p:style>
+          <a:lnRef idx="1">
+            <a:schemeClr val="accent1"/>
+          </a:lnRef>
+          <a:fillRef idx="0">
+            <a:schemeClr val="accent1"/>
+          </a:fillRef>
+          <a:effectRef idx="0">
+            <a:schemeClr val="accent1"/>
+          </a:effectRef>
+          <a:fontRef idx="minor">
+            <a:schemeClr val="tx1"/>
+          </a:fontRef>
+        </p:style>
+      </p:cxnSp>
+      <p:cxnSp>
+        <p:nvCxnSpPr>
+          <p:cNvPr id="26" name="직선 화살표 연결선 87">
+            <a:extLst>
+              <a:ext uri="{FF2B5EF4-FFF2-40B4-BE49-F238E27FC236}">
+                <a16:creationId xmlns:a16="http://schemas.microsoft.com/office/drawing/2014/main" id="{7598141F-E1ED-450A-B782-018166433BAC}"/>
+              </a:ext>
+            </a:extLst>
+          </p:cNvPr>
+          <p:cNvCxnSpPr>
+            <a:stCxn id="22" idx="3"/>
+            <a:endCxn id="23" idx="1"/>
+          </p:cNvCxnSpPr>
+          <p:nvPr/>
+        </p:nvCxnSpPr>
+        <p:spPr>
+          <a:xfrm>
+            <a:off x="3469548" y="4104184"/>
+            <a:ext cx="691581" cy="383162"/>
+          </a:xfrm>
+          <a:prstGeom prst="straightConnector1">
+            <a:avLst/>
+          </a:prstGeom>
+          <a:ln>
+            <a:tailEnd type="arrow"/>
+          </a:ln>
+        </p:spPr>
+        <p:style>
+          <a:lnRef idx="1">
+            <a:schemeClr val="accent1"/>
+          </a:lnRef>
+          <a:fillRef idx="0">
+            <a:schemeClr val="accent1"/>
+          </a:fillRef>
+          <a:effectRef idx="0">
+            <a:schemeClr val="accent1"/>
+          </a:effectRef>
+          <a:fontRef idx="minor">
+            <a:schemeClr val="tx1"/>
+          </a:fontRef>
+        </p:style>
+      </p:cxnSp>
+      <p:sp>
+        <p:nvSpPr>
+          <p:cNvPr id="27" name="직사각형 88">
+            <a:extLst>
+              <a:ext uri="{FF2B5EF4-FFF2-40B4-BE49-F238E27FC236}">
+                <a16:creationId xmlns:a16="http://schemas.microsoft.com/office/drawing/2014/main" id="{8EE8F721-6B41-42F3-9722-A8A68DDCBF12}"/>
+              </a:ext>
+            </a:extLst>
+          </p:cNvPr>
+          <p:cNvSpPr/>
+          <p:nvPr/>
+        </p:nvSpPr>
+        <p:spPr>
+          <a:xfrm>
+            <a:off x="4161129" y="4840659"/>
+            <a:ext cx="2826314" cy="279986"/>
+          </a:xfrm>
+          <a:prstGeom prst="rect">
+            <a:avLst/>
+          </a:prstGeom>
+        </p:spPr>
+        <p:style>
+          <a:lnRef idx="2">
+            <a:schemeClr val="accent1">
+              <a:shade val="50000"/>
+            </a:schemeClr>
+          </a:lnRef>
+          <a:fillRef idx="1">
+            <a:schemeClr val="accent1"/>
+          </a:fillRef>
+          <a:effectRef idx="0">
+            <a:schemeClr val="accent1"/>
+          </a:effectRef>
+          <a:fontRef idx="minor">
+            <a:schemeClr val="lt1"/>
+          </a:fontRef>
+        </p:style>
+        <p:txBody>
+          <a:bodyPr rtlCol="0" anchor="ctr"/>
+          <a:lstStyle/>
+          <a:p>
+            <a:pPr algn="ctr"/>
+            <a:r>
+              <a:rPr lang="en-US" altLang="ko-KR" dirty="0"/>
+              <a:t>…</a:t>
+            </a:r>
+            <a:endParaRPr lang="ko-KR" altLang="en-US" dirty="0"/>
+          </a:p>
+        </p:txBody>
+      </p:sp>
+      <p:cxnSp>
+        <p:nvCxnSpPr>
+          <p:cNvPr id="28" name="직선 화살표 연결선 89">
+            <a:extLst>
+              <a:ext uri="{FF2B5EF4-FFF2-40B4-BE49-F238E27FC236}">
+                <a16:creationId xmlns:a16="http://schemas.microsoft.com/office/drawing/2014/main" id="{E98B7C0F-51D1-4BED-B005-7A1D955BBD1C}"/>
+              </a:ext>
+            </a:extLst>
+          </p:cNvPr>
+          <p:cNvCxnSpPr>
+            <a:stCxn id="22" idx="3"/>
+            <a:endCxn id="27" idx="1"/>
+          </p:cNvCxnSpPr>
+          <p:nvPr/>
+        </p:nvCxnSpPr>
+        <p:spPr>
+          <a:xfrm>
+            <a:off x="3469548" y="4104184"/>
+            <a:ext cx="691581" cy="876468"/>
+          </a:xfrm>
+          <a:prstGeom prst="straightConnector1">
+            <a:avLst/>
+          </a:prstGeom>
+          <a:ln>
+            <a:tailEnd type="arrow"/>
+          </a:ln>
+        </p:spPr>
+        <p:style>
+          <a:lnRef idx="1">
+            <a:schemeClr val="accent1"/>
+          </a:lnRef>
+          <a:fillRef idx="0">
+            <a:schemeClr val="accent1"/>
+          </a:fillRef>
+          <a:effectRef idx="0">
+            <a:schemeClr val="accent1"/>
+          </a:effectRef>
+          <a:fontRef idx="minor">
+            <a:schemeClr val="tx1"/>
+          </a:fontRef>
+        </p:style>
+      </p:cxnSp>
+      <p:sp>
+        <p:nvSpPr>
+          <p:cNvPr id="29" name="직사각형 99">
+            <a:extLst>
+              <a:ext uri="{FF2B5EF4-FFF2-40B4-BE49-F238E27FC236}">
+                <a16:creationId xmlns:a16="http://schemas.microsoft.com/office/drawing/2014/main" id="{8FF9C33D-CA3D-4587-902B-51C12F386BB1}"/>
+              </a:ext>
+            </a:extLst>
+          </p:cNvPr>
+          <p:cNvSpPr/>
+          <p:nvPr/>
+        </p:nvSpPr>
+        <p:spPr>
+          <a:xfrm>
+            <a:off x="6321369" y="3725719"/>
+            <a:ext cx="666074" cy="279986"/>
+          </a:xfrm>
+          <a:prstGeom prst="rect">
+            <a:avLst/>
+          </a:prstGeom>
+        </p:spPr>
+        <p:style>
+          <a:lnRef idx="2">
+            <a:schemeClr val="accent1">
+              <a:shade val="50000"/>
+            </a:schemeClr>
+          </a:lnRef>
+          <a:fillRef idx="1">
+            <a:schemeClr val="accent1"/>
+          </a:fillRef>
+          <a:effectRef idx="0">
+            <a:schemeClr val="accent1"/>
+          </a:effectRef>
+          <a:fontRef idx="minor">
+            <a:schemeClr val="lt1"/>
+          </a:fontRef>
+        </p:style>
+        <p:txBody>
+          <a:bodyPr rtlCol="0" anchor="ctr"/>
+          <a:lstStyle/>
+          <a:p>
+            <a:pPr algn="ctr"/>
+            <a:r>
+              <a:rPr lang="en-US" altLang="ko-KR" dirty="0"/>
+              <a:t>N</a:t>
+            </a:r>
+            <a:r>
+              <a:rPr lang="en-US" altLang="zh-CN" dirty="0"/>
+              <a:t>a</a:t>
+            </a:r>
+            <a:endParaRPr lang="ko-KR" altLang="en-US" dirty="0"/>
+          </a:p>
+        </p:txBody>
+      </p:sp>
+      <p:cxnSp>
+        <p:nvCxnSpPr>
+          <p:cNvPr id="30" name="직선 화살표 연결선 100">
+            <a:extLst>
+              <a:ext uri="{FF2B5EF4-FFF2-40B4-BE49-F238E27FC236}">
+                <a16:creationId xmlns:a16="http://schemas.microsoft.com/office/drawing/2014/main" id="{9100A48B-253A-402F-B356-B15065D725A5}"/>
+              </a:ext>
+            </a:extLst>
+          </p:cNvPr>
+          <p:cNvCxnSpPr>
+            <a:stCxn id="24" idx="3"/>
+            <a:endCxn id="29" idx="1"/>
+          </p:cNvCxnSpPr>
+          <p:nvPr/>
+        </p:nvCxnSpPr>
+        <p:spPr>
+          <a:xfrm flipV="1">
+            <a:off x="5979331" y="3865712"/>
+            <a:ext cx="342038" cy="136815"/>
+          </a:xfrm>
+          <a:prstGeom prst="straightConnector1">
+            <a:avLst/>
+          </a:prstGeom>
+          <a:ln>
+            <a:tailEnd type="arrow"/>
+          </a:ln>
+        </p:spPr>
+        <p:style>
+          <a:lnRef idx="1">
+            <a:schemeClr val="accent1"/>
+          </a:lnRef>
+          <a:fillRef idx="0">
+            <a:schemeClr val="accent1"/>
+          </a:fillRef>
+          <a:effectRef idx="0">
+            <a:schemeClr val="accent1"/>
+          </a:effectRef>
+          <a:fontRef idx="minor">
+            <a:schemeClr val="tx1"/>
+          </a:fontRef>
+        </p:style>
+      </p:cxnSp>
+      <p:sp>
+        <p:nvSpPr>
+          <p:cNvPr id="31" name="직사각형 103">
+            <a:extLst>
+              <a:ext uri="{FF2B5EF4-FFF2-40B4-BE49-F238E27FC236}">
+                <a16:creationId xmlns:a16="http://schemas.microsoft.com/office/drawing/2014/main" id="{C11F3B27-4E5D-433C-8616-8D722CE46532}"/>
+              </a:ext>
+            </a:extLst>
+          </p:cNvPr>
+          <p:cNvSpPr/>
+          <p:nvPr/>
+        </p:nvSpPr>
+        <p:spPr>
+          <a:xfrm>
+            <a:off x="7624208" y="3863650"/>
+            <a:ext cx="2001771" cy="279986"/>
+          </a:xfrm>
+          <a:prstGeom prst="rect">
+            <a:avLst/>
+          </a:prstGeom>
+        </p:spPr>
+        <p:style>
+          <a:lnRef idx="2">
+            <a:schemeClr val="accent1">
+              <a:shade val="50000"/>
+            </a:schemeClr>
+          </a:lnRef>
+          <a:fillRef idx="1">
+            <a:schemeClr val="accent1"/>
+          </a:fillRef>
+          <a:effectRef idx="0">
+            <a:schemeClr val="accent1"/>
+          </a:effectRef>
+          <a:fontRef idx="minor">
+            <a:schemeClr val="lt1"/>
+          </a:fontRef>
+        </p:style>
+        <p:txBody>
+          <a:bodyPr rtlCol="0" anchor="ctr"/>
+          <a:lstStyle/>
+          <a:p>
+            <a:pPr algn="ctr"/>
+            <a:r>
+              <a:rPr lang="zh-CN" altLang="en-US" dirty="0"/>
+              <a:t>原子结构</a:t>
+            </a:r>
+            <a:r>
+              <a:rPr lang="en-US" altLang="zh-CN" dirty="0"/>
+              <a:t>(</a:t>
+            </a:r>
+            <a:r>
+              <a:rPr lang="zh-CN" altLang="en-US" dirty="0"/>
+              <a:t>动态</a:t>
+            </a:r>
+            <a:r>
+              <a:rPr lang="en-US" altLang="zh-CN" dirty="0"/>
+              <a:t>)</a:t>
+            </a:r>
+            <a:endParaRPr lang="ko-KR" altLang="en-US" dirty="0"/>
+          </a:p>
+        </p:txBody>
+      </p:sp>
+      <p:cxnSp>
+        <p:nvCxnSpPr>
+          <p:cNvPr id="32" name="직선 화살표 연결선 104">
+            <a:extLst>
+              <a:ext uri="{FF2B5EF4-FFF2-40B4-BE49-F238E27FC236}">
+                <a16:creationId xmlns:a16="http://schemas.microsoft.com/office/drawing/2014/main" id="{7A0D2B4B-F6FF-4963-83AD-4053E16D82C8}"/>
+              </a:ext>
+            </a:extLst>
+          </p:cNvPr>
+          <p:cNvCxnSpPr>
+            <a:stCxn id="29" idx="3"/>
+            <a:endCxn id="31" idx="1"/>
+          </p:cNvCxnSpPr>
+          <p:nvPr/>
+        </p:nvCxnSpPr>
+        <p:spPr>
+          <a:xfrm>
+            <a:off x="6987443" y="3865712"/>
+            <a:ext cx="636765" cy="137931"/>
+          </a:xfrm>
+          <a:prstGeom prst="straightConnector1">
+            <a:avLst/>
+          </a:prstGeom>
+          <a:ln>
+            <a:tailEnd type="arrow"/>
+          </a:ln>
+        </p:spPr>
+        <p:style>
+          <a:lnRef idx="1">
+            <a:schemeClr val="accent1"/>
+          </a:lnRef>
+          <a:fillRef idx="0">
+            <a:schemeClr val="accent1"/>
+          </a:fillRef>
+          <a:effectRef idx="0">
+            <a:schemeClr val="accent1"/>
+          </a:effectRef>
+          <a:fontRef idx="minor">
+            <a:schemeClr val="tx1"/>
+          </a:fontRef>
+        </p:style>
+      </p:cxnSp>
+      <p:sp>
+        <p:nvSpPr>
+          <p:cNvPr id="33" name="직사각형 110">
+            <a:extLst>
+              <a:ext uri="{FF2B5EF4-FFF2-40B4-BE49-F238E27FC236}">
+                <a16:creationId xmlns:a16="http://schemas.microsoft.com/office/drawing/2014/main" id="{C7E13B98-9002-4EE9-904A-0E173A941FC3}"/>
+              </a:ext>
+            </a:extLst>
+          </p:cNvPr>
+          <p:cNvSpPr/>
+          <p:nvPr/>
+        </p:nvSpPr>
+        <p:spPr>
+          <a:xfrm>
+            <a:off x="6321369" y="4104184"/>
+            <a:ext cx="666074" cy="279986"/>
+          </a:xfrm>
+          <a:prstGeom prst="rect">
+            <a:avLst/>
+          </a:prstGeom>
+        </p:spPr>
+        <p:style>
+          <a:lnRef idx="2">
+            <a:schemeClr val="accent1">
+              <a:shade val="50000"/>
+            </a:schemeClr>
+          </a:lnRef>
+          <a:fillRef idx="1">
+            <a:schemeClr val="accent1"/>
+          </a:fillRef>
+          <a:effectRef idx="0">
+            <a:schemeClr val="accent1"/>
+          </a:effectRef>
+          <a:fontRef idx="minor">
+            <a:schemeClr val="lt1"/>
+          </a:fontRef>
+        </p:style>
+        <p:txBody>
+          <a:bodyPr rtlCol="0" anchor="ctr"/>
+          <a:lstStyle/>
+          <a:p>
+            <a:pPr algn="ctr"/>
+            <a:r>
+              <a:rPr lang="en-US" altLang="ko-KR" dirty="0"/>
+              <a:t>C</a:t>
+            </a:r>
+            <a:r>
+              <a:rPr lang="en-US" altLang="zh-CN" dirty="0"/>
+              <a:t>l</a:t>
+            </a:r>
+            <a:endParaRPr lang="ko-KR" altLang="en-US" dirty="0"/>
+          </a:p>
+        </p:txBody>
+      </p:sp>
+      <p:cxnSp>
+        <p:nvCxnSpPr>
+          <p:cNvPr id="34" name="직선 화살표 연결선 111">
+            <a:extLst>
+              <a:ext uri="{FF2B5EF4-FFF2-40B4-BE49-F238E27FC236}">
+                <a16:creationId xmlns:a16="http://schemas.microsoft.com/office/drawing/2014/main" id="{E9C1EEEC-30B3-48A7-8399-4A6B5A7653A8}"/>
+              </a:ext>
+            </a:extLst>
+          </p:cNvPr>
+          <p:cNvCxnSpPr>
+            <a:stCxn id="24" idx="3"/>
+          </p:cNvCxnSpPr>
+          <p:nvPr/>
+        </p:nvCxnSpPr>
+        <p:spPr>
+          <a:xfrm>
+            <a:off x="5979331" y="4002527"/>
+            <a:ext cx="342038" cy="241650"/>
+          </a:xfrm>
+          <a:prstGeom prst="straightConnector1">
+            <a:avLst/>
+          </a:prstGeom>
+          <a:ln>
+            <a:tailEnd type="arrow"/>
+          </a:ln>
+        </p:spPr>
+        <p:style>
+          <a:lnRef idx="1">
+            <a:schemeClr val="accent1"/>
+          </a:lnRef>
+          <a:fillRef idx="0">
+            <a:schemeClr val="accent1"/>
+          </a:fillRef>
+          <a:effectRef idx="0">
+            <a:schemeClr val="accent1"/>
+          </a:effectRef>
+          <a:fontRef idx="minor">
+            <a:schemeClr val="tx1"/>
+          </a:fontRef>
+        </p:style>
+      </p:cxnSp>
+      <p:cxnSp>
+        <p:nvCxnSpPr>
+          <p:cNvPr id="35" name="직선 화살표 연결선 115">
+            <a:extLst>
+              <a:ext uri="{FF2B5EF4-FFF2-40B4-BE49-F238E27FC236}">
+                <a16:creationId xmlns:a16="http://schemas.microsoft.com/office/drawing/2014/main" id="{E6A73131-50F6-453D-9335-94B83F149ECA}"/>
+              </a:ext>
+            </a:extLst>
+          </p:cNvPr>
+          <p:cNvCxnSpPr/>
+          <p:nvPr/>
+        </p:nvCxnSpPr>
+        <p:spPr>
+          <a:xfrm flipV="1">
+            <a:off x="5979331" y="3865712"/>
+            <a:ext cx="342038" cy="621634"/>
+          </a:xfrm>
+          <a:prstGeom prst="straightConnector1">
+            <a:avLst/>
+          </a:prstGeom>
+          <a:ln>
+            <a:tailEnd type="arrow"/>
+          </a:ln>
+        </p:spPr>
+        <p:style>
+          <a:lnRef idx="1">
+            <a:schemeClr val="accent1"/>
+          </a:lnRef>
+          <a:fillRef idx="0">
+            <a:schemeClr val="accent1"/>
+          </a:fillRef>
+          <a:effectRef idx="0">
+            <a:schemeClr val="accent1"/>
+          </a:effectRef>
+          <a:fontRef idx="minor">
+            <a:schemeClr val="tx1"/>
+          </a:fontRef>
+        </p:style>
+      </p:cxnSp>
+      <p:cxnSp>
+        <p:nvCxnSpPr>
+          <p:cNvPr id="36" name="직선 화살표 연결선 116">
+            <a:extLst>
+              <a:ext uri="{FF2B5EF4-FFF2-40B4-BE49-F238E27FC236}">
+                <a16:creationId xmlns:a16="http://schemas.microsoft.com/office/drawing/2014/main" id="{EAAD7BB0-930C-418E-B9FC-EFB45770D216}"/>
+              </a:ext>
+            </a:extLst>
+          </p:cNvPr>
+          <p:cNvCxnSpPr>
+            <a:stCxn id="23" idx="3"/>
+            <a:endCxn id="33" idx="1"/>
+          </p:cNvCxnSpPr>
+          <p:nvPr/>
+        </p:nvCxnSpPr>
+        <p:spPr>
+          <a:xfrm flipV="1">
+            <a:off x="5979331" y="4244177"/>
+            <a:ext cx="342038" cy="243169"/>
+          </a:xfrm>
+          <a:prstGeom prst="straightConnector1">
+            <a:avLst/>
+          </a:prstGeom>
+          <a:ln>
+            <a:tailEnd type="arrow"/>
+          </a:ln>
+        </p:spPr>
+        <p:style>
+          <a:lnRef idx="1">
+            <a:schemeClr val="accent1"/>
+          </a:lnRef>
+          <a:fillRef idx="0">
+            <a:schemeClr val="accent1"/>
+          </a:fillRef>
+          <a:effectRef idx="0">
+            <a:schemeClr val="accent1"/>
+          </a:effectRef>
+          <a:fontRef idx="minor">
+            <a:schemeClr val="tx1"/>
+          </a:fontRef>
+        </p:style>
+      </p:cxnSp>
+      <p:cxnSp>
+        <p:nvCxnSpPr>
+          <p:cNvPr id="37" name="직선 화살표 연결선 127">
+            <a:extLst>
+              <a:ext uri="{FF2B5EF4-FFF2-40B4-BE49-F238E27FC236}">
+                <a16:creationId xmlns:a16="http://schemas.microsoft.com/office/drawing/2014/main" id="{DF3C7C26-BA1B-4679-B0C5-AEBCA144B245}"/>
+              </a:ext>
+            </a:extLst>
+          </p:cNvPr>
+          <p:cNvCxnSpPr>
+            <a:endCxn id="5" idx="1"/>
+          </p:cNvCxnSpPr>
+          <p:nvPr/>
+        </p:nvCxnSpPr>
+        <p:spPr>
+          <a:xfrm>
+            <a:off x="1730859" y="1882011"/>
+            <a:ext cx="306034" cy="0"/>
+          </a:xfrm>
+          <a:prstGeom prst="straightConnector1">
+            <a:avLst/>
+          </a:prstGeom>
+          <a:ln>
+            <a:tailEnd type="arrow"/>
+          </a:ln>
+        </p:spPr>
+        <p:style>
+          <a:lnRef idx="1">
+            <a:schemeClr val="accent1"/>
+          </a:lnRef>
+          <a:fillRef idx="0">
+            <a:schemeClr val="accent1"/>
+          </a:fillRef>
+          <a:effectRef idx="0">
+            <a:schemeClr val="accent1"/>
+          </a:effectRef>
+          <a:fontRef idx="minor">
+            <a:schemeClr val="tx1"/>
+          </a:fontRef>
+        </p:style>
+      </p:cxnSp>
+      <p:cxnSp>
+        <p:nvCxnSpPr>
+          <p:cNvPr id="38" name="직선 화살표 연결선 128">
+            <a:extLst>
+              <a:ext uri="{FF2B5EF4-FFF2-40B4-BE49-F238E27FC236}">
+                <a16:creationId xmlns:a16="http://schemas.microsoft.com/office/drawing/2014/main" id="{90F7F56E-2A49-473C-B2D7-A84DBA1B96C5}"/>
+              </a:ext>
+            </a:extLst>
+          </p:cNvPr>
+          <p:cNvCxnSpPr/>
+          <p:nvPr/>
+        </p:nvCxnSpPr>
+        <p:spPr>
+          <a:xfrm>
+            <a:off x="1723354" y="1894080"/>
+            <a:ext cx="306034" cy="2282449"/>
+          </a:xfrm>
+          <a:prstGeom prst="straightConnector1">
+            <a:avLst/>
+          </a:prstGeom>
+          <a:ln>
+            <a:tailEnd type="arrow"/>
+          </a:ln>
+        </p:spPr>
+        <p:style>
+          <a:lnRef idx="1">
+            <a:schemeClr val="accent1"/>
+          </a:lnRef>
+          <a:fillRef idx="0">
+            <a:schemeClr val="accent1"/>
+          </a:fillRef>
+          <a:effectRef idx="0">
+            <a:schemeClr val="accent1"/>
+          </a:effectRef>
+          <a:fontRef idx="minor">
+            <a:schemeClr val="tx1"/>
+          </a:fontRef>
+        </p:style>
+      </p:cxnSp>
     </p:spTree>
+    <p:extLst>
+      <p:ext uri="{BB962C8B-B14F-4D97-AF65-F5344CB8AC3E}">
+        <p14:creationId xmlns:p14="http://schemas.microsoft.com/office/powerpoint/2010/main" val="2175978297"/>
+      </p:ext>
+    </p:extLst>
   </p:cSld>
   <p:clrMapOvr>
     <a:masterClrMapping/>
@@ -3531,58 +5674,322 @@
         <p:cNvGrpSpPr/>
         <p:nvPr/>
       </p:nvGrpSpPr>
-      <p:grpSpPr/>
-      <p:sp>
-        <p:nvSpPr>
-          <p:cNvPr id="2" name="标题 1"/>
-          <p:cNvSpPr>
-            <a:spLocks noGrp="1"/>
-          </p:cNvSpPr>
-          <p:nvPr>
-            <p:ph type="title"/>
-          </p:nvPr>
-        </p:nvSpPr>
-        <p:spPr/>
-        <p:txBody>
-          <a:bodyPr>
-            <a:normAutofit/>
-          </a:bodyPr>
-          <a:p>
-            <a:r>
-              <a:rPr lang="en-US" altLang="zh-CN"/>
-              <a:t>leapmotion</a:t>
-            </a:r>
-            <a:endParaRPr lang="en-US" altLang="zh-CN"/>
-          </a:p>
-        </p:txBody>
-      </p:sp>
+      <p:grpSpPr>
+        <a:xfrm>
+          <a:off x="0" y="0"/>
+          <a:ext cx="0" cy="0"/>
+          <a:chOff x="0" y="0"/>
+          <a:chExt cx="0" cy="0"/>
+        </a:xfrm>
+      </p:grpSpPr>
       <p:pic>
         <p:nvPicPr>
-          <p:cNvPr id="4" name="内容占位符 3"/>
+          <p:cNvPr id="4" name="Picture 2" descr="C:\Users\Miaomiao\Desktop\scaletowidth.png">
+            <a:extLst>
+              <a:ext uri="{FF2B5EF4-FFF2-40B4-BE49-F238E27FC236}">
+                <a16:creationId xmlns:a16="http://schemas.microsoft.com/office/drawing/2014/main" id="{F5AF8E3C-EA77-405F-A795-3964E166BC0E}"/>
+              </a:ext>
+            </a:extLst>
+          </p:cNvPr>
           <p:cNvPicPr>
-            <a:picLocks noChangeAspect="1"/>
+            <a:picLocks noChangeAspect="1" noChangeArrowheads="1"/>
           </p:cNvPicPr>
-          <p:nvPr>
-            <p:ph idx="1"/>
-          </p:nvPr>
+          <p:nvPr/>
         </p:nvPicPr>
         <p:blipFill>
-          <a:blip r:embed="rId1"/>
+          <a:blip r:embed="rId2">
+            <a:extLst>
+              <a:ext uri="{28A0092B-C50C-407E-A947-70E740481C1C}">
+                <a14:useLocalDpi xmlns:a14="http://schemas.microsoft.com/office/drawing/2010/main" val="0"/>
+              </a:ext>
+            </a:extLst>
+          </a:blip>
+          <a:srcRect/>
           <a:stretch>
             <a:fillRect/>
           </a:stretch>
         </p:blipFill>
-        <p:spPr>
-          <a:xfrm>
-            <a:off x="2664460" y="1838960"/>
-            <a:ext cx="6344285" cy="4351655"/>
+        <p:spPr bwMode="auto">
+          <a:xfrm>
+            <a:off x="2895746" y="2528264"/>
+            <a:ext cx="5953762" cy="3351391"/>
           </a:xfrm>
           <a:prstGeom prst="rect">
             <a:avLst/>
           </a:prstGeom>
+          <a:noFill/>
+          <a:extLst>
+            <a:ext uri="{909E8E84-426E-40DD-AFC4-6F175D3DCCD1}">
+              <a14:hiddenFill xmlns:a14="http://schemas.microsoft.com/office/drawing/2010/main">
+                <a:solidFill>
+                  <a:srgbClr val="FFFFFF"/>
+                </a:solidFill>
+              </a14:hiddenFill>
+            </a:ext>
+          </a:extLst>
         </p:spPr>
       </p:pic>
+      <p:sp>
+        <p:nvSpPr>
+          <p:cNvPr id="5" name="직사각형 3">
+            <a:extLst>
+              <a:ext uri="{FF2B5EF4-FFF2-40B4-BE49-F238E27FC236}">
+                <a16:creationId xmlns:a16="http://schemas.microsoft.com/office/drawing/2014/main" id="{8328D00F-C98A-4B4E-97F4-7D82053BB17F}"/>
+              </a:ext>
+            </a:extLst>
+          </p:cNvPr>
+          <p:cNvSpPr/>
+          <p:nvPr/>
+        </p:nvSpPr>
+        <p:spPr>
+          <a:xfrm>
+            <a:off x="2904873" y="3320352"/>
+            <a:ext cx="504056" cy="360040"/>
+          </a:xfrm>
+          <a:prstGeom prst="rect">
+            <a:avLst/>
+          </a:prstGeom>
+          <a:noFill/>
+          <a:ln w="38100">
+            <a:solidFill>
+              <a:schemeClr val="tx1">
+                <a:lumMod val="95000"/>
+                <a:lumOff val="5000"/>
+              </a:schemeClr>
+            </a:solidFill>
+          </a:ln>
+        </p:spPr>
+        <p:style>
+          <a:lnRef idx="2">
+            <a:schemeClr val="accent1">
+              <a:shade val="50000"/>
+            </a:schemeClr>
+          </a:lnRef>
+          <a:fillRef idx="1">
+            <a:schemeClr val="accent1"/>
+          </a:fillRef>
+          <a:effectRef idx="0">
+            <a:schemeClr val="accent1"/>
+          </a:effectRef>
+          <a:fontRef idx="minor">
+            <a:schemeClr val="lt1"/>
+          </a:fontRef>
+        </p:style>
+        <p:txBody>
+          <a:bodyPr rtlCol="0" anchor="ctr"/>
+          <a:lstStyle/>
+          <a:p>
+            <a:pPr algn="ctr"/>
+            <a:endParaRPr lang="ko-KR" altLang="en-US"/>
+          </a:p>
+        </p:txBody>
+      </p:sp>
+      <p:sp>
+        <p:nvSpPr>
+          <p:cNvPr id="6" name="직사각형 5">
+            <a:extLst>
+              <a:ext uri="{FF2B5EF4-FFF2-40B4-BE49-F238E27FC236}">
+                <a16:creationId xmlns:a16="http://schemas.microsoft.com/office/drawing/2014/main" id="{9D9521CA-D7B9-4FB3-8062-5D7EAB96D619}"/>
+              </a:ext>
+            </a:extLst>
+          </p:cNvPr>
+          <p:cNvSpPr/>
+          <p:nvPr/>
+        </p:nvSpPr>
+        <p:spPr>
+          <a:xfrm>
+            <a:off x="8008314" y="3305172"/>
+            <a:ext cx="504056" cy="360040"/>
+          </a:xfrm>
+          <a:prstGeom prst="rect">
+            <a:avLst/>
+          </a:prstGeom>
+          <a:noFill/>
+          <a:ln w="38100">
+            <a:solidFill>
+              <a:schemeClr val="tx1">
+                <a:lumMod val="95000"/>
+                <a:lumOff val="5000"/>
+              </a:schemeClr>
+            </a:solidFill>
+          </a:ln>
+        </p:spPr>
+        <p:style>
+          <a:lnRef idx="2">
+            <a:schemeClr val="accent1">
+              <a:shade val="50000"/>
+            </a:schemeClr>
+          </a:lnRef>
+          <a:fillRef idx="1">
+            <a:schemeClr val="accent1"/>
+          </a:fillRef>
+          <a:effectRef idx="0">
+            <a:schemeClr val="accent1"/>
+          </a:effectRef>
+          <a:fontRef idx="minor">
+            <a:schemeClr val="lt1"/>
+          </a:fontRef>
+        </p:style>
+        <p:txBody>
+          <a:bodyPr rtlCol="0" anchor="ctr"/>
+          <a:lstStyle/>
+          <a:p>
+            <a:pPr algn="ctr"/>
+            <a:endParaRPr lang="ko-KR" altLang="en-US"/>
+          </a:p>
+        </p:txBody>
+      </p:sp>
+      <p:cxnSp>
+        <p:nvCxnSpPr>
+          <p:cNvPr id="7" name="직선 화살표 연결선 6">
+            <a:extLst>
+              <a:ext uri="{FF2B5EF4-FFF2-40B4-BE49-F238E27FC236}">
+                <a16:creationId xmlns:a16="http://schemas.microsoft.com/office/drawing/2014/main" id="{C30906A5-278B-49E4-AEC5-4205BD888D18}"/>
+              </a:ext>
+            </a:extLst>
+          </p:cNvPr>
+          <p:cNvCxnSpPr/>
+          <p:nvPr/>
+        </p:nvCxnSpPr>
+        <p:spPr>
+          <a:xfrm flipV="1">
+            <a:off x="3156902" y="1808184"/>
+            <a:ext cx="818964" cy="1496988"/>
+          </a:xfrm>
+          <a:prstGeom prst="straightConnector1">
+            <a:avLst/>
+          </a:prstGeom>
+          <a:ln>
+            <a:tailEnd type="arrow"/>
+          </a:ln>
+        </p:spPr>
+        <p:style>
+          <a:lnRef idx="3">
+            <a:schemeClr val="dk1"/>
+          </a:lnRef>
+          <a:fillRef idx="0">
+            <a:schemeClr val="dk1"/>
+          </a:fillRef>
+          <a:effectRef idx="2">
+            <a:schemeClr val="dk1"/>
+          </a:effectRef>
+          <a:fontRef idx="minor">
+            <a:schemeClr val="tx1"/>
+          </a:fontRef>
+        </p:style>
+      </p:cxnSp>
+      <p:sp>
+        <p:nvSpPr>
+          <p:cNvPr id="8" name="직사각형 8">
+            <a:extLst>
+              <a:ext uri="{FF2B5EF4-FFF2-40B4-BE49-F238E27FC236}">
+                <a16:creationId xmlns:a16="http://schemas.microsoft.com/office/drawing/2014/main" id="{5BDD86B8-1206-464B-B766-903E173DF8C6}"/>
+              </a:ext>
+            </a:extLst>
+          </p:cNvPr>
+          <p:cNvSpPr/>
+          <p:nvPr/>
+        </p:nvSpPr>
+        <p:spPr>
+          <a:xfrm>
+            <a:off x="3062327" y="584048"/>
+            <a:ext cx="4550500" cy="1224136"/>
+          </a:xfrm>
+          <a:prstGeom prst="rect">
+            <a:avLst/>
+          </a:prstGeom>
+          <a:ln w="28575"/>
+        </p:spPr>
+        <p:style>
+          <a:lnRef idx="2">
+            <a:schemeClr val="dk1"/>
+          </a:lnRef>
+          <a:fillRef idx="1">
+            <a:schemeClr val="lt1"/>
+          </a:fillRef>
+          <a:effectRef idx="0">
+            <a:schemeClr val="dk1"/>
+          </a:effectRef>
+          <a:fontRef idx="minor">
+            <a:schemeClr val="dk1"/>
+          </a:fontRef>
+        </p:style>
+        <p:txBody>
+          <a:bodyPr rtlCol="0" anchor="ctr"/>
+          <a:lstStyle/>
+          <a:p>
+            <a:pPr algn="ctr"/>
+            <a:r>
+              <a:rPr lang="zh-CN" altLang="en-US" dirty="0"/>
+              <a:t>选择元素 在用户面前呈现原子结构</a:t>
+            </a:r>
+            <a:endParaRPr lang="en-US" altLang="zh-CN" dirty="0"/>
+          </a:p>
+          <a:p>
+            <a:pPr algn="ctr"/>
+            <a:r>
+              <a:rPr lang="zh-CN" altLang="en-US" dirty="0"/>
+              <a:t>把两个元素拖动到一起呈现</a:t>
+            </a:r>
+            <a:r>
+              <a:rPr lang="en-US" altLang="zh-CN" dirty="0" err="1"/>
+              <a:t>NaCl</a:t>
+            </a:r>
+            <a:r>
+              <a:rPr lang="zh-CN" altLang="en-US" dirty="0"/>
+              <a:t>的组成结构</a:t>
+            </a:r>
+            <a:endParaRPr lang="ko-KR" altLang="en-US" dirty="0"/>
+          </a:p>
+        </p:txBody>
+      </p:sp>
+      <p:cxnSp>
+        <p:nvCxnSpPr>
+          <p:cNvPr id="9" name="직선 화살표 연결선 10">
+            <a:extLst>
+              <a:ext uri="{FF2B5EF4-FFF2-40B4-BE49-F238E27FC236}">
+                <a16:creationId xmlns:a16="http://schemas.microsoft.com/office/drawing/2014/main" id="{7A6BA3F6-838E-4F0E-9EBD-1864B1FC4AB7}"/>
+              </a:ext>
+            </a:extLst>
+          </p:cNvPr>
+          <p:cNvCxnSpPr>
+            <a:stCxn id="6" idx="0"/>
+          </p:cNvCxnSpPr>
+          <p:nvPr/>
+        </p:nvCxnSpPr>
+        <p:spPr>
+          <a:xfrm flipH="1" flipV="1">
+            <a:off x="7216226" y="1808184"/>
+            <a:ext cx="1044116" cy="1496988"/>
+          </a:xfrm>
+          <a:prstGeom prst="straightConnector1">
+            <a:avLst/>
+          </a:prstGeom>
+          <a:ln>
+            <a:tailEnd type="arrow"/>
+          </a:ln>
+        </p:spPr>
+        <p:style>
+          <a:lnRef idx="3">
+            <a:schemeClr val="dk1"/>
+          </a:lnRef>
+          <a:fillRef idx="0">
+            <a:schemeClr val="dk1"/>
+          </a:fillRef>
+          <a:effectRef idx="2">
+            <a:schemeClr val="dk1"/>
+          </a:effectRef>
+          <a:fontRef idx="minor">
+            <a:schemeClr val="tx1"/>
+          </a:fontRef>
+        </p:style>
+      </p:cxnSp>
     </p:spTree>
+    <p:extLst>
+      <p:ext uri="{BB962C8B-B14F-4D97-AF65-F5344CB8AC3E}">
+        <p14:creationId xmlns:p14="http://schemas.microsoft.com/office/powerpoint/2010/main" val="2737630893"/>
+      </p:ext>
+    </p:extLst>
   </p:cSld>
   <p:clrMapOvr>
     <a:masterClrMapping/>
@@ -3599,10 +6006,23 @@
         <p:cNvGrpSpPr/>
         <p:nvPr/>
       </p:nvGrpSpPr>
-      <p:grpSpPr/>
-      <p:sp>
-        <p:nvSpPr>
-          <p:cNvPr id="2" name="标题 1"/>
+      <p:grpSpPr>
+        <a:xfrm>
+          <a:off x="0" y="0"/>
+          <a:ext cx="0" cy="0"/>
+          <a:chOff x="0" y="0"/>
+          <a:chExt cx="0" cy="0"/>
+        </a:xfrm>
+      </p:grpSpPr>
+      <p:sp>
+        <p:nvSpPr>
+          <p:cNvPr id="2" name="标题 1">
+            <a:extLst>
+              <a:ext uri="{FF2B5EF4-FFF2-40B4-BE49-F238E27FC236}">
+                <a16:creationId xmlns:a16="http://schemas.microsoft.com/office/drawing/2014/main" id="{E4EB0F3B-F738-4FDC-AEA5-21070BBB8BB3}"/>
+              </a:ext>
+            </a:extLst>
+          </p:cNvPr>
           <p:cNvSpPr>
             <a:spLocks noGrp="1"/>
           </p:cNvSpPr>
@@ -3613,99 +6033,259 @@
         <p:spPr/>
         <p:txBody>
           <a:bodyPr/>
-          <a:p>
-            <a:r>
-              <a:rPr lang="zh-CN" altLang="en-US"/>
-              <a:t>点火</a:t>
-            </a:r>
-            <a:endParaRPr lang="zh-CN" altLang="en-US"/>
-          </a:p>
-        </p:txBody>
-      </p:sp>
-      <p:pic>
-        <p:nvPicPr>
-          <p:cNvPr id="4" name="内容占位符 3"/>
-          <p:cNvPicPr>
-            <a:picLocks noChangeAspect="1"/>
-          </p:cNvPicPr>
+          <a:lstStyle/>
+          <a:p>
+            <a:r>
+              <a:rPr lang="zh-CN" altLang="en-US" dirty="0"/>
+              <a:t>实验一</a:t>
+            </a:r>
+            <a:endParaRPr lang="en-US" dirty="0"/>
+          </a:p>
+        </p:txBody>
+      </p:sp>
+      <p:sp>
+        <p:nvSpPr>
+          <p:cNvPr id="3" name="内容占位符 2">
+            <a:extLst>
+              <a:ext uri="{FF2B5EF4-FFF2-40B4-BE49-F238E27FC236}">
+                <a16:creationId xmlns:a16="http://schemas.microsoft.com/office/drawing/2014/main" id="{6B60700D-9D26-453E-A182-D9EF935A9994}"/>
+              </a:ext>
+            </a:extLst>
+          </p:cNvPr>
+          <p:cNvSpPr>
+            <a:spLocks noGrp="1"/>
+          </p:cNvSpPr>
           <p:nvPr>
             <p:ph idx="1"/>
           </p:nvPr>
-        </p:nvPicPr>
-        <p:blipFill>
-          <a:blip r:embed="rId1"/>
-          <a:stretch>
-            <a:fillRect/>
-          </a:stretch>
-        </p:blipFill>
-        <p:spPr>
-          <a:xfrm>
-            <a:off x="746760" y="1534795"/>
-            <a:ext cx="5078095" cy="4351655"/>
-          </a:xfrm>
-          <a:prstGeom prst="rect">
-            <a:avLst/>
-          </a:prstGeom>
-        </p:spPr>
-      </p:pic>
-      <p:pic>
-        <p:nvPicPr>
-          <p:cNvPr id="5" name="图片 4"/>
-          <p:cNvPicPr>
-            <a:picLocks noChangeAspect="1"/>
-          </p:cNvPicPr>
-          <p:nvPr/>
-        </p:nvPicPr>
-        <p:blipFill>
-          <a:blip r:embed="rId2"/>
-          <a:stretch>
-            <a:fillRect/>
-          </a:stretch>
-        </p:blipFill>
-        <p:spPr>
-          <a:xfrm>
-            <a:off x="7215505" y="2508250"/>
-            <a:ext cx="3944620" cy="2482215"/>
-          </a:xfrm>
-          <a:prstGeom prst="rect">
-            <a:avLst/>
-          </a:prstGeom>
-        </p:spPr>
-      </p:pic>
-      <p:cxnSp>
-        <p:nvCxnSpPr>
-          <p:cNvPr id="6" name="直接箭头连接符 5"/>
-          <p:cNvCxnSpPr/>
-          <p:nvPr/>
-        </p:nvCxnSpPr>
-        <p:spPr>
-          <a:xfrm flipV="1">
-            <a:off x="5981700" y="3595370"/>
-            <a:ext cx="1927225" cy="307975"/>
-          </a:xfrm>
-          <a:prstGeom prst="straightConnector1">
-            <a:avLst/>
-          </a:prstGeom>
-          <a:ln w="57150">
-            <a:tailEnd type="arrow"/>
-          </a:ln>
-        </p:spPr>
-        <p:style>
-          <a:lnRef idx="1">
-            <a:schemeClr val="accent1"/>
-          </a:lnRef>
-          <a:fillRef idx="0">
-            <a:schemeClr val="accent1"/>
-          </a:fillRef>
-          <a:effectRef idx="0">
-            <a:schemeClr val="accent1"/>
-          </a:effectRef>
-          <a:fontRef idx="minor">
-            <a:schemeClr val="tx1"/>
-          </a:fontRef>
-        </p:style>
-      </p:cxnSp>
+        </p:nvSpPr>
+        <p:spPr/>
+        <p:txBody>
+          <a:bodyPr>
+            <a:normAutofit fontScale="85000" lnSpcReduction="20000"/>
+          </a:bodyPr>
+          <a:lstStyle/>
+          <a:p>
+            <a:r>
+              <a:rPr lang="zh-CN" altLang="en-US" dirty="0"/>
+              <a:t>镁条燃烧</a:t>
+            </a:r>
+            <a:endParaRPr lang="en-US" altLang="zh-CN" dirty="0"/>
+          </a:p>
+          <a:p>
+            <a:pPr lvl="1"/>
+            <a:r>
+              <a:rPr lang="zh-CN" altLang="en-US" dirty="0"/>
+              <a:t>所需物品</a:t>
+            </a:r>
+            <a:endParaRPr lang="en-US" altLang="zh-CN" dirty="0"/>
+          </a:p>
+          <a:p>
+            <a:pPr lvl="2"/>
+            <a:r>
+              <a:rPr lang="zh-CN" altLang="en-US" dirty="0"/>
+              <a:t>镁条，沙碗，烧杯，钳子，装有食醋的烧杯</a:t>
+            </a:r>
+            <a:endParaRPr lang="en-US" altLang="zh-CN" dirty="0"/>
+          </a:p>
+          <a:p>
+            <a:pPr lvl="1"/>
+            <a:r>
+              <a:rPr lang="zh-CN" altLang="en-US" dirty="0"/>
+              <a:t>实验理论</a:t>
+            </a:r>
+            <a:endParaRPr lang="en-US" altLang="zh-CN" dirty="0"/>
+          </a:p>
+          <a:p>
+            <a:pPr lvl="2"/>
+            <a:r>
+              <a:rPr lang="zh-CN" altLang="en-US" dirty="0"/>
+              <a:t>镁条的燃烧反应改变了原子的排列</a:t>
+            </a:r>
+            <a:endParaRPr lang="en-US" altLang="zh-CN" dirty="0"/>
+          </a:p>
+          <a:p>
+            <a:pPr lvl="2"/>
+            <a:r>
+              <a:rPr lang="zh-CN" altLang="en-US" dirty="0"/>
+              <a:t>镁</a:t>
+            </a:r>
+            <a:r>
+              <a:rPr lang="en-US" altLang="zh-CN" dirty="0"/>
+              <a:t>+ </a:t>
+            </a:r>
+            <a:r>
+              <a:rPr lang="zh-CN" altLang="en-US" dirty="0"/>
+              <a:t>氧气 </a:t>
+            </a:r>
+            <a:r>
+              <a:rPr lang="en-US" altLang="zh-CN" dirty="0"/>
+              <a:t>——</a:t>
+            </a:r>
+            <a:r>
+              <a:rPr lang="zh-CN" altLang="en-US" dirty="0"/>
+              <a:t>氧化镁</a:t>
+            </a:r>
+            <a:endParaRPr lang="en-US" altLang="zh-CN" dirty="0"/>
+          </a:p>
+          <a:p>
+            <a:pPr lvl="3"/>
+            <a:r>
+              <a:rPr lang="en-US" altLang="ko-KR" dirty="0"/>
+              <a:t>2Mg+H2O+CO2+O2</a:t>
+            </a:r>
+            <a:r>
+              <a:rPr lang="en-US" altLang="zh-CN" dirty="0"/>
+              <a:t>——</a:t>
+            </a:r>
+            <a:r>
+              <a:rPr lang="en-US" altLang="ko-KR" dirty="0"/>
+              <a:t>Mg2(OH)2CO3</a:t>
+            </a:r>
+          </a:p>
+          <a:p>
+            <a:pPr lvl="3"/>
+            <a:r>
+              <a:rPr lang="en-US" altLang="ko-KR" dirty="0"/>
+              <a:t>2Mg+O2</a:t>
+            </a:r>
+            <a:r>
+              <a:rPr lang="en-US" altLang="zh-CN" dirty="0"/>
+              <a:t>——</a:t>
+            </a:r>
+            <a:r>
+              <a:rPr lang="ko-KR" altLang="en-US" dirty="0"/>
+              <a:t>点燃</a:t>
+            </a:r>
+            <a:r>
+              <a:rPr lang="en-US" altLang="zh-CN" dirty="0"/>
+              <a:t>——</a:t>
+            </a:r>
+            <a:r>
+              <a:rPr lang="en-US" altLang="ko-KR" dirty="0"/>
+              <a:t>2MgO </a:t>
+            </a:r>
+            <a:endParaRPr lang="en-US" altLang="zh-CN" dirty="0"/>
+          </a:p>
+          <a:p>
+            <a:pPr lvl="1"/>
+            <a:r>
+              <a:rPr lang="zh-CN" altLang="en-US" dirty="0"/>
+              <a:t>实验方法</a:t>
+            </a:r>
+            <a:endParaRPr lang="en-US" altLang="zh-CN" dirty="0"/>
+          </a:p>
+          <a:p>
+            <a:pPr lvl="2"/>
+            <a:r>
+              <a:rPr lang="zh-CN" altLang="en-US" dirty="0"/>
+              <a:t>放置沙碗，把一根镁条在沙碗上边燃烧，观察现象</a:t>
+            </a:r>
+            <a:endParaRPr lang="en-US" altLang="zh-CN" dirty="0"/>
+          </a:p>
+          <a:p>
+            <a:pPr lvl="2"/>
+            <a:r>
+              <a:rPr lang="zh-CN" altLang="en-US" dirty="0"/>
+              <a:t>把两个烧杯里放入等量的食醋，把燃烧过的镁条和没有燃烧的镁条分别放入两只烧杯中观察现象。</a:t>
+            </a:r>
+            <a:endParaRPr lang="en-US" altLang="zh-CN" dirty="0"/>
+          </a:p>
+          <a:p>
+            <a:pPr lvl="1"/>
+            <a:r>
+              <a:rPr lang="zh-CN" altLang="en-US" dirty="0"/>
+              <a:t>实验现象</a:t>
+            </a:r>
+            <a:r>
+              <a:rPr lang="en-US" altLang="zh-CN" dirty="0"/>
+              <a:t>/</a:t>
+            </a:r>
+            <a:r>
+              <a:rPr lang="zh-CN" altLang="en-US" dirty="0"/>
+              <a:t>结果</a:t>
+            </a:r>
+            <a:endParaRPr lang="en-US" altLang="zh-CN" dirty="0"/>
+          </a:p>
+          <a:p>
+            <a:pPr lvl="2"/>
+            <a:r>
+              <a:rPr lang="zh-CN" altLang="en-US" dirty="0"/>
+              <a:t>镁条燃烧时发出耀眼白光，放出大量的热，</a:t>
+            </a:r>
+            <a:r>
+              <a:rPr lang="ko-KR" altLang="en-US" dirty="0"/>
+              <a:t>生成</a:t>
+            </a:r>
+            <a:r>
+              <a:rPr lang="zh-CN" altLang="en-US" dirty="0"/>
+              <a:t>黑</a:t>
+            </a:r>
+            <a:r>
+              <a:rPr lang="ko-KR" altLang="en-US" dirty="0"/>
+              <a:t>色固体</a:t>
+            </a:r>
+            <a:r>
+              <a:rPr lang="zh-CN" altLang="en-US" dirty="0"/>
+              <a:t>。</a:t>
+            </a:r>
+            <a:endParaRPr lang="en-US" altLang="zh-CN" dirty="0"/>
+          </a:p>
+          <a:p>
+            <a:pPr lvl="2"/>
+            <a:r>
+              <a:rPr lang="zh-CN" altLang="en-US" dirty="0"/>
+              <a:t>放入燃烧后镁条的烧杯没有放应</a:t>
+            </a:r>
+            <a:endParaRPr lang="en-US" altLang="zh-CN" dirty="0"/>
+          </a:p>
+          <a:p>
+            <a:pPr lvl="2"/>
+            <a:r>
+              <a:rPr lang="zh-CN" altLang="en-US" dirty="0"/>
+              <a:t>放入正常的镁条的烧杯中 镁条渐渐溶解，并有气泡产生</a:t>
+            </a:r>
+            <a:endParaRPr lang="en-US" altLang="zh-CN" dirty="0"/>
+          </a:p>
+          <a:p>
+            <a:pPr lvl="3"/>
+            <a:r>
+              <a:rPr lang="en-US" altLang="ko-KR" dirty="0"/>
+              <a:t>Mg + 2CH3COOH </a:t>
+            </a:r>
+            <a:r>
+              <a:rPr lang="en-US" altLang="zh-CN" dirty="0"/>
+              <a:t>——</a:t>
+            </a:r>
+            <a:r>
+              <a:rPr lang="en-US" altLang="ko-KR" dirty="0"/>
+              <a:t>(CH3COO)2Mg + + H2</a:t>
+            </a:r>
+            <a:r>
+              <a:rPr lang="ko-KR" altLang="en-US" dirty="0"/>
+              <a:t>（</a:t>
+            </a:r>
+            <a:r>
+              <a:rPr lang="en-US" altLang="ko-KR" dirty="0"/>
+              <a:t> ↑ </a:t>
+            </a:r>
+            <a:r>
+              <a:rPr lang="ko-KR" altLang="en-US" dirty="0"/>
+              <a:t>）</a:t>
+            </a:r>
+            <a:endParaRPr lang="en-US" altLang="zh-CN" dirty="0"/>
+          </a:p>
+          <a:p>
+            <a:endParaRPr lang="en-US" dirty="0"/>
+          </a:p>
+        </p:txBody>
+      </p:sp>
     </p:spTree>
+    <p:extLst>
+      <p:ext uri="{BB962C8B-B14F-4D97-AF65-F5344CB8AC3E}">
+        <p14:creationId xmlns:p14="http://schemas.microsoft.com/office/powerpoint/2010/main" val="2122212258"/>
+      </p:ext>
+    </p:extLst>
   </p:cSld>
   <p:clrMapOvr>
     <a:masterClrMapping/>
@@ -3722,10 +6302,23 @@
         <p:cNvGrpSpPr/>
         <p:nvPr/>
       </p:nvGrpSpPr>
-      <p:grpSpPr/>
-      <p:sp>
-        <p:nvSpPr>
-          <p:cNvPr id="2" name="标题 1"/>
+      <p:grpSpPr>
+        <a:xfrm>
+          <a:off x="0" y="0"/>
+          <a:ext cx="0" cy="0"/>
+          <a:chOff x="0" y="0"/>
+          <a:chExt cx="0" cy="0"/>
+        </a:xfrm>
+      </p:grpSpPr>
+      <p:sp>
+        <p:nvSpPr>
+          <p:cNvPr id="2" name="标题 1">
+            <a:extLst>
+              <a:ext uri="{FF2B5EF4-FFF2-40B4-BE49-F238E27FC236}">
+                <a16:creationId xmlns:a16="http://schemas.microsoft.com/office/drawing/2014/main" id="{55D351B7-1D3D-4D9A-A9B4-FC7BC994CCC5}"/>
+              </a:ext>
+            </a:extLst>
+          </p:cNvPr>
           <p:cNvSpPr>
             <a:spLocks noGrp="1"/>
           </p:cNvSpPr>
@@ -3736,62 +6329,102 @@
         <p:spPr/>
         <p:txBody>
           <a:bodyPr/>
-          <a:p>
-            <a:endParaRPr lang="zh-CN" altLang="en-US"/>
-          </a:p>
-        </p:txBody>
-      </p:sp>
-      <p:pic>
-        <p:nvPicPr>
-          <p:cNvPr id="4" name="内容占位符 3"/>
-          <p:cNvPicPr>
-            <a:picLocks noChangeAspect="1"/>
-          </p:cNvPicPr>
+          <a:lstStyle/>
+          <a:p>
+            <a:r>
+              <a:rPr lang="zh-CN" altLang="en-US" dirty="0"/>
+              <a:t>实验操作流程</a:t>
+            </a:r>
+            <a:endParaRPr lang="en-US" dirty="0"/>
+          </a:p>
+        </p:txBody>
+      </p:sp>
+      <p:sp>
+        <p:nvSpPr>
+          <p:cNvPr id="3" name="内容占位符 2">
+            <a:extLst>
+              <a:ext uri="{FF2B5EF4-FFF2-40B4-BE49-F238E27FC236}">
+                <a16:creationId xmlns:a16="http://schemas.microsoft.com/office/drawing/2014/main" id="{536B2940-C803-43C0-A21C-22869D59A58E}"/>
+              </a:ext>
+            </a:extLst>
+          </p:cNvPr>
+          <p:cNvSpPr>
+            <a:spLocks noGrp="1"/>
+          </p:cNvSpPr>
           <p:nvPr>
             <p:ph idx="1"/>
           </p:nvPr>
-        </p:nvPicPr>
-        <p:blipFill>
-          <a:blip r:embed="rId1"/>
-          <a:stretch>
-            <a:fillRect/>
-          </a:stretch>
-        </p:blipFill>
-        <p:spPr>
-          <a:xfrm>
-            <a:off x="796290" y="1420495"/>
-            <a:ext cx="5121275" cy="4351655"/>
-          </a:xfrm>
-          <a:prstGeom prst="rect">
-            <a:avLst/>
-          </a:prstGeom>
-        </p:spPr>
-      </p:pic>
-      <p:pic>
-        <p:nvPicPr>
-          <p:cNvPr id="5" name="图片 4"/>
-          <p:cNvPicPr>
-            <a:picLocks noChangeAspect="1"/>
-          </p:cNvPicPr>
-          <p:nvPr/>
-        </p:nvPicPr>
-        <p:blipFill>
-          <a:blip r:embed="rId2"/>
-          <a:stretch>
-            <a:fillRect/>
-          </a:stretch>
-        </p:blipFill>
-        <p:spPr>
-          <a:xfrm>
-            <a:off x="6198235" y="1227455"/>
-            <a:ext cx="5481320" cy="4737735"/>
-          </a:xfrm>
-          <a:prstGeom prst="rect">
-            <a:avLst/>
-          </a:prstGeom>
-        </p:spPr>
-      </p:pic>
+        </p:nvSpPr>
+        <p:spPr/>
+        <p:txBody>
+          <a:bodyPr/>
+          <a:lstStyle/>
+          <a:p>
+            <a:r>
+              <a:rPr lang="zh-CN" altLang="en-US" dirty="0"/>
+              <a:t>翻看实验须知</a:t>
+            </a:r>
+            <a:endParaRPr lang="en-US" altLang="zh-CN" dirty="0"/>
+          </a:p>
+          <a:p>
+            <a:pPr lvl="1"/>
+            <a:r>
+              <a:rPr lang="zh-CN" altLang="en-US" dirty="0"/>
+              <a:t>翻阅试验台上的实验须知（纸张） 和 观看实验演示视频（可选）</a:t>
+            </a:r>
+            <a:endParaRPr lang="en-US" altLang="zh-CN" dirty="0"/>
+          </a:p>
+          <a:p>
+            <a:pPr lvl="1"/>
+            <a:r>
+              <a:rPr lang="zh-CN" altLang="en-US" dirty="0"/>
+              <a:t>拿起实验台上的火柴自动引燃 ，用点燃的火柴 点燃酒精灯（手指指酒精灯，有时候指不准）</a:t>
+            </a:r>
+            <a:endParaRPr lang="en-US" altLang="zh-CN" dirty="0"/>
+          </a:p>
+          <a:p>
+            <a:pPr lvl="1"/>
+            <a:r>
+              <a:rPr lang="zh-CN" altLang="en-US" dirty="0"/>
+              <a:t>拿起桌上两条镁条中的一条，并放在酒精灯上燃烧</a:t>
+            </a:r>
+            <a:endParaRPr lang="en-US" altLang="zh-CN" dirty="0"/>
+          </a:p>
+          <a:p>
+            <a:pPr lvl="1"/>
+            <a:r>
+              <a:rPr lang="zh-CN" altLang="en-US" dirty="0"/>
+              <a:t>观察实验现象</a:t>
+            </a:r>
+            <a:endParaRPr lang="en-US" altLang="zh-CN" dirty="0"/>
+          </a:p>
+          <a:p>
+            <a:pPr lvl="1"/>
+            <a:r>
+              <a:rPr lang="zh-CN" altLang="en-US" dirty="0"/>
+              <a:t>把然烧后的镁条放入一个烧杯的食醋中，把未经过然烧的镁条放入另一个烧杯的食醋中 观察实验现象</a:t>
+            </a:r>
+            <a:endParaRPr lang="en-US" altLang="zh-CN" dirty="0"/>
+          </a:p>
+          <a:p>
+            <a:pPr lvl="1"/>
+            <a:r>
+              <a:rPr lang="zh-CN" altLang="en-US" dirty="0"/>
+              <a:t>关闭酒精灯</a:t>
+            </a:r>
+            <a:endParaRPr lang="en-US" altLang="zh-CN" dirty="0"/>
+          </a:p>
+          <a:p>
+            <a:endParaRPr lang="en-US" dirty="0"/>
+          </a:p>
+        </p:txBody>
+      </p:sp>
     </p:spTree>
+    <p:extLst>
+      <p:ext uri="{BB962C8B-B14F-4D97-AF65-F5344CB8AC3E}">
+        <p14:creationId xmlns:p14="http://schemas.microsoft.com/office/powerpoint/2010/main" val="898712557"/>
+      </p:ext>
+    </p:extLst>
   </p:cSld>
   <p:clrMapOvr>
     <a:masterClrMapping/>
@@ -3808,10 +6441,23 @@
         <p:cNvGrpSpPr/>
         <p:nvPr/>
       </p:nvGrpSpPr>
-      <p:grpSpPr/>
-      <p:sp>
-        <p:nvSpPr>
-          <p:cNvPr id="2" name="标题 1"/>
+      <p:grpSpPr>
+        <a:xfrm>
+          <a:off x="0" y="0"/>
+          <a:ext cx="0" cy="0"/>
+          <a:chOff x="0" y="0"/>
+          <a:chExt cx="0" cy="0"/>
+        </a:xfrm>
+      </p:grpSpPr>
+      <p:sp>
+        <p:nvSpPr>
+          <p:cNvPr id="2" name="标题 1">
+            <a:extLst>
+              <a:ext uri="{FF2B5EF4-FFF2-40B4-BE49-F238E27FC236}">
+                <a16:creationId xmlns:a16="http://schemas.microsoft.com/office/drawing/2014/main" id="{ECCA47BE-65B6-4147-A6B8-E14DACA1276D}"/>
+              </a:ext>
+            </a:extLst>
+          </p:cNvPr>
           <p:cNvSpPr>
             <a:spLocks noGrp="1"/>
           </p:cNvSpPr>
@@ -3822,62 +6468,79 @@
         <p:spPr/>
         <p:txBody>
           <a:bodyPr/>
-          <a:p>
-            <a:endParaRPr lang="zh-CN" altLang="en-US"/>
-          </a:p>
-        </p:txBody>
-      </p:sp>
-      <p:pic>
-        <p:nvPicPr>
-          <p:cNvPr id="7" name="内容占位符 6"/>
-          <p:cNvPicPr>
-            <a:picLocks noChangeAspect="1"/>
-          </p:cNvPicPr>
+          <a:lstStyle/>
+          <a:p>
+            <a:r>
+              <a:rPr lang="zh-CN" altLang="en-US" dirty="0"/>
+              <a:t>实验现象</a:t>
+            </a:r>
+            <a:endParaRPr lang="en-US" dirty="0"/>
+          </a:p>
+        </p:txBody>
+      </p:sp>
+      <p:sp>
+        <p:nvSpPr>
+          <p:cNvPr id="3" name="内容占位符 2">
+            <a:extLst>
+              <a:ext uri="{FF2B5EF4-FFF2-40B4-BE49-F238E27FC236}">
+                <a16:creationId xmlns:a16="http://schemas.microsoft.com/office/drawing/2014/main" id="{B941EA24-4B58-4B11-9269-5729A2350547}"/>
+              </a:ext>
+            </a:extLst>
+          </p:cNvPr>
+          <p:cNvSpPr>
+            <a:spLocks noGrp="1"/>
+          </p:cNvSpPr>
           <p:nvPr>
             <p:ph idx="1"/>
           </p:nvPr>
-        </p:nvPicPr>
-        <p:blipFill>
-          <a:blip r:embed="rId1"/>
-          <a:stretch>
-            <a:fillRect/>
-          </a:stretch>
-        </p:blipFill>
-        <p:spPr>
-          <a:xfrm>
-            <a:off x="6361430" y="1798320"/>
-            <a:ext cx="5219700" cy="4511675"/>
-          </a:xfrm>
-          <a:prstGeom prst="rect">
-            <a:avLst/>
-          </a:prstGeom>
-        </p:spPr>
-      </p:pic>
-      <p:pic>
-        <p:nvPicPr>
-          <p:cNvPr id="6" name="图片 5"/>
-          <p:cNvPicPr>
-            <a:picLocks noChangeAspect="1"/>
-          </p:cNvPicPr>
-          <p:nvPr/>
-        </p:nvPicPr>
-        <p:blipFill>
-          <a:blip r:embed="rId2"/>
-          <a:stretch>
-            <a:fillRect/>
-          </a:stretch>
-        </p:blipFill>
-        <p:spPr>
-          <a:xfrm>
-            <a:off x="691515" y="1691640"/>
-            <a:ext cx="5390515" cy="4658995"/>
-          </a:xfrm>
-          <a:prstGeom prst="rect">
-            <a:avLst/>
-          </a:prstGeom>
-        </p:spPr>
-      </p:pic>
+        </p:nvSpPr>
+        <p:spPr/>
+        <p:txBody>
+          <a:bodyPr/>
+          <a:lstStyle/>
+          <a:p>
+            <a:r>
+              <a:rPr lang="zh-CN" altLang="en-US" dirty="0"/>
+              <a:t>镁条燃烧时发出耀眼白光，放出大量的热，</a:t>
+            </a:r>
+            <a:r>
+              <a:rPr lang="ko-KR" altLang="en-US" dirty="0"/>
+              <a:t>生成白色固体</a:t>
+            </a:r>
+            <a:r>
+              <a:rPr lang="zh-CN" altLang="en-US" dirty="0"/>
+              <a:t>。</a:t>
+            </a:r>
+            <a:endParaRPr lang="en-US" altLang="zh-CN" dirty="0"/>
+          </a:p>
+          <a:p>
+            <a:r>
+              <a:rPr lang="zh-CN" altLang="en-US" dirty="0"/>
+              <a:t>放入燃烧后镁条的烧杯镁条渐渐溶解</a:t>
+            </a:r>
+            <a:endParaRPr lang="en-US" altLang="zh-CN" dirty="0"/>
+          </a:p>
+          <a:p>
+            <a:r>
+              <a:rPr lang="zh-CN" altLang="en-US" dirty="0"/>
+              <a:t>放入正常的镁条的烧杯中 镁条渐渐溶解并有气泡产生</a:t>
+            </a:r>
+            <a:endParaRPr lang="en-US" altLang="zh-CN" dirty="0"/>
+          </a:p>
+          <a:p>
+            <a:pPr marL="914400" lvl="2" indent="0">
+              <a:buNone/>
+            </a:pPr>
+            <a:endParaRPr lang="en-US" altLang="zh-CN" dirty="0"/>
+          </a:p>
+        </p:txBody>
+      </p:sp>
     </p:spTree>
+    <p:extLst>
+      <p:ext uri="{BB962C8B-B14F-4D97-AF65-F5344CB8AC3E}">
+        <p14:creationId xmlns:p14="http://schemas.microsoft.com/office/powerpoint/2010/main" val="2689876986"/>
+      </p:ext>
+    </p:extLst>
   </p:cSld>
   <p:clrMapOvr>
     <a:masterClrMapping/>
@@ -3894,69 +6557,526 @@
         <p:cNvGrpSpPr/>
         <p:nvPr/>
       </p:nvGrpSpPr>
-      <p:grpSpPr/>
-      <p:sp>
-        <p:nvSpPr>
-          <p:cNvPr id="2" name="标题 1"/>
-          <p:cNvSpPr>
-            <a:spLocks noGrp="1"/>
-          </p:cNvSpPr>
-          <p:nvPr>
-            <p:ph type="title"/>
-          </p:nvPr>
-        </p:nvSpPr>
-        <p:spPr/>
-        <p:txBody>
-          <a:bodyPr/>
-          <a:p>
-            <a:endParaRPr lang="zh-CN" altLang="en-US"/>
-          </a:p>
-        </p:txBody>
-      </p:sp>
+      <p:grpSpPr>
+        <a:xfrm>
+          <a:off x="0" y="0"/>
+          <a:ext cx="0" cy="0"/>
+          <a:chOff x="0" y="0"/>
+          <a:chExt cx="0" cy="0"/>
+        </a:xfrm>
+      </p:grpSpPr>
       <p:pic>
         <p:nvPicPr>
-          <p:cNvPr id="9" name="内容占位符 8"/>
+          <p:cNvPr id="4" name="Picture 2" descr="C:\Users\Miaomiao\Desktop\scaletowidth.png">
+            <a:extLst>
+              <a:ext uri="{FF2B5EF4-FFF2-40B4-BE49-F238E27FC236}">
+                <a16:creationId xmlns:a16="http://schemas.microsoft.com/office/drawing/2014/main" id="{7A3FE2F6-C717-4733-8EAF-8BFF0EEC4BF9}"/>
+              </a:ext>
+            </a:extLst>
+          </p:cNvPr>
           <p:cNvPicPr>
-            <a:picLocks noChangeAspect="1"/>
+            <a:picLocks noChangeAspect="1" noChangeArrowheads="1"/>
           </p:cNvPicPr>
-          <p:nvPr>
-            <p:ph idx="1"/>
-          </p:nvPr>
+          <p:nvPr/>
         </p:nvPicPr>
         <p:blipFill>
-          <a:blip r:embed="rId1"/>
+          <a:blip r:embed="rId2" cstate="print">
+            <a:extLst>
+              <a:ext uri="{28A0092B-C50C-407E-A947-70E740481C1C}">
+                <a14:useLocalDpi xmlns:a14="http://schemas.microsoft.com/office/drawing/2010/main" val="0"/>
+              </a:ext>
+            </a:extLst>
+          </a:blip>
+          <a:srcRect/>
           <a:stretch>
             <a:fillRect/>
           </a:stretch>
         </p:blipFill>
-        <p:spPr>
-          <a:xfrm>
-            <a:off x="6318885" y="1393190"/>
-            <a:ext cx="5542915" cy="4791075"/>
+        <p:spPr bwMode="auto">
+          <a:xfrm>
+            <a:off x="2064328" y="2753450"/>
+            <a:ext cx="4465322" cy="2513543"/>
           </a:xfrm>
           <a:prstGeom prst="rect">
             <a:avLst/>
           </a:prstGeom>
+          <a:noFill/>
+          <a:extLst>
+            <a:ext uri="{909E8E84-426E-40DD-AFC4-6F175D3DCCD1}">
+              <a14:hiddenFill xmlns:a14="http://schemas.microsoft.com/office/drawing/2010/main">
+                <a:solidFill>
+                  <a:srgbClr val="FFFFFF"/>
+                </a:solidFill>
+              </a14:hiddenFill>
+            </a:ext>
+          </a:extLst>
         </p:spPr>
       </p:pic>
+      <p:sp>
+        <p:nvSpPr>
+          <p:cNvPr id="5" name="직사각형 3">
+            <a:extLst>
+              <a:ext uri="{FF2B5EF4-FFF2-40B4-BE49-F238E27FC236}">
+                <a16:creationId xmlns:a16="http://schemas.microsoft.com/office/drawing/2014/main" id="{85C797FD-10C9-4BD2-8701-E9788F85A798}"/>
+              </a:ext>
+            </a:extLst>
+          </p:cNvPr>
+          <p:cNvSpPr/>
+          <p:nvPr/>
+        </p:nvSpPr>
+        <p:spPr>
+          <a:xfrm>
+            <a:off x="2071174" y="3347514"/>
+            <a:ext cx="378042" cy="270030"/>
+          </a:xfrm>
+          <a:prstGeom prst="rect">
+            <a:avLst/>
+          </a:prstGeom>
+          <a:noFill/>
+          <a:ln w="38100">
+            <a:solidFill>
+              <a:schemeClr val="tx1">
+                <a:lumMod val="95000"/>
+                <a:lumOff val="5000"/>
+              </a:schemeClr>
+            </a:solidFill>
+          </a:ln>
+        </p:spPr>
+        <p:style>
+          <a:lnRef idx="2">
+            <a:schemeClr val="accent1">
+              <a:shade val="50000"/>
+            </a:schemeClr>
+          </a:lnRef>
+          <a:fillRef idx="1">
+            <a:schemeClr val="accent1"/>
+          </a:fillRef>
+          <a:effectRef idx="0">
+            <a:schemeClr val="accent1"/>
+          </a:effectRef>
+          <a:fontRef idx="minor">
+            <a:schemeClr val="lt1"/>
+          </a:fontRef>
+        </p:style>
+        <p:txBody>
+          <a:bodyPr rtlCol="0" anchor="ctr"/>
+          <a:lstStyle/>
+          <a:p>
+            <a:pPr algn="ctr"/>
+            <a:endParaRPr lang="ko-KR" altLang="en-US" sz="1350"/>
+          </a:p>
+        </p:txBody>
+      </p:sp>
+      <p:sp>
+        <p:nvSpPr>
+          <p:cNvPr id="6" name="직사각형 5">
+            <a:extLst>
+              <a:ext uri="{FF2B5EF4-FFF2-40B4-BE49-F238E27FC236}">
+                <a16:creationId xmlns:a16="http://schemas.microsoft.com/office/drawing/2014/main" id="{C0FDFF35-FC8F-4962-8F74-D703F230A703}"/>
+              </a:ext>
+            </a:extLst>
+          </p:cNvPr>
+          <p:cNvSpPr/>
+          <p:nvPr/>
+        </p:nvSpPr>
+        <p:spPr>
+          <a:xfrm>
+            <a:off x="5898755" y="3336129"/>
+            <a:ext cx="378042" cy="270030"/>
+          </a:xfrm>
+          <a:prstGeom prst="rect">
+            <a:avLst/>
+          </a:prstGeom>
+          <a:noFill/>
+          <a:ln w="38100">
+            <a:solidFill>
+              <a:schemeClr val="tx1">
+                <a:lumMod val="95000"/>
+                <a:lumOff val="5000"/>
+              </a:schemeClr>
+            </a:solidFill>
+          </a:ln>
+        </p:spPr>
+        <p:style>
+          <a:lnRef idx="2">
+            <a:schemeClr val="accent1">
+              <a:shade val="50000"/>
+            </a:schemeClr>
+          </a:lnRef>
+          <a:fillRef idx="1">
+            <a:schemeClr val="accent1"/>
+          </a:fillRef>
+          <a:effectRef idx="0">
+            <a:schemeClr val="accent1"/>
+          </a:effectRef>
+          <a:fontRef idx="minor">
+            <a:schemeClr val="lt1"/>
+          </a:fontRef>
+        </p:style>
+        <p:txBody>
+          <a:bodyPr rtlCol="0" anchor="ctr"/>
+          <a:lstStyle/>
+          <a:p>
+            <a:pPr algn="ctr"/>
+            <a:endParaRPr lang="ko-KR" altLang="en-US" sz="1350"/>
+          </a:p>
+        </p:txBody>
+      </p:sp>
+      <p:sp>
+        <p:nvSpPr>
+          <p:cNvPr id="7" name="직사각형 8">
+            <a:extLst>
+              <a:ext uri="{FF2B5EF4-FFF2-40B4-BE49-F238E27FC236}">
+                <a16:creationId xmlns:a16="http://schemas.microsoft.com/office/drawing/2014/main" id="{D5E06CF0-7BF0-4284-AC03-1D3EBBD68784}"/>
+              </a:ext>
+            </a:extLst>
+          </p:cNvPr>
+          <p:cNvSpPr/>
+          <p:nvPr/>
+        </p:nvSpPr>
+        <p:spPr>
+          <a:xfrm>
+            <a:off x="2898432" y="1189900"/>
+            <a:ext cx="3378365" cy="1269413"/>
+          </a:xfrm>
+          <a:prstGeom prst="rect">
+            <a:avLst/>
+          </a:prstGeom>
+          <a:ln w="28575"/>
+        </p:spPr>
+        <p:style>
+          <a:lnRef idx="2">
+            <a:schemeClr val="dk1"/>
+          </a:lnRef>
+          <a:fillRef idx="1">
+            <a:schemeClr val="lt1"/>
+          </a:fillRef>
+          <a:effectRef idx="0">
+            <a:schemeClr val="dk1"/>
+          </a:effectRef>
+          <a:fontRef idx="minor">
+            <a:schemeClr val="dk1"/>
+          </a:fontRef>
+        </p:style>
+        <p:txBody>
+          <a:bodyPr rtlCol="0" anchor="ctr"/>
+          <a:lstStyle/>
+          <a:p>
+            <a:pPr algn="ctr"/>
+            <a:r>
+              <a:rPr lang="zh-CN" altLang="en-US" sz="1350" dirty="0"/>
+              <a:t>选择元素 在用户面前卡片上呈现原子结构</a:t>
+            </a:r>
+            <a:endParaRPr lang="en-US" altLang="zh-CN" sz="1350" dirty="0"/>
+          </a:p>
+          <a:p>
+            <a:pPr algn="ctr"/>
+            <a:r>
+              <a:rPr lang="zh-CN" altLang="en-US" sz="1350" dirty="0"/>
+              <a:t>把两个元素拖动到一起呈现</a:t>
+            </a:r>
+            <a:r>
+              <a:rPr lang="en-US" altLang="zh-CN" sz="1350" dirty="0" err="1"/>
+              <a:t>NaCl</a:t>
+            </a:r>
+            <a:r>
+              <a:rPr lang="zh-CN" altLang="en-US" sz="1350" dirty="0"/>
+              <a:t>的组成结构</a:t>
+            </a:r>
+            <a:endParaRPr lang="ko-KR" altLang="en-US" sz="1350" dirty="0"/>
+          </a:p>
+        </p:txBody>
+      </p:sp>
+      <p:cxnSp>
+        <p:nvCxnSpPr>
+          <p:cNvPr id="8" name="직선 화살표 연결선 10">
+            <a:extLst>
+              <a:ext uri="{FF2B5EF4-FFF2-40B4-BE49-F238E27FC236}">
+                <a16:creationId xmlns:a16="http://schemas.microsoft.com/office/drawing/2014/main" id="{AC41BCCF-F91A-42A5-95F6-EE774CE5BCCD}"/>
+              </a:ext>
+            </a:extLst>
+          </p:cNvPr>
+          <p:cNvCxnSpPr>
+            <a:stCxn id="6" idx="0"/>
+          </p:cNvCxnSpPr>
+          <p:nvPr/>
+        </p:nvCxnSpPr>
+        <p:spPr>
+          <a:xfrm flipH="1" flipV="1">
+            <a:off x="5304689" y="2213388"/>
+            <a:ext cx="783087" cy="1122741"/>
+          </a:xfrm>
+          <a:prstGeom prst="straightConnector1">
+            <a:avLst/>
+          </a:prstGeom>
+          <a:ln>
+            <a:tailEnd type="arrow"/>
+          </a:ln>
+        </p:spPr>
+        <p:style>
+          <a:lnRef idx="3">
+            <a:schemeClr val="dk1"/>
+          </a:lnRef>
+          <a:fillRef idx="0">
+            <a:schemeClr val="dk1"/>
+          </a:fillRef>
+          <a:effectRef idx="2">
+            <a:schemeClr val="dk1"/>
+          </a:effectRef>
+          <a:fontRef idx="minor">
+            <a:schemeClr val="tx1"/>
+          </a:fontRef>
+        </p:style>
+      </p:cxnSp>
+      <p:sp>
+        <p:nvSpPr>
+          <p:cNvPr id="9" name="标题 1">
+            <a:extLst>
+              <a:ext uri="{FF2B5EF4-FFF2-40B4-BE49-F238E27FC236}">
+                <a16:creationId xmlns:a16="http://schemas.microsoft.com/office/drawing/2014/main" id="{640D1C2F-75DD-47DB-A84A-AEA8166AE745}"/>
+              </a:ext>
+            </a:extLst>
+          </p:cNvPr>
+          <p:cNvSpPr txBox="1">
+            <a:spLocks/>
+          </p:cNvSpPr>
+          <p:nvPr/>
+        </p:nvSpPr>
+        <p:spPr>
+          <a:xfrm>
+            <a:off x="1765635" y="1167188"/>
+            <a:ext cx="1132797" cy="994172"/>
+          </a:xfrm>
+          <a:prstGeom prst="rect">
+            <a:avLst/>
+          </a:prstGeom>
+        </p:spPr>
+        <p:txBody>
+          <a:bodyPr vert="horz" lIns="91440" tIns="45720" rIns="91440" bIns="45720" rtlCol="0" anchor="ctr">
+            <a:normAutofit/>
+          </a:bodyPr>
+          <a:lstStyle>
+            <a:lvl1pPr algn="l" defTabSz="914400" rtl="0" eaLnBrk="1" latinLnBrk="0" hangingPunct="1">
+              <a:lnSpc>
+                <a:spcPct val="90000"/>
+              </a:lnSpc>
+              <a:spcBef>
+                <a:spcPct val="0"/>
+              </a:spcBef>
+              <a:buNone/>
+              <a:defRPr sz="4400" kern="1200">
+                <a:solidFill>
+                  <a:schemeClr val="tx1"/>
+                </a:solidFill>
+                <a:latin typeface="+mj-lt"/>
+                <a:ea typeface="+mj-ea"/>
+                <a:cs typeface="+mj-cs"/>
+              </a:defRPr>
+            </a:lvl1pPr>
+          </a:lstStyle>
+          <a:p>
+            <a:r>
+              <a:rPr lang="en-US" altLang="zh-CN"/>
+              <a:t>AR</a:t>
+            </a:r>
+            <a:r>
+              <a:rPr lang="zh-CN" altLang="en-US"/>
+              <a:t> </a:t>
+            </a:r>
+            <a:endParaRPr lang="zh-CN" altLang="en-US" dirty="0"/>
+          </a:p>
+        </p:txBody>
+      </p:sp>
       <p:pic>
         <p:nvPicPr>
-          <p:cNvPr id="8" name="图片 7"/>
+          <p:cNvPr id="10" name="图片 9">
+            <a:extLst>
+              <a:ext uri="{FF2B5EF4-FFF2-40B4-BE49-F238E27FC236}">
+                <a16:creationId xmlns:a16="http://schemas.microsoft.com/office/drawing/2014/main" id="{8F31631A-426C-4A78-8373-4E7EB6C7F1D9}"/>
+              </a:ext>
+            </a:extLst>
+          </p:cNvPr>
+          <p:cNvPicPr>
+            <a:picLocks noChangeAspect="1"/>
+          </p:cNvPicPr>
+          <p:nvPr/>
+        </p:nvPicPr>
+        <p:blipFill rotWithShape="1">
+          <a:blip r:embed="rId3" cstate="print">
+            <a:extLst>
+              <a:ext uri="{28A0092B-C50C-407E-A947-70E740481C1C}">
+                <a14:useLocalDpi xmlns:a14="http://schemas.microsoft.com/office/drawing/2010/main" val="0"/>
+              </a:ext>
+            </a:extLst>
+          </a:blip>
+          <a:srcRect l="18559" t="14412"/>
+          <a:stretch/>
+        </p:blipFill>
+        <p:spPr>
+          <a:xfrm>
+            <a:off x="8008554" y="2452776"/>
+            <a:ext cx="2355522" cy="1245427"/>
+          </a:xfrm>
+          <a:prstGeom prst="rect">
+            <a:avLst/>
+          </a:prstGeom>
+        </p:spPr>
+      </p:pic>
+      <p:cxnSp>
+        <p:nvCxnSpPr>
+          <p:cNvPr id="11" name="직선 화살표 연결선 6">
+            <a:extLst>
+              <a:ext uri="{FF2B5EF4-FFF2-40B4-BE49-F238E27FC236}">
+                <a16:creationId xmlns:a16="http://schemas.microsoft.com/office/drawing/2014/main" id="{58FEAAC1-EC62-4EF0-9BA6-53816ADCBD6E}"/>
+              </a:ext>
+            </a:extLst>
+          </p:cNvPr>
+          <p:cNvCxnSpPr>
+            <a:cxnSpLocks/>
+          </p:cNvCxnSpPr>
+          <p:nvPr/>
+        </p:nvCxnSpPr>
+        <p:spPr>
+          <a:xfrm flipV="1">
+            <a:off x="2260195" y="2213388"/>
+            <a:ext cx="892883" cy="1122741"/>
+          </a:xfrm>
+          <a:prstGeom prst="straightConnector1">
+            <a:avLst/>
+          </a:prstGeom>
+          <a:ln>
+            <a:tailEnd type="arrow"/>
+          </a:ln>
+        </p:spPr>
+        <p:style>
+          <a:lnRef idx="3">
+            <a:schemeClr val="dk1"/>
+          </a:lnRef>
+          <a:fillRef idx="0">
+            <a:schemeClr val="dk1"/>
+          </a:fillRef>
+          <a:effectRef idx="2">
+            <a:schemeClr val="dk1"/>
+          </a:effectRef>
+          <a:fontRef idx="minor">
+            <a:schemeClr val="tx1"/>
+          </a:fontRef>
+        </p:style>
+      </p:cxnSp>
+      <p:pic>
+        <p:nvPicPr>
+          <p:cNvPr id="12" name="图片 11">
+            <a:extLst>
+              <a:ext uri="{FF2B5EF4-FFF2-40B4-BE49-F238E27FC236}">
+                <a16:creationId xmlns:a16="http://schemas.microsoft.com/office/drawing/2014/main" id="{38A0011D-B458-4520-A89B-F0982B76E250}"/>
+              </a:ext>
+            </a:extLst>
+          </p:cNvPr>
           <p:cNvPicPr>
             <a:picLocks noChangeAspect="1"/>
           </p:cNvPicPr>
           <p:nvPr/>
         </p:nvPicPr>
         <p:blipFill>
-          <a:blip r:embed="rId2"/>
+          <a:blip r:embed="rId4"/>
           <a:stretch>
             <a:fillRect/>
           </a:stretch>
         </p:blipFill>
         <p:spPr>
           <a:xfrm>
-            <a:off x="387985" y="1393190"/>
-            <a:ext cx="5543550" cy="4791075"/>
+            <a:off x="6725636" y="1105927"/>
+            <a:ext cx="2650707" cy="1280928"/>
+          </a:xfrm>
+          <a:prstGeom prst="rect">
+            <a:avLst/>
+          </a:prstGeom>
+        </p:spPr>
+      </p:pic>
+      <p:pic>
+        <p:nvPicPr>
+          <p:cNvPr id="13" name="图片 12">
+            <a:extLst>
+              <a:ext uri="{FF2B5EF4-FFF2-40B4-BE49-F238E27FC236}">
+                <a16:creationId xmlns:a16="http://schemas.microsoft.com/office/drawing/2014/main" id="{A4E2B57F-2923-405A-BC08-31B292F5E685}"/>
+              </a:ext>
+            </a:extLst>
+          </p:cNvPr>
+          <p:cNvPicPr>
+            <a:picLocks noChangeAspect="1"/>
+          </p:cNvPicPr>
+          <p:nvPr/>
+        </p:nvPicPr>
+        <p:blipFill>
+          <a:blip r:embed="rId5"/>
+          <a:stretch>
+            <a:fillRect/>
+          </a:stretch>
+        </p:blipFill>
+        <p:spPr>
+          <a:xfrm>
+            <a:off x="6591874" y="3517050"/>
+            <a:ext cx="2100826" cy="986340"/>
+          </a:xfrm>
+          <a:prstGeom prst="rect">
+            <a:avLst/>
+          </a:prstGeom>
+        </p:spPr>
+      </p:pic>
+      <p:pic>
+        <p:nvPicPr>
+          <p:cNvPr id="14" name="图片 13">
+            <a:extLst>
+              <a:ext uri="{FF2B5EF4-FFF2-40B4-BE49-F238E27FC236}">
+                <a16:creationId xmlns:a16="http://schemas.microsoft.com/office/drawing/2014/main" id="{68381A87-42E0-4DD7-B190-9349917A6AED}"/>
+              </a:ext>
+            </a:extLst>
+          </p:cNvPr>
+          <p:cNvPicPr>
+            <a:picLocks noChangeAspect="1"/>
+          </p:cNvPicPr>
+          <p:nvPr/>
+        </p:nvPicPr>
+        <p:blipFill>
+          <a:blip r:embed="rId6"/>
+          <a:stretch>
+            <a:fillRect/>
+          </a:stretch>
+        </p:blipFill>
+        <p:spPr>
+          <a:xfrm>
+            <a:off x="8754924" y="4010221"/>
+            <a:ext cx="1616210" cy="1520603"/>
+          </a:xfrm>
+          <a:prstGeom prst="rect">
+            <a:avLst/>
+          </a:prstGeom>
+        </p:spPr>
+      </p:pic>
+      <p:pic>
+        <p:nvPicPr>
+          <p:cNvPr id="15" name="图片 14">
+            <a:extLst>
+              <a:ext uri="{FF2B5EF4-FFF2-40B4-BE49-F238E27FC236}">
+                <a16:creationId xmlns:a16="http://schemas.microsoft.com/office/drawing/2014/main" id="{F03DF7F7-670D-4308-9259-0E7D09906BD6}"/>
+              </a:ext>
+            </a:extLst>
+          </p:cNvPr>
+          <p:cNvPicPr>
+            <a:picLocks noChangeAspect="1"/>
+          </p:cNvPicPr>
+          <p:nvPr/>
+        </p:nvPicPr>
+        <p:blipFill>
+          <a:blip r:embed="rId7"/>
+          <a:stretch>
+            <a:fillRect/>
+          </a:stretch>
+        </p:blipFill>
+        <p:spPr>
+          <a:xfrm>
+            <a:off x="6916582" y="4657302"/>
+            <a:ext cx="1451408" cy="1219380"/>
           </a:xfrm>
           <a:prstGeom prst="rect">
             <a:avLst/>
@@ -3964,6 +7084,11 @@
         </p:spPr>
       </p:pic>
     </p:spTree>
+    <p:extLst>
+      <p:ext uri="{BB962C8B-B14F-4D97-AF65-F5344CB8AC3E}">
+        <p14:creationId xmlns:p14="http://schemas.microsoft.com/office/powerpoint/2010/main" val="3811048814"/>
+      </p:ext>
+    </p:extLst>
   </p:cSld>
   <p:clrMapOvr>
     <a:masterClrMapping/>
@@ -4222,6 +7347,8 @@
       </a:bgFillStyleLst>
     </a:fmtScheme>
   </a:themeElements>
+  <a:objectDefaults/>
+  <a:extraClrSchemeLst/>
   <a:extLst>
     <a:ext uri="{05A4C25C-085E-4340-85A3-A5531E510DB2}">
       <thm15:themeFamily xmlns:thm15="http://schemas.microsoft.com/office/thememl/2012/main" name="Office Theme" id="{62F939B6-93AF-4DB8-9C6B-D6C7DFDC589F}" vid="{4A3C46E8-61CC-4603-A589-7422A47A8E4A}"/>
